--- a/문서 관리/07. 유스케이스/07. 유스케이스(사용자).pptx
+++ b/문서 관리/07. 유스케이스/07. 유스케이스(사용자).pptx
@@ -243,7 +243,7 @@
           <a:p>
             <a:fld id="{19FDD50A-CFF0-4AD3-91EA-AE2AFF9D3E3A}" type="datetimeFigureOut">
               <a:rPr lang="ko-KR" altLang="en-US" smtClean="0"/>
-              <a:t>2023-05-04</a:t>
+              <a:t>2023-05-08</a:t>
             </a:fld>
             <a:endParaRPr lang="ko-KR" altLang="en-US"/>
           </a:p>
@@ -413,7 +413,7 @@
           <a:p>
             <a:fld id="{19FDD50A-CFF0-4AD3-91EA-AE2AFF9D3E3A}" type="datetimeFigureOut">
               <a:rPr lang="ko-KR" altLang="en-US" smtClean="0"/>
-              <a:t>2023-05-04</a:t>
+              <a:t>2023-05-08</a:t>
             </a:fld>
             <a:endParaRPr lang="ko-KR" altLang="en-US"/>
           </a:p>
@@ -593,7 +593,7 @@
           <a:p>
             <a:fld id="{19FDD50A-CFF0-4AD3-91EA-AE2AFF9D3E3A}" type="datetimeFigureOut">
               <a:rPr lang="ko-KR" altLang="en-US" smtClean="0"/>
-              <a:t>2023-05-04</a:t>
+              <a:t>2023-05-08</a:t>
             </a:fld>
             <a:endParaRPr lang="ko-KR" altLang="en-US"/>
           </a:p>
@@ -763,7 +763,7 @@
           <a:p>
             <a:fld id="{19FDD50A-CFF0-4AD3-91EA-AE2AFF9D3E3A}" type="datetimeFigureOut">
               <a:rPr lang="ko-KR" altLang="en-US" smtClean="0"/>
-              <a:t>2023-05-04</a:t>
+              <a:t>2023-05-08</a:t>
             </a:fld>
             <a:endParaRPr lang="ko-KR" altLang="en-US"/>
           </a:p>
@@ -1009,7 +1009,7 @@
           <a:p>
             <a:fld id="{19FDD50A-CFF0-4AD3-91EA-AE2AFF9D3E3A}" type="datetimeFigureOut">
               <a:rPr lang="ko-KR" altLang="en-US" smtClean="0"/>
-              <a:t>2023-05-04</a:t>
+              <a:t>2023-05-08</a:t>
             </a:fld>
             <a:endParaRPr lang="ko-KR" altLang="en-US"/>
           </a:p>
@@ -1241,7 +1241,7 @@
           <a:p>
             <a:fld id="{19FDD50A-CFF0-4AD3-91EA-AE2AFF9D3E3A}" type="datetimeFigureOut">
               <a:rPr lang="ko-KR" altLang="en-US" smtClean="0"/>
-              <a:t>2023-05-04</a:t>
+              <a:t>2023-05-08</a:t>
             </a:fld>
             <a:endParaRPr lang="ko-KR" altLang="en-US"/>
           </a:p>
@@ -1608,7 +1608,7 @@
           <a:p>
             <a:fld id="{19FDD50A-CFF0-4AD3-91EA-AE2AFF9D3E3A}" type="datetimeFigureOut">
               <a:rPr lang="ko-KR" altLang="en-US" smtClean="0"/>
-              <a:t>2023-05-04</a:t>
+              <a:t>2023-05-08</a:t>
             </a:fld>
             <a:endParaRPr lang="ko-KR" altLang="en-US"/>
           </a:p>
@@ -1726,7 +1726,7 @@
           <a:p>
             <a:fld id="{19FDD50A-CFF0-4AD3-91EA-AE2AFF9D3E3A}" type="datetimeFigureOut">
               <a:rPr lang="ko-KR" altLang="en-US" smtClean="0"/>
-              <a:t>2023-05-04</a:t>
+              <a:t>2023-05-08</a:t>
             </a:fld>
             <a:endParaRPr lang="ko-KR" altLang="en-US"/>
           </a:p>
@@ -1821,7 +1821,7 @@
           <a:p>
             <a:fld id="{19FDD50A-CFF0-4AD3-91EA-AE2AFF9D3E3A}" type="datetimeFigureOut">
               <a:rPr lang="ko-KR" altLang="en-US" smtClean="0"/>
-              <a:t>2023-05-04</a:t>
+              <a:t>2023-05-08</a:t>
             </a:fld>
             <a:endParaRPr lang="ko-KR" altLang="en-US"/>
           </a:p>
@@ -2098,7 +2098,7 @@
           <a:p>
             <a:fld id="{19FDD50A-CFF0-4AD3-91EA-AE2AFF9D3E3A}" type="datetimeFigureOut">
               <a:rPr lang="ko-KR" altLang="en-US" smtClean="0"/>
-              <a:t>2023-05-04</a:t>
+              <a:t>2023-05-08</a:t>
             </a:fld>
             <a:endParaRPr lang="ko-KR" altLang="en-US"/>
           </a:p>
@@ -2351,7 +2351,7 @@
           <a:p>
             <a:fld id="{19FDD50A-CFF0-4AD3-91EA-AE2AFF9D3E3A}" type="datetimeFigureOut">
               <a:rPr lang="ko-KR" altLang="en-US" smtClean="0"/>
-              <a:t>2023-05-04</a:t>
+              <a:t>2023-05-08</a:t>
             </a:fld>
             <a:endParaRPr lang="ko-KR" altLang="en-US"/>
           </a:p>
@@ -2564,7 +2564,7 @@
           <a:p>
             <a:fld id="{19FDD50A-CFF0-4AD3-91EA-AE2AFF9D3E3A}" type="datetimeFigureOut">
               <a:rPr lang="ko-KR" altLang="en-US" smtClean="0"/>
-              <a:t>2023-05-04</a:t>
+              <a:t>2023-05-08</a:t>
             </a:fld>
             <a:endParaRPr lang="ko-KR" altLang="en-US"/>
           </a:p>
@@ -3877,7 +3877,7 @@
         </p:nvSpPr>
         <p:spPr>
           <a:xfrm>
-            <a:off x="10770969" y="1730976"/>
+            <a:off x="10729404" y="1730976"/>
             <a:ext cx="1146174" cy="482295"/>
           </a:xfrm>
           <a:prstGeom prst="ellipse">
@@ -3919,7 +3919,7 @@
         </p:nvSpPr>
         <p:spPr>
           <a:xfrm>
-            <a:off x="10764691" y="1157017"/>
+            <a:off x="10723126" y="1157017"/>
             <a:ext cx="1146174" cy="482295"/>
           </a:xfrm>
           <a:prstGeom prst="ellipse">
@@ -3969,7 +3969,7 @@
         </p:nvSpPr>
         <p:spPr>
           <a:xfrm>
-            <a:off x="9464918" y="1150162"/>
+            <a:off x="9423353" y="1150162"/>
             <a:ext cx="1146174" cy="482295"/>
           </a:xfrm>
           <a:prstGeom prst="ellipse">
@@ -3997,7 +3997,7 @@
             <a:pPr algn="ctr"/>
             <a:r>
               <a:rPr lang="ko-KR" altLang="en-US" sz="1100" dirty="0" smtClean="0"/>
-              <a:t>화상 상담</a:t>
+              <a:t>비대면 </a:t>
             </a:r>
             <a:endParaRPr lang="en-US" altLang="ko-KR" sz="1100" dirty="0" smtClean="0"/>
           </a:p>
@@ -4005,7 +4005,7 @@
             <a:pPr algn="ctr"/>
             <a:r>
               <a:rPr lang="ko-KR" altLang="en-US" sz="1100" dirty="0" smtClean="0"/>
-              <a:t>예약</a:t>
+              <a:t>상담 예약</a:t>
             </a:r>
             <a:endParaRPr lang="ko-KR" altLang="en-US" sz="1100" dirty="0"/>
           </a:p>
@@ -4013,13 +4013,13 @@
       </p:sp>
       <p:sp>
         <p:nvSpPr>
-          <p:cNvPr id="57" name="타원 56"/>
+          <p:cNvPr id="58" name="타원 57"/>
           <p:cNvSpPr/>
           <p:nvPr/>
         </p:nvSpPr>
         <p:spPr>
           <a:xfrm>
-            <a:off x="9464918" y="1719930"/>
+            <a:off x="10729404" y="2277242"/>
             <a:ext cx="1146174" cy="482295"/>
           </a:xfrm>
           <a:prstGeom prst="ellipse">
@@ -4047,56 +4047,6 @@
             <a:pPr algn="ctr"/>
             <a:r>
               <a:rPr lang="ko-KR" altLang="en-US" sz="1100" dirty="0" smtClean="0"/>
-              <a:t>전화상담</a:t>
-            </a:r>
-            <a:endParaRPr lang="en-US" altLang="ko-KR" sz="1100" dirty="0" smtClean="0"/>
-          </a:p>
-          <a:p>
-            <a:pPr algn="ctr"/>
-            <a:r>
-              <a:rPr lang="ko-KR" altLang="en-US" sz="1100" dirty="0" smtClean="0"/>
-              <a:t>예약</a:t>
-            </a:r>
-            <a:endParaRPr lang="ko-KR" altLang="en-US" sz="1100" dirty="0"/>
-          </a:p>
-        </p:txBody>
-      </p:sp>
-      <p:sp>
-        <p:nvSpPr>
-          <p:cNvPr id="58" name="타원 57"/>
-          <p:cNvSpPr/>
-          <p:nvPr/>
-        </p:nvSpPr>
-        <p:spPr>
-          <a:xfrm>
-            <a:off x="10770969" y="2277242"/>
-            <a:ext cx="1146174" cy="482295"/>
-          </a:xfrm>
-          <a:prstGeom prst="ellipse">
-            <a:avLst/>
-          </a:prstGeom>
-        </p:spPr>
-        <p:style>
-          <a:lnRef idx="2">
-            <a:schemeClr val="dk1"/>
-          </a:lnRef>
-          <a:fillRef idx="1">
-            <a:schemeClr val="lt1"/>
-          </a:fillRef>
-          <a:effectRef idx="0">
-            <a:schemeClr val="dk1"/>
-          </a:effectRef>
-          <a:fontRef idx="minor">
-            <a:schemeClr val="dk1"/>
-          </a:fontRef>
-        </p:style>
-        <p:txBody>
-          <a:bodyPr rtlCol="0" anchor="ctr"/>
-          <a:lstStyle/>
-          <a:p>
-            <a:pPr algn="ctr"/>
-            <a:r>
-              <a:rPr lang="ko-KR" altLang="en-US" sz="1100" dirty="0" smtClean="0"/>
               <a:t>희망 일시</a:t>
             </a:r>
             <a:endParaRPr lang="en-US" altLang="ko-KR" sz="1100" dirty="0" smtClean="0"/>
@@ -4119,7 +4069,7 @@
         </p:nvSpPr>
         <p:spPr>
           <a:xfrm>
-            <a:off x="9445929" y="588931"/>
+            <a:off x="9404364" y="588931"/>
             <a:ext cx="1146174" cy="482295"/>
           </a:xfrm>
           <a:prstGeom prst="ellipse">
@@ -5645,8 +5595,8 @@
         </p:nvSpPr>
         <p:spPr>
           <a:xfrm>
-            <a:off x="10832272" y="2810684"/>
-            <a:ext cx="1078593" cy="500536"/>
+            <a:off x="9412472" y="2821716"/>
+            <a:ext cx="1148742" cy="500536"/>
           </a:xfrm>
           <a:prstGeom prst="ellipse">
             <a:avLst/>
@@ -5695,7 +5645,7 @@
         </p:nvSpPr>
         <p:spPr>
           <a:xfrm>
-            <a:off x="9473339" y="2268924"/>
+            <a:off x="9427121" y="2267098"/>
             <a:ext cx="1145283" cy="500536"/>
           </a:xfrm>
           <a:prstGeom prst="ellipse">
@@ -6775,7 +6725,7 @@
         </p:nvSpPr>
         <p:spPr>
           <a:xfrm>
-            <a:off x="9464918" y="2833574"/>
+            <a:off x="9423353" y="1730975"/>
             <a:ext cx="1146174" cy="482295"/>
           </a:xfrm>
           <a:prstGeom prst="ellipse">
@@ -6803,7 +6753,7 @@
             <a:pPr algn="ctr"/>
             <a:r>
               <a:rPr lang="ko-KR" altLang="en-US" sz="1100" dirty="0" smtClean="0"/>
-              <a:t>상담 신청</a:t>
+              <a:t>신청 상태 확인</a:t>
             </a:r>
             <a:endParaRPr lang="ko-KR" altLang="en-US" sz="1100" dirty="0"/>
           </a:p>
@@ -6817,7 +6767,7 @@
         </p:nvSpPr>
         <p:spPr>
           <a:xfrm>
-            <a:off x="10764691" y="610751"/>
+            <a:off x="10723126" y="610751"/>
             <a:ext cx="1146174" cy="482295"/>
           </a:xfrm>
           <a:prstGeom prst="ellipse">
@@ -7012,8 +6962,8 @@
         </p:nvCxnSpPr>
         <p:spPr>
           <a:xfrm rot="10800000" flipV="1">
-            <a:off x="9111313" y="2519191"/>
-            <a:ext cx="362026" cy="67477"/>
+            <a:off x="9111313" y="2517365"/>
+            <a:ext cx="315808" cy="69303"/>
           </a:xfrm>
           <a:prstGeom prst="curvedConnector3">
             <a:avLst>
@@ -7264,6 +7214,60 @@
             <a:r>
               <a:rPr lang="ko-KR" altLang="en-US" sz="1100" dirty="0" smtClean="0"/>
               <a:t>실시</a:t>
+            </a:r>
+            <a:endParaRPr lang="ko-KR" altLang="en-US" sz="1100" dirty="0"/>
+          </a:p>
+        </p:txBody>
+      </p:sp>
+      <p:sp>
+        <p:nvSpPr>
+          <p:cNvPr id="106" name="타원 105"/>
+          <p:cNvSpPr/>
+          <p:nvPr/>
+        </p:nvSpPr>
+        <p:spPr>
+          <a:xfrm>
+            <a:off x="10611092" y="2830029"/>
+            <a:ext cx="1330062" cy="482295"/>
+          </a:xfrm>
+          <a:prstGeom prst="ellipse">
+            <a:avLst/>
+          </a:prstGeom>
+        </p:spPr>
+        <p:style>
+          <a:lnRef idx="2">
+            <a:schemeClr val="dk1"/>
+          </a:lnRef>
+          <a:fillRef idx="1">
+            <a:schemeClr val="lt1"/>
+          </a:fillRef>
+          <a:effectRef idx="0">
+            <a:schemeClr val="dk1"/>
+          </a:effectRef>
+          <a:fontRef idx="minor">
+            <a:schemeClr val="dk1"/>
+          </a:fontRef>
+        </p:style>
+        <p:txBody>
+          <a:bodyPr rtlCol="0" anchor="ctr"/>
+          <a:lstStyle/>
+          <a:p>
+            <a:pPr algn="ctr"/>
+            <a:r>
+              <a:rPr lang="ko-KR" altLang="en-US" sz="1100" dirty="0" smtClean="0"/>
+              <a:t>상담</a:t>
+            </a:r>
+            <a:r>
+              <a:rPr lang="en-US" altLang="ko-KR" sz="1100" dirty="0"/>
+              <a:t> </a:t>
+            </a:r>
+            <a:endParaRPr lang="en-US" altLang="ko-KR" sz="1100" dirty="0" smtClean="0"/>
+          </a:p>
+          <a:p>
+            <a:pPr algn="ctr"/>
+            <a:r>
+              <a:rPr lang="ko-KR" altLang="en-US" sz="1100" dirty="0" smtClean="0"/>
+              <a:t>페이지 이동</a:t>
             </a:r>
             <a:endParaRPr lang="ko-KR" altLang="en-US" sz="1100" dirty="0"/>
           </a:p>

--- a/문서 관리/07. 유스케이스/07. 유스케이스(사용자).pptx
+++ b/문서 관리/07. 유스케이스/07. 유스케이스(사용자).pptx
@@ -243,7 +243,7 @@
           <a:p>
             <a:fld id="{19FDD50A-CFF0-4AD3-91EA-AE2AFF9D3E3A}" type="datetimeFigureOut">
               <a:rPr lang="ko-KR" altLang="en-US" smtClean="0"/>
-              <a:t>2023-05-08</a:t>
+              <a:t>2023-05-09</a:t>
             </a:fld>
             <a:endParaRPr lang="ko-KR" altLang="en-US"/>
           </a:p>
@@ -413,7 +413,7 @@
           <a:p>
             <a:fld id="{19FDD50A-CFF0-4AD3-91EA-AE2AFF9D3E3A}" type="datetimeFigureOut">
               <a:rPr lang="ko-KR" altLang="en-US" smtClean="0"/>
-              <a:t>2023-05-08</a:t>
+              <a:t>2023-05-09</a:t>
             </a:fld>
             <a:endParaRPr lang="ko-KR" altLang="en-US"/>
           </a:p>
@@ -593,7 +593,7 @@
           <a:p>
             <a:fld id="{19FDD50A-CFF0-4AD3-91EA-AE2AFF9D3E3A}" type="datetimeFigureOut">
               <a:rPr lang="ko-KR" altLang="en-US" smtClean="0"/>
-              <a:t>2023-05-08</a:t>
+              <a:t>2023-05-09</a:t>
             </a:fld>
             <a:endParaRPr lang="ko-KR" altLang="en-US"/>
           </a:p>
@@ -763,7 +763,7 @@
           <a:p>
             <a:fld id="{19FDD50A-CFF0-4AD3-91EA-AE2AFF9D3E3A}" type="datetimeFigureOut">
               <a:rPr lang="ko-KR" altLang="en-US" smtClean="0"/>
-              <a:t>2023-05-08</a:t>
+              <a:t>2023-05-09</a:t>
             </a:fld>
             <a:endParaRPr lang="ko-KR" altLang="en-US"/>
           </a:p>
@@ -1009,7 +1009,7 @@
           <a:p>
             <a:fld id="{19FDD50A-CFF0-4AD3-91EA-AE2AFF9D3E3A}" type="datetimeFigureOut">
               <a:rPr lang="ko-KR" altLang="en-US" smtClean="0"/>
-              <a:t>2023-05-08</a:t>
+              <a:t>2023-05-09</a:t>
             </a:fld>
             <a:endParaRPr lang="ko-KR" altLang="en-US"/>
           </a:p>
@@ -1241,7 +1241,7 @@
           <a:p>
             <a:fld id="{19FDD50A-CFF0-4AD3-91EA-AE2AFF9D3E3A}" type="datetimeFigureOut">
               <a:rPr lang="ko-KR" altLang="en-US" smtClean="0"/>
-              <a:t>2023-05-08</a:t>
+              <a:t>2023-05-09</a:t>
             </a:fld>
             <a:endParaRPr lang="ko-KR" altLang="en-US"/>
           </a:p>
@@ -1608,7 +1608,7 @@
           <a:p>
             <a:fld id="{19FDD50A-CFF0-4AD3-91EA-AE2AFF9D3E3A}" type="datetimeFigureOut">
               <a:rPr lang="ko-KR" altLang="en-US" smtClean="0"/>
-              <a:t>2023-05-08</a:t>
+              <a:t>2023-05-09</a:t>
             </a:fld>
             <a:endParaRPr lang="ko-KR" altLang="en-US"/>
           </a:p>
@@ -1726,7 +1726,7 @@
           <a:p>
             <a:fld id="{19FDD50A-CFF0-4AD3-91EA-AE2AFF9D3E3A}" type="datetimeFigureOut">
               <a:rPr lang="ko-KR" altLang="en-US" smtClean="0"/>
-              <a:t>2023-05-08</a:t>
+              <a:t>2023-05-09</a:t>
             </a:fld>
             <a:endParaRPr lang="ko-KR" altLang="en-US"/>
           </a:p>
@@ -1821,7 +1821,7 @@
           <a:p>
             <a:fld id="{19FDD50A-CFF0-4AD3-91EA-AE2AFF9D3E3A}" type="datetimeFigureOut">
               <a:rPr lang="ko-KR" altLang="en-US" smtClean="0"/>
-              <a:t>2023-05-08</a:t>
+              <a:t>2023-05-09</a:t>
             </a:fld>
             <a:endParaRPr lang="ko-KR" altLang="en-US"/>
           </a:p>
@@ -2098,7 +2098,7 @@
           <a:p>
             <a:fld id="{19FDD50A-CFF0-4AD3-91EA-AE2AFF9D3E3A}" type="datetimeFigureOut">
               <a:rPr lang="ko-KR" altLang="en-US" smtClean="0"/>
-              <a:t>2023-05-08</a:t>
+              <a:t>2023-05-09</a:t>
             </a:fld>
             <a:endParaRPr lang="ko-KR" altLang="en-US"/>
           </a:p>
@@ -2351,7 +2351,7 @@
           <a:p>
             <a:fld id="{19FDD50A-CFF0-4AD3-91EA-AE2AFF9D3E3A}" type="datetimeFigureOut">
               <a:rPr lang="ko-KR" altLang="en-US" smtClean="0"/>
-              <a:t>2023-05-08</a:t>
+              <a:t>2023-05-09</a:t>
             </a:fld>
             <a:endParaRPr lang="ko-KR" altLang="en-US"/>
           </a:p>
@@ -2564,7 +2564,7 @@
           <a:p>
             <a:fld id="{19FDD50A-CFF0-4AD3-91EA-AE2AFF9D3E3A}" type="datetimeFigureOut">
               <a:rPr lang="ko-KR" altLang="en-US" smtClean="0"/>
-              <a:t>2023-05-08</a:t>
+              <a:t>2023-05-09</a:t>
             </a:fld>
             <a:endParaRPr lang="ko-KR" altLang="en-US"/>
           </a:p>
@@ -2977,7 +2977,7 @@
         </p:nvSpPr>
         <p:spPr>
           <a:xfrm>
-            <a:off x="4512858" y="2955926"/>
+            <a:off x="4118126" y="2812443"/>
             <a:ext cx="1050536" cy="408398"/>
           </a:xfrm>
           <a:prstGeom prst="ellipse">
@@ -3021,11 +3021,13 @@
         </p:nvCxnSpPr>
         <p:spPr>
           <a:xfrm rot="10800000">
-            <a:off x="5563395" y="3160126"/>
-            <a:ext cx="472399" cy="236831"/>
+            <a:off x="5168662" y="3016643"/>
+            <a:ext cx="924420" cy="142465"/>
           </a:xfrm>
           <a:prstGeom prst="curvedConnector3">
-            <a:avLst/>
+            <a:avLst>
+              <a:gd name="adj1" fmla="val 50000"/>
+            </a:avLst>
           </a:prstGeom>
           <a:ln>
             <a:tailEnd type="triangle"/>
@@ -3054,8 +3056,8 @@
         </p:nvSpPr>
         <p:spPr>
           <a:xfrm>
-            <a:off x="4094328" y="2161644"/>
-            <a:ext cx="1050536" cy="408398"/>
+            <a:off x="4734678" y="1908191"/>
+            <a:ext cx="1050536" cy="472956"/>
           </a:xfrm>
           <a:prstGeom prst="ellipse">
             <a:avLst/>
@@ -3098,9 +3100,9 @@
           <p:nvPr/>
         </p:nvCxnSpPr>
         <p:spPr>
-          <a:xfrm rot="16200000" flipV="1">
-            <a:off x="4635919" y="2553719"/>
-            <a:ext cx="385884" cy="418530"/>
+          <a:xfrm rot="5400000" flipH="1" flipV="1">
+            <a:off x="4736022" y="2288519"/>
+            <a:ext cx="431296" cy="616552"/>
           </a:xfrm>
           <a:prstGeom prst="curvedConnector3">
             <a:avLst>
@@ -3134,7 +3136,7 @@
         </p:nvSpPr>
         <p:spPr>
           <a:xfrm>
-            <a:off x="192757" y="145194"/>
+            <a:off x="831598" y="95428"/>
             <a:ext cx="3790753" cy="2258271"/>
           </a:xfrm>
           <a:prstGeom prst="rect">
@@ -3179,256 +3181,8 @@
         </p:nvCxnSpPr>
         <p:spPr>
           <a:xfrm rot="16200000" flipV="1">
-            <a:off x="3071285" y="1420314"/>
-            <a:ext cx="612270" cy="2578571"/>
-          </a:xfrm>
-          <a:prstGeom prst="curvedConnector3">
-            <a:avLst>
-              <a:gd name="adj1" fmla="val 75796"/>
-            </a:avLst>
-          </a:prstGeom>
-          <a:ln>
-            <a:tailEnd type="triangle"/>
-          </a:ln>
-        </p:spPr>
-        <p:style>
-          <a:lnRef idx="3">
-            <a:schemeClr val="dk1"/>
-          </a:lnRef>
-          <a:fillRef idx="0">
-            <a:schemeClr val="dk1"/>
-          </a:fillRef>
-          <a:effectRef idx="2">
-            <a:schemeClr val="dk1"/>
-          </a:effectRef>
-          <a:fontRef idx="minor">
-            <a:schemeClr val="tx1"/>
-          </a:fontRef>
-        </p:style>
-      </p:cxnSp>
-      <p:sp>
-        <p:nvSpPr>
-          <p:cNvPr id="38" name="직사각형 37"/>
-          <p:cNvSpPr/>
-          <p:nvPr/>
-        </p:nvSpPr>
-        <p:spPr>
-          <a:xfrm>
-            <a:off x="6059138" y="187065"/>
-            <a:ext cx="2908177" cy="1600708"/>
-          </a:xfrm>
-          <a:prstGeom prst="rect">
-            <a:avLst/>
-          </a:prstGeom>
-        </p:spPr>
-        <p:style>
-          <a:lnRef idx="2">
-            <a:schemeClr val="dk1"/>
-          </a:lnRef>
-          <a:fillRef idx="1">
-            <a:schemeClr val="lt1"/>
-          </a:fillRef>
-          <a:effectRef idx="0">
-            <a:schemeClr val="dk1"/>
-          </a:effectRef>
-          <a:fontRef idx="minor">
-            <a:schemeClr val="dk1"/>
-          </a:fontRef>
-        </p:style>
-        <p:txBody>
-          <a:bodyPr rtlCol="0" anchor="t"/>
-          <a:lstStyle/>
-          <a:p>
-            <a:pPr algn="ctr"/>
-            <a:r>
-              <a:rPr lang="ko-KR" altLang="en-US" sz="1200" dirty="0" smtClean="0"/>
-              <a:t>서울 위</a:t>
-            </a:r>
-            <a:r>
-              <a:rPr lang="en-US" altLang="ko-KR" sz="1200" dirty="0" smtClean="0"/>
-              <a:t>(Wee)</a:t>
-            </a:r>
-            <a:endParaRPr lang="ko-KR" altLang="en-US" sz="1200" dirty="0"/>
-          </a:p>
-        </p:txBody>
-      </p:sp>
-      <p:sp>
-        <p:nvSpPr>
-          <p:cNvPr id="39" name="직사각형 38"/>
-          <p:cNvSpPr/>
-          <p:nvPr/>
-        </p:nvSpPr>
-        <p:spPr>
-          <a:xfrm>
-            <a:off x="350181" y="2588891"/>
-            <a:ext cx="2236133" cy="2071507"/>
-          </a:xfrm>
-          <a:prstGeom prst="rect">
-            <a:avLst/>
-          </a:prstGeom>
-        </p:spPr>
-        <p:style>
-          <a:lnRef idx="2">
-            <a:schemeClr val="dk1"/>
-          </a:lnRef>
-          <a:fillRef idx="1">
-            <a:schemeClr val="lt1"/>
-          </a:fillRef>
-          <a:effectRef idx="0">
-            <a:schemeClr val="dk1"/>
-          </a:effectRef>
-          <a:fontRef idx="minor">
-            <a:schemeClr val="dk1"/>
-          </a:fontRef>
-        </p:style>
-        <p:txBody>
-          <a:bodyPr rtlCol="0" anchor="t"/>
-          <a:lstStyle/>
-          <a:p>
-            <a:pPr algn="ctr"/>
-            <a:r>
-              <a:rPr lang="ko-KR" altLang="en-US" sz="1200" dirty="0" smtClean="0"/>
-              <a:t>마음건강검사</a:t>
-            </a:r>
-            <a:endParaRPr lang="ko-KR" altLang="en-US" sz="1200" dirty="0"/>
-          </a:p>
-        </p:txBody>
-      </p:sp>
-      <p:sp>
-        <p:nvSpPr>
-          <p:cNvPr id="40" name="직사각형 39"/>
-          <p:cNvSpPr/>
-          <p:nvPr/>
-        </p:nvSpPr>
-        <p:spPr>
-          <a:xfrm>
-            <a:off x="2965820" y="3990232"/>
-            <a:ext cx="2553223" cy="2741896"/>
-          </a:xfrm>
-          <a:prstGeom prst="rect">
-            <a:avLst/>
-          </a:prstGeom>
-        </p:spPr>
-        <p:style>
-          <a:lnRef idx="2">
-            <a:schemeClr val="dk1"/>
-          </a:lnRef>
-          <a:fillRef idx="1">
-            <a:schemeClr val="lt1"/>
-          </a:fillRef>
-          <a:effectRef idx="0">
-            <a:schemeClr val="dk1"/>
-          </a:effectRef>
-          <a:fontRef idx="minor">
-            <a:schemeClr val="dk1"/>
-          </a:fontRef>
-        </p:style>
-        <p:txBody>
-          <a:bodyPr rtlCol="0" anchor="t"/>
-          <a:lstStyle/>
-          <a:p>
-            <a:pPr algn="ctr"/>
-            <a:r>
-              <a:rPr lang="ko-KR" altLang="en-US" sz="1200" dirty="0" smtClean="0"/>
-              <a:t>마음건강정보</a:t>
-            </a:r>
-            <a:endParaRPr lang="ko-KR" altLang="en-US" sz="1200" dirty="0"/>
-          </a:p>
-        </p:txBody>
-      </p:sp>
-      <p:sp>
-        <p:nvSpPr>
-          <p:cNvPr id="41" name="직사각형 40"/>
-          <p:cNvSpPr/>
-          <p:nvPr/>
-        </p:nvSpPr>
-        <p:spPr>
-          <a:xfrm>
-            <a:off x="4206174" y="112060"/>
-            <a:ext cx="1699365" cy="1960990"/>
-          </a:xfrm>
-          <a:prstGeom prst="rect">
-            <a:avLst/>
-          </a:prstGeom>
-        </p:spPr>
-        <p:style>
-          <a:lnRef idx="2">
-            <a:schemeClr val="dk1"/>
-          </a:lnRef>
-          <a:fillRef idx="1">
-            <a:schemeClr val="lt1"/>
-          </a:fillRef>
-          <a:effectRef idx="0">
-            <a:schemeClr val="dk1"/>
-          </a:effectRef>
-          <a:fontRef idx="minor">
-            <a:schemeClr val="dk1"/>
-          </a:fontRef>
-        </p:style>
-        <p:txBody>
-          <a:bodyPr rtlCol="0" anchor="t"/>
-          <a:lstStyle/>
-          <a:p>
-            <a:pPr algn="ctr"/>
-            <a:r>
-              <a:rPr lang="en-US" altLang="ko-KR" sz="1200" dirty="0" smtClean="0"/>
-              <a:t>Wee-Network</a:t>
-            </a:r>
-          </a:p>
-        </p:txBody>
-      </p:sp>
-      <p:sp>
-        <p:nvSpPr>
-          <p:cNvPr id="44" name="직사각형 43"/>
-          <p:cNvSpPr/>
-          <p:nvPr/>
-        </p:nvSpPr>
-        <p:spPr>
-          <a:xfrm>
-            <a:off x="9271427" y="310882"/>
-            <a:ext cx="2734887" cy="3069114"/>
-          </a:xfrm>
-          <a:prstGeom prst="rect">
-            <a:avLst/>
-          </a:prstGeom>
-        </p:spPr>
-        <p:style>
-          <a:lnRef idx="2">
-            <a:schemeClr val="dk1"/>
-          </a:lnRef>
-          <a:fillRef idx="1">
-            <a:schemeClr val="lt1"/>
-          </a:fillRef>
-          <a:effectRef idx="0">
-            <a:schemeClr val="dk1"/>
-          </a:effectRef>
-          <a:fontRef idx="minor">
-            <a:schemeClr val="dk1"/>
-          </a:fontRef>
-        </p:style>
-        <p:txBody>
-          <a:bodyPr rtlCol="0" anchor="t"/>
-          <a:lstStyle/>
-          <a:p>
-            <a:pPr algn="ctr"/>
-            <a:r>
-              <a:rPr lang="ko-KR" altLang="en-US" sz="1200" smtClean="0"/>
-              <a:t>상담신청</a:t>
-            </a:r>
-            <a:endParaRPr lang="ko-KR" altLang="en-US" sz="1200" dirty="0"/>
-          </a:p>
-        </p:txBody>
-      </p:sp>
-      <p:cxnSp>
-        <p:nvCxnSpPr>
-          <p:cNvPr id="47" name="구부러진 연결선 46"/>
-          <p:cNvCxnSpPr/>
-          <p:nvPr/>
-        </p:nvCxnSpPr>
-        <p:spPr>
-          <a:xfrm rot="5400000" flipH="1" flipV="1">
-            <a:off x="6074090" y="2478983"/>
-            <a:ext cx="616626" cy="305454"/>
+            <a:off x="3240198" y="1840477"/>
+            <a:ext cx="518553" cy="1544998"/>
           </a:xfrm>
           <a:prstGeom prst="curvedConnector3">
             <a:avLst>
@@ -3456,14 +3210,14 @@
       </p:cxnSp>
       <p:sp>
         <p:nvSpPr>
-          <p:cNvPr id="52" name="직사각형 51"/>
+          <p:cNvPr id="38" name="직사각형 37"/>
           <p:cNvSpPr/>
           <p:nvPr/>
         </p:nvSpPr>
         <p:spPr>
           <a:xfrm>
-            <a:off x="6602012" y="3697129"/>
-            <a:ext cx="3248239" cy="932353"/>
+            <a:off x="5250616" y="187065"/>
+            <a:ext cx="2908177" cy="1600708"/>
           </a:xfrm>
           <a:prstGeom prst="rect">
             <a:avLst/>
@@ -3490,22 +3244,154 @@
             <a:pPr algn="ctr"/>
             <a:r>
               <a:rPr lang="ko-KR" altLang="en-US" sz="1200" dirty="0" smtClean="0"/>
-              <a:t>퀵 메뉴</a:t>
-            </a:r>
-            <a:endParaRPr lang="en-US" altLang="ko-KR" sz="1200" dirty="0" smtClean="0"/>
+              <a:t>서울 위</a:t>
+            </a:r>
+            <a:r>
+              <a:rPr lang="en-US" altLang="ko-KR" sz="1200" dirty="0" smtClean="0"/>
+              <a:t>(Wee)</a:t>
+            </a:r>
+            <a:endParaRPr lang="ko-KR" altLang="en-US" sz="1200" dirty="0"/>
+          </a:p>
+        </p:txBody>
+      </p:sp>
+      <p:sp>
+        <p:nvSpPr>
+          <p:cNvPr id="39" name="직사각형 38"/>
+          <p:cNvSpPr/>
+          <p:nvPr/>
+        </p:nvSpPr>
+        <p:spPr>
+          <a:xfrm>
+            <a:off x="350181" y="2588891"/>
+            <a:ext cx="2236133" cy="2071507"/>
+          </a:xfrm>
+          <a:prstGeom prst="rect">
+            <a:avLst/>
+          </a:prstGeom>
+        </p:spPr>
+        <p:style>
+          <a:lnRef idx="2">
+            <a:schemeClr val="dk1"/>
+          </a:lnRef>
+          <a:fillRef idx="1">
+            <a:schemeClr val="lt1"/>
+          </a:fillRef>
+          <a:effectRef idx="0">
+            <a:schemeClr val="dk1"/>
+          </a:effectRef>
+          <a:fontRef idx="minor">
+            <a:schemeClr val="dk1"/>
+          </a:fontRef>
+        </p:style>
+        <p:txBody>
+          <a:bodyPr rtlCol="0" anchor="t"/>
+          <a:lstStyle/>
+          <a:p>
+            <a:pPr algn="ctr"/>
+            <a:r>
+              <a:rPr lang="ko-KR" altLang="en-US" sz="1200" dirty="0" smtClean="0"/>
+              <a:t>마음건강검사</a:t>
+            </a:r>
+            <a:endParaRPr lang="ko-KR" altLang="en-US" sz="1200" dirty="0"/>
+          </a:p>
+        </p:txBody>
+      </p:sp>
+      <p:sp>
+        <p:nvSpPr>
+          <p:cNvPr id="40" name="직사각형 39"/>
+          <p:cNvSpPr/>
+          <p:nvPr/>
+        </p:nvSpPr>
+        <p:spPr>
+          <a:xfrm>
+            <a:off x="2965820" y="3990232"/>
+            <a:ext cx="2553223" cy="2741896"/>
+          </a:xfrm>
+          <a:prstGeom prst="rect">
+            <a:avLst/>
+          </a:prstGeom>
+        </p:spPr>
+        <p:style>
+          <a:lnRef idx="2">
+            <a:schemeClr val="dk1"/>
+          </a:lnRef>
+          <a:fillRef idx="1">
+            <a:schemeClr val="lt1"/>
+          </a:fillRef>
+          <a:effectRef idx="0">
+            <a:schemeClr val="dk1"/>
+          </a:effectRef>
+          <a:fontRef idx="minor">
+            <a:schemeClr val="dk1"/>
+          </a:fontRef>
+        </p:style>
+        <p:txBody>
+          <a:bodyPr rtlCol="0" anchor="t"/>
+          <a:lstStyle/>
+          <a:p>
+            <a:pPr algn="ctr"/>
+            <a:r>
+              <a:rPr lang="ko-KR" altLang="en-US" sz="1200" dirty="0" smtClean="0"/>
+              <a:t>마음건강정보</a:t>
+            </a:r>
+            <a:endParaRPr lang="ko-KR" altLang="en-US" sz="1200" dirty="0"/>
+          </a:p>
+        </p:txBody>
+      </p:sp>
+      <p:sp>
+        <p:nvSpPr>
+          <p:cNvPr id="44" name="직사각형 43"/>
+          <p:cNvSpPr/>
+          <p:nvPr/>
+        </p:nvSpPr>
+        <p:spPr>
+          <a:xfrm>
+            <a:off x="9271427" y="310882"/>
+            <a:ext cx="2734887" cy="3069114"/>
+          </a:xfrm>
+          <a:prstGeom prst="rect">
+            <a:avLst/>
+          </a:prstGeom>
+        </p:spPr>
+        <p:style>
+          <a:lnRef idx="2">
+            <a:schemeClr val="dk1"/>
+          </a:lnRef>
+          <a:fillRef idx="1">
+            <a:schemeClr val="lt1"/>
+          </a:fillRef>
+          <a:effectRef idx="0">
+            <a:schemeClr val="dk1"/>
+          </a:effectRef>
+          <a:fontRef idx="minor">
+            <a:schemeClr val="dk1"/>
+          </a:fontRef>
+        </p:style>
+        <p:txBody>
+          <a:bodyPr rtlCol="0" anchor="t"/>
+          <a:lstStyle/>
+          <a:p>
+            <a:pPr algn="ctr"/>
+            <a:r>
+              <a:rPr lang="ko-KR" altLang="en-US" sz="1200" smtClean="0"/>
+              <a:t>상담신청</a:t>
+            </a:r>
+            <a:endParaRPr lang="ko-KR" altLang="en-US" sz="1200" dirty="0"/>
           </a:p>
         </p:txBody>
       </p:sp>
       <p:cxnSp>
         <p:nvCxnSpPr>
-          <p:cNvPr id="60" name="구부러진 연결선 59"/>
-          <p:cNvCxnSpPr/>
+          <p:cNvPr id="47" name="구부러진 연결선 46"/>
+          <p:cNvCxnSpPr>
+            <a:endCxn id="11" idx="4"/>
+          </p:cNvCxnSpPr>
           <p:nvPr/>
         </p:nvCxnSpPr>
         <p:spPr>
-          <a:xfrm rot="16200000" flipV="1">
-            <a:off x="5190330" y="2079656"/>
-            <a:ext cx="923727" cy="910516"/>
+          <a:xfrm rot="5400000" flipH="1" flipV="1">
+            <a:off x="6067780" y="2543581"/>
+            <a:ext cx="558338" cy="234546"/>
           </a:xfrm>
           <a:prstGeom prst="curvedConnector3">
             <a:avLst>
@@ -3531,6 +3417,48 @@
           </a:fontRef>
         </p:style>
       </p:cxnSp>
+      <p:sp>
+        <p:nvSpPr>
+          <p:cNvPr id="52" name="직사각형 51"/>
+          <p:cNvSpPr/>
+          <p:nvPr/>
+        </p:nvSpPr>
+        <p:spPr>
+          <a:xfrm>
+            <a:off x="6602012" y="3697129"/>
+            <a:ext cx="3248239" cy="932353"/>
+          </a:xfrm>
+          <a:prstGeom prst="rect">
+            <a:avLst/>
+          </a:prstGeom>
+        </p:spPr>
+        <p:style>
+          <a:lnRef idx="2">
+            <a:schemeClr val="dk1"/>
+          </a:lnRef>
+          <a:fillRef idx="1">
+            <a:schemeClr val="lt1"/>
+          </a:fillRef>
+          <a:effectRef idx="0">
+            <a:schemeClr val="dk1"/>
+          </a:effectRef>
+          <a:fontRef idx="minor">
+            <a:schemeClr val="dk1"/>
+          </a:fontRef>
+        </p:style>
+        <p:txBody>
+          <a:bodyPr rtlCol="0" anchor="t"/>
+          <a:lstStyle/>
+          <a:p>
+            <a:pPr algn="ctr"/>
+            <a:r>
+              <a:rPr lang="ko-KR" altLang="en-US" sz="1200" dirty="0" smtClean="0"/>
+              <a:t>퀵 메뉴</a:t>
+            </a:r>
+            <a:endParaRPr lang="en-US" altLang="ko-KR" sz="1200" dirty="0" smtClean="0"/>
+          </a:p>
+        </p:txBody>
+      </p:sp>
       <p:cxnSp>
         <p:nvCxnSpPr>
           <p:cNvPr id="61" name="구부러진 연결선 60"/>
@@ -3835,7 +3763,7 @@
         </p:nvSpPr>
         <p:spPr>
           <a:xfrm>
-            <a:off x="5955681" y="1845439"/>
+            <a:off x="5926806" y="1903189"/>
             <a:ext cx="1074832" cy="478496"/>
           </a:xfrm>
           <a:prstGeom prst="ellipse">
@@ -4105,14 +4033,14 @@
       </p:sp>
       <p:sp>
         <p:nvSpPr>
-          <p:cNvPr id="62" name="타원 61"/>
+          <p:cNvPr id="65" name="타원 64"/>
           <p:cNvSpPr/>
           <p:nvPr/>
         </p:nvSpPr>
         <p:spPr>
           <a:xfrm>
-            <a:off x="4303177" y="401809"/>
-            <a:ext cx="1525251" cy="579703"/>
+            <a:off x="5379121" y="460137"/>
+            <a:ext cx="1135680" cy="613415"/>
           </a:xfrm>
           <a:prstGeom prst="ellipse">
             <a:avLst/>
@@ -4138,9 +4066,21 @@
           <a:p>
             <a:pPr algn="ctr"/>
             <a:r>
+              <a:rPr lang="ko-KR" altLang="en-US" sz="1100" dirty="0" smtClean="0"/>
+              <a:t>위</a:t>
+            </a:r>
+            <a:r>
               <a:rPr lang="en-US" altLang="ko-KR" sz="1100" dirty="0" smtClean="0"/>
-              <a:t>Wee-Network</a:t>
-            </a:r>
+              <a:t>(Wee)</a:t>
+            </a:r>
+          </a:p>
+          <a:p>
+            <a:pPr algn="ctr"/>
+            <a:r>
+              <a:rPr lang="ko-KR" altLang="en-US" sz="1100" dirty="0" smtClean="0"/>
+              <a:t>프로젝트</a:t>
+            </a:r>
+            <a:endParaRPr lang="en-US" altLang="ko-KR" sz="1100" dirty="0" smtClean="0"/>
           </a:p>
           <a:p>
             <a:pPr algn="ctr"/>
@@ -4154,14 +4094,14 @@
       </p:sp>
       <p:sp>
         <p:nvSpPr>
-          <p:cNvPr id="63" name="타원 62"/>
+          <p:cNvPr id="66" name="타원 65"/>
           <p:cNvSpPr/>
           <p:nvPr/>
         </p:nvSpPr>
         <p:spPr>
           <a:xfrm>
-            <a:off x="4390543" y="1026777"/>
-            <a:ext cx="1318725" cy="467070"/>
+            <a:off x="6704705" y="464447"/>
+            <a:ext cx="1135680" cy="613415"/>
           </a:xfrm>
           <a:prstGeom prst="ellipse">
             <a:avLst/>
@@ -4188,7 +4128,26 @@
             <a:pPr algn="ctr"/>
             <a:r>
               <a:rPr lang="ko-KR" altLang="en-US" sz="1100" dirty="0" smtClean="0"/>
-              <a:t>위치 정보</a:t>
+              <a:t>서울</a:t>
+            </a:r>
+            <a:endParaRPr lang="en-US" altLang="ko-KR" sz="1100" dirty="0" smtClean="0"/>
+          </a:p>
+          <a:p>
+            <a:pPr algn="ctr"/>
+            <a:r>
+              <a:rPr lang="ko-KR" altLang="en-US" sz="1100" dirty="0" smtClean="0"/>
+              <a:t>위</a:t>
+            </a:r>
+            <a:r>
+              <a:rPr lang="en-US" altLang="ko-KR" sz="1100" dirty="0" smtClean="0"/>
+              <a:t>(Wee)</a:t>
+            </a:r>
+          </a:p>
+          <a:p>
+            <a:pPr algn="ctr"/>
+            <a:r>
+              <a:rPr lang="ko-KR" altLang="en-US" sz="1100" dirty="0" smtClean="0"/>
+              <a:t>센터 소개</a:t>
             </a:r>
             <a:endParaRPr lang="ko-KR" altLang="en-US" sz="1100" dirty="0"/>
           </a:p>
@@ -4196,14 +4155,14 @@
       </p:sp>
       <p:sp>
         <p:nvSpPr>
-          <p:cNvPr id="64" name="타원 63"/>
+          <p:cNvPr id="67" name="타원 66"/>
           <p:cNvSpPr/>
           <p:nvPr/>
         </p:nvSpPr>
         <p:spPr>
           <a:xfrm>
-            <a:off x="4390544" y="1539112"/>
-            <a:ext cx="1318725" cy="467070"/>
+            <a:off x="5388065" y="1176054"/>
+            <a:ext cx="1126736" cy="505083"/>
           </a:xfrm>
           <a:prstGeom prst="ellipse">
             <a:avLst/>
@@ -4238,177 +4197,13 @@
       </p:sp>
       <p:sp>
         <p:nvSpPr>
-          <p:cNvPr id="65" name="타원 64"/>
-          <p:cNvSpPr/>
-          <p:nvPr/>
-        </p:nvSpPr>
-        <p:spPr>
-          <a:xfrm>
-            <a:off x="6187643" y="460137"/>
-            <a:ext cx="1135680" cy="613415"/>
-          </a:xfrm>
-          <a:prstGeom prst="ellipse">
-            <a:avLst/>
-          </a:prstGeom>
-        </p:spPr>
-        <p:style>
-          <a:lnRef idx="2">
-            <a:schemeClr val="dk1"/>
-          </a:lnRef>
-          <a:fillRef idx="1">
-            <a:schemeClr val="lt1"/>
-          </a:fillRef>
-          <a:effectRef idx="0">
-            <a:schemeClr val="dk1"/>
-          </a:effectRef>
-          <a:fontRef idx="minor">
-            <a:schemeClr val="dk1"/>
-          </a:fontRef>
-        </p:style>
-        <p:txBody>
-          <a:bodyPr rtlCol="0" anchor="ctr"/>
-          <a:lstStyle/>
-          <a:p>
-            <a:pPr algn="ctr"/>
-            <a:r>
-              <a:rPr lang="ko-KR" altLang="en-US" sz="1100" dirty="0" smtClean="0"/>
-              <a:t>위</a:t>
-            </a:r>
-            <a:r>
-              <a:rPr lang="en-US" altLang="ko-KR" sz="1100" dirty="0" smtClean="0"/>
-              <a:t>(Wee)</a:t>
-            </a:r>
-          </a:p>
-          <a:p>
-            <a:pPr algn="ctr"/>
-            <a:r>
-              <a:rPr lang="ko-KR" altLang="en-US" sz="1100" dirty="0" smtClean="0"/>
-              <a:t>프로젝트</a:t>
-            </a:r>
-            <a:endParaRPr lang="en-US" altLang="ko-KR" sz="1100" dirty="0" smtClean="0"/>
-          </a:p>
-          <a:p>
-            <a:pPr algn="ctr"/>
-            <a:r>
-              <a:rPr lang="ko-KR" altLang="en-US" sz="1100" dirty="0" smtClean="0"/>
-              <a:t>소개</a:t>
-            </a:r>
-            <a:endParaRPr lang="ko-KR" altLang="en-US" sz="1100" dirty="0"/>
-          </a:p>
-        </p:txBody>
-      </p:sp>
-      <p:sp>
-        <p:nvSpPr>
-          <p:cNvPr id="66" name="타원 65"/>
-          <p:cNvSpPr/>
-          <p:nvPr/>
-        </p:nvSpPr>
-        <p:spPr>
-          <a:xfrm>
-            <a:off x="7513227" y="464447"/>
-            <a:ext cx="1135680" cy="613415"/>
-          </a:xfrm>
-          <a:prstGeom prst="ellipse">
-            <a:avLst/>
-          </a:prstGeom>
-        </p:spPr>
-        <p:style>
-          <a:lnRef idx="2">
-            <a:schemeClr val="dk1"/>
-          </a:lnRef>
-          <a:fillRef idx="1">
-            <a:schemeClr val="lt1"/>
-          </a:fillRef>
-          <a:effectRef idx="0">
-            <a:schemeClr val="dk1"/>
-          </a:effectRef>
-          <a:fontRef idx="minor">
-            <a:schemeClr val="dk1"/>
-          </a:fontRef>
-        </p:style>
-        <p:txBody>
-          <a:bodyPr rtlCol="0" anchor="ctr"/>
-          <a:lstStyle/>
-          <a:p>
-            <a:pPr algn="ctr"/>
-            <a:r>
-              <a:rPr lang="ko-KR" altLang="en-US" sz="1100" dirty="0" smtClean="0"/>
-              <a:t>서울</a:t>
-            </a:r>
-            <a:endParaRPr lang="en-US" altLang="ko-KR" sz="1100" dirty="0" smtClean="0"/>
-          </a:p>
-          <a:p>
-            <a:pPr algn="ctr"/>
-            <a:r>
-              <a:rPr lang="ko-KR" altLang="en-US" sz="1100" dirty="0" smtClean="0"/>
-              <a:t>위</a:t>
-            </a:r>
-            <a:r>
-              <a:rPr lang="en-US" altLang="ko-KR" sz="1100" dirty="0" smtClean="0"/>
-              <a:t>(Wee)</a:t>
-            </a:r>
-          </a:p>
-          <a:p>
-            <a:pPr algn="ctr"/>
-            <a:r>
-              <a:rPr lang="ko-KR" altLang="en-US" sz="1100" dirty="0" smtClean="0"/>
-              <a:t>센터 소개</a:t>
-            </a:r>
-            <a:endParaRPr lang="ko-KR" altLang="en-US" sz="1100" dirty="0"/>
-          </a:p>
-        </p:txBody>
-      </p:sp>
-      <p:sp>
-        <p:nvSpPr>
-          <p:cNvPr id="67" name="타원 66"/>
-          <p:cNvSpPr/>
-          <p:nvPr/>
-        </p:nvSpPr>
-        <p:spPr>
-          <a:xfrm>
-            <a:off x="6196587" y="1176054"/>
-            <a:ext cx="1126736" cy="505083"/>
-          </a:xfrm>
-          <a:prstGeom prst="ellipse">
-            <a:avLst/>
-          </a:prstGeom>
-        </p:spPr>
-        <p:style>
-          <a:lnRef idx="2">
-            <a:schemeClr val="dk1"/>
-          </a:lnRef>
-          <a:fillRef idx="1">
-            <a:schemeClr val="lt1"/>
-          </a:fillRef>
-          <a:effectRef idx="0">
-            <a:schemeClr val="dk1"/>
-          </a:effectRef>
-          <a:fontRef idx="minor">
-            <a:schemeClr val="dk1"/>
-          </a:fontRef>
-        </p:style>
-        <p:txBody>
-          <a:bodyPr rtlCol="0" anchor="ctr"/>
-          <a:lstStyle/>
-          <a:p>
-            <a:pPr algn="ctr"/>
-            <a:r>
-              <a:rPr lang="ko-KR" altLang="en-US" sz="1100" dirty="0" smtClean="0"/>
-              <a:t>공지사항</a:t>
-            </a:r>
-            <a:endParaRPr lang="ko-KR" altLang="en-US" sz="1100" dirty="0"/>
-          </a:p>
-        </p:txBody>
-      </p:sp>
-      <p:sp>
-        <p:nvSpPr>
           <p:cNvPr id="68" name="타원 67"/>
           <p:cNvSpPr/>
           <p:nvPr/>
         </p:nvSpPr>
         <p:spPr>
           <a:xfrm>
-            <a:off x="7413909" y="1125672"/>
+            <a:off x="6605387" y="1125672"/>
             <a:ext cx="1438742" cy="613415"/>
           </a:xfrm>
           <a:prstGeom prst="ellipse">
@@ -4472,14 +4267,14 @@
         </p:nvCxnSpPr>
         <p:spPr>
           <a:xfrm rot="16200000" flipH="1">
-            <a:off x="7842078" y="583203"/>
-            <a:ext cx="364261" cy="5229324"/>
+            <a:off x="7572971" y="314096"/>
+            <a:ext cx="507744" cy="5624056"/>
           </a:xfrm>
           <a:prstGeom prst="curvedConnector5">
             <a:avLst>
-              <a:gd name="adj1" fmla="val -62757"/>
-              <a:gd name="adj2" fmla="val 40145"/>
-              <a:gd name="adj3" fmla="val 162757"/>
+              <a:gd name="adj1" fmla="val -45023"/>
+              <a:gd name="adj2" fmla="val 43832"/>
+              <a:gd name="adj3" fmla="val 145023"/>
             </a:avLst>
           </a:prstGeom>
           <a:ln>
@@ -4509,7 +4304,7 @@
         </p:nvSpPr>
         <p:spPr>
           <a:xfrm>
-            <a:off x="287142" y="437950"/>
+            <a:off x="925983" y="388184"/>
             <a:ext cx="1127782" cy="615167"/>
           </a:xfrm>
           <a:prstGeom prst="ellipse">
@@ -4559,7 +4354,7 @@
         </p:nvSpPr>
         <p:spPr>
           <a:xfrm>
-            <a:off x="275944" y="1111807"/>
+            <a:off x="914785" y="1062041"/>
             <a:ext cx="1127782" cy="615167"/>
           </a:xfrm>
           <a:prstGeom prst="ellipse">
@@ -4609,7 +4404,7 @@
         </p:nvSpPr>
         <p:spPr>
           <a:xfrm>
-            <a:off x="1492791" y="437950"/>
+            <a:off x="2131632" y="388184"/>
             <a:ext cx="1127782" cy="615167"/>
           </a:xfrm>
           <a:prstGeom prst="ellipse">
@@ -4659,7 +4454,7 @@
         </p:nvSpPr>
         <p:spPr>
           <a:xfrm>
-            <a:off x="2739069" y="442634"/>
+            <a:off x="3377910" y="392868"/>
             <a:ext cx="1130540" cy="615167"/>
           </a:xfrm>
           <a:prstGeom prst="ellipse">
@@ -4709,7 +4504,7 @@
         </p:nvSpPr>
         <p:spPr>
           <a:xfrm>
-            <a:off x="2759473" y="1112722"/>
+            <a:off x="3398314" y="1062956"/>
             <a:ext cx="1130540" cy="611394"/>
           </a:xfrm>
           <a:prstGeom prst="ellipse">
@@ -4759,7 +4554,7 @@
         </p:nvSpPr>
         <p:spPr>
           <a:xfrm>
-            <a:off x="2139170" y="1759739"/>
+            <a:off x="2778011" y="1709973"/>
             <a:ext cx="1394674" cy="563658"/>
           </a:xfrm>
           <a:prstGeom prst="ellipse">
@@ -4809,7 +4604,7 @@
         </p:nvSpPr>
         <p:spPr>
           <a:xfrm>
-            <a:off x="572247" y="1748739"/>
+            <a:off x="1211088" y="1698973"/>
             <a:ext cx="1493481" cy="567926"/>
           </a:xfrm>
           <a:prstGeom prst="ellipse">
@@ -5315,8 +5110,8 @@
         </p:nvCxnSpPr>
         <p:spPr>
           <a:xfrm rot="10800000" flipV="1">
-            <a:off x="2586314" y="3160125"/>
-            <a:ext cx="1926544" cy="464520"/>
+            <a:off x="2586314" y="3016641"/>
+            <a:ext cx="1531812" cy="608003"/>
           </a:xfrm>
           <a:prstGeom prst="curvedConnector3">
             <a:avLst>
@@ -5695,7 +5490,7 @@
         </p:nvSpPr>
         <p:spPr>
           <a:xfrm>
-            <a:off x="1541175" y="1116473"/>
+            <a:off x="2180016" y="1066707"/>
             <a:ext cx="1127782" cy="615167"/>
           </a:xfrm>
           <a:prstGeom prst="ellipse">

--- a/문서 관리/07. 유스케이스/07. 유스케이스(사용자).pptx
+++ b/문서 관리/07. 유스케이스/07. 유스케이스(사용자).pptx
@@ -2977,7 +2977,7 @@
         </p:nvSpPr>
         <p:spPr>
           <a:xfrm>
-            <a:off x="4118126" y="2812443"/>
+            <a:off x="4512858" y="2955926"/>
             <a:ext cx="1050536" cy="408398"/>
           </a:xfrm>
           <a:prstGeom prst="ellipse">
@@ -3021,13 +3021,11 @@
         </p:nvCxnSpPr>
         <p:spPr>
           <a:xfrm rot="10800000">
-            <a:off x="5168662" y="3016643"/>
-            <a:ext cx="924420" cy="142465"/>
+            <a:off x="5563395" y="3160126"/>
+            <a:ext cx="472399" cy="236831"/>
           </a:xfrm>
           <a:prstGeom prst="curvedConnector3">
-            <a:avLst>
-              <a:gd name="adj1" fmla="val 50000"/>
-            </a:avLst>
+            <a:avLst/>
           </a:prstGeom>
           <a:ln>
             <a:tailEnd type="triangle"/>
@@ -3056,8 +3054,8 @@
         </p:nvSpPr>
         <p:spPr>
           <a:xfrm>
-            <a:off x="4734678" y="1908191"/>
-            <a:ext cx="1050536" cy="472956"/>
+            <a:off x="4094328" y="2161644"/>
+            <a:ext cx="1050536" cy="408398"/>
           </a:xfrm>
           <a:prstGeom prst="ellipse">
             <a:avLst/>
@@ -3100,9 +3098,9 @@
           <p:nvPr/>
         </p:nvCxnSpPr>
         <p:spPr>
-          <a:xfrm rot="5400000" flipH="1" flipV="1">
-            <a:off x="4736022" y="2288519"/>
-            <a:ext cx="431296" cy="616552"/>
+          <a:xfrm rot="16200000" flipV="1">
+            <a:off x="4635919" y="2553719"/>
+            <a:ext cx="385884" cy="418530"/>
           </a:xfrm>
           <a:prstGeom prst="curvedConnector3">
             <a:avLst>
@@ -3136,7 +3134,7 @@
         </p:nvSpPr>
         <p:spPr>
           <a:xfrm>
-            <a:off x="831598" y="95428"/>
+            <a:off x="192757" y="145194"/>
             <a:ext cx="3790753" cy="2258271"/>
           </a:xfrm>
           <a:prstGeom prst="rect">
@@ -3181,12 +3179,12 @@
         </p:nvCxnSpPr>
         <p:spPr>
           <a:xfrm rot="16200000" flipV="1">
-            <a:off x="3240198" y="1840477"/>
-            <a:ext cx="518553" cy="1544998"/>
+            <a:off x="3071285" y="1420314"/>
+            <a:ext cx="612270" cy="2578571"/>
           </a:xfrm>
           <a:prstGeom prst="curvedConnector3">
             <a:avLst>
-              <a:gd name="adj1" fmla="val 50000"/>
+              <a:gd name="adj1" fmla="val 75796"/>
             </a:avLst>
           </a:prstGeom>
           <a:ln>
@@ -3216,7 +3214,7 @@
         </p:nvSpPr>
         <p:spPr>
           <a:xfrm>
-            <a:off x="5250616" y="187065"/>
+            <a:off x="6059138" y="187065"/>
             <a:ext cx="2908177" cy="1600708"/>
           </a:xfrm>
           <a:prstGeom prst="rect">
@@ -3335,6 +3333,47 @@
               <a:t>마음건강정보</a:t>
             </a:r>
             <a:endParaRPr lang="ko-KR" altLang="en-US" sz="1200" dirty="0"/>
+          </a:p>
+        </p:txBody>
+      </p:sp>
+      <p:sp>
+        <p:nvSpPr>
+          <p:cNvPr id="41" name="직사각형 40"/>
+          <p:cNvSpPr/>
+          <p:nvPr/>
+        </p:nvSpPr>
+        <p:spPr>
+          <a:xfrm>
+            <a:off x="4189847" y="310882"/>
+            <a:ext cx="1699365" cy="1506492"/>
+          </a:xfrm>
+          <a:prstGeom prst="rect">
+            <a:avLst/>
+          </a:prstGeom>
+        </p:spPr>
+        <p:style>
+          <a:lnRef idx="2">
+            <a:schemeClr val="dk1"/>
+          </a:lnRef>
+          <a:fillRef idx="1">
+            <a:schemeClr val="lt1"/>
+          </a:fillRef>
+          <a:effectRef idx="0">
+            <a:schemeClr val="dk1"/>
+          </a:effectRef>
+          <a:fontRef idx="minor">
+            <a:schemeClr val="dk1"/>
+          </a:fontRef>
+        </p:style>
+        <p:txBody>
+          <a:bodyPr rtlCol="0" anchor="t"/>
+          <a:lstStyle/>
+          <a:p>
+            <a:pPr algn="ctr"/>
+            <a:r>
+              <a:rPr lang="en-US" altLang="ko-KR" sz="1200" dirty="0" smtClean="0"/>
+              <a:t>Wee-Network</a:t>
+            </a:r>
           </a:p>
         </p:txBody>
       </p:sp>
@@ -3390,8 +3429,8 @@
         </p:nvCxnSpPr>
         <p:spPr>
           <a:xfrm rot="5400000" flipH="1" flipV="1">
-            <a:off x="6067780" y="2543581"/>
-            <a:ext cx="558338" cy="234546"/>
+            <a:off x="6028403" y="2583398"/>
+            <a:ext cx="557900" cy="155352"/>
           </a:xfrm>
           <a:prstGeom prst="curvedConnector3">
             <a:avLst>
@@ -3459,6 +3498,43 @@
           </a:p>
         </p:txBody>
       </p:sp>
+      <p:cxnSp>
+        <p:nvCxnSpPr>
+          <p:cNvPr id="60" name="구부러진 연결선 59"/>
+          <p:cNvCxnSpPr>
+            <a:endCxn id="41" idx="2"/>
+          </p:cNvCxnSpPr>
+          <p:nvPr/>
+        </p:nvCxnSpPr>
+        <p:spPr>
+          <a:xfrm rot="16200000" flipV="1">
+            <a:off x="4983789" y="1873115"/>
+            <a:ext cx="1179404" cy="1067922"/>
+          </a:xfrm>
+          <a:prstGeom prst="curvedConnector3">
+            <a:avLst>
+              <a:gd name="adj1" fmla="val 50000"/>
+            </a:avLst>
+          </a:prstGeom>
+          <a:ln>
+            <a:tailEnd type="triangle"/>
+          </a:ln>
+        </p:spPr>
+        <p:style>
+          <a:lnRef idx="3">
+            <a:schemeClr val="dk1"/>
+          </a:lnRef>
+          <a:fillRef idx="0">
+            <a:schemeClr val="dk1"/>
+          </a:fillRef>
+          <a:effectRef idx="2">
+            <a:schemeClr val="dk1"/>
+          </a:effectRef>
+          <a:fontRef idx="minor">
+            <a:schemeClr val="tx1"/>
+          </a:fontRef>
+        </p:style>
+      </p:cxnSp>
       <p:cxnSp>
         <p:nvCxnSpPr>
           <p:cNvPr id="61" name="구부러진 연결선 60"/>
@@ -3763,7 +3839,7 @@
         </p:nvSpPr>
         <p:spPr>
           <a:xfrm>
-            <a:off x="5926806" y="1903189"/>
+            <a:off x="5847613" y="1903628"/>
             <a:ext cx="1074832" cy="478496"/>
           </a:xfrm>
           <a:prstGeom prst="ellipse">
@@ -4033,13 +4109,108 @@
       </p:sp>
       <p:sp>
         <p:nvSpPr>
+          <p:cNvPr id="62" name="타원 61"/>
+          <p:cNvSpPr/>
+          <p:nvPr/>
+        </p:nvSpPr>
+        <p:spPr>
+          <a:xfrm>
+            <a:off x="4286850" y="616133"/>
+            <a:ext cx="1525251" cy="579703"/>
+          </a:xfrm>
+          <a:prstGeom prst="ellipse">
+            <a:avLst/>
+          </a:prstGeom>
+        </p:spPr>
+        <p:style>
+          <a:lnRef idx="2">
+            <a:schemeClr val="dk1"/>
+          </a:lnRef>
+          <a:fillRef idx="1">
+            <a:schemeClr val="lt1"/>
+          </a:fillRef>
+          <a:effectRef idx="0">
+            <a:schemeClr val="dk1"/>
+          </a:effectRef>
+          <a:fontRef idx="minor">
+            <a:schemeClr val="dk1"/>
+          </a:fontRef>
+        </p:style>
+        <p:txBody>
+          <a:bodyPr rtlCol="0" anchor="ctr"/>
+          <a:lstStyle/>
+          <a:p>
+            <a:pPr algn="ctr"/>
+            <a:r>
+              <a:rPr lang="en-US" altLang="ko-KR" sz="1100" dirty="0" smtClean="0"/>
+              <a:t>Wee-Network</a:t>
+            </a:r>
+          </a:p>
+          <a:p>
+            <a:pPr algn="ctr"/>
+            <a:r>
+              <a:rPr lang="ko-KR" altLang="en-US" sz="1100" dirty="0" smtClean="0"/>
+              <a:t>소개</a:t>
+            </a:r>
+            <a:endParaRPr lang="ko-KR" altLang="en-US" sz="1100" dirty="0"/>
+          </a:p>
+        </p:txBody>
+      </p:sp>
+      <p:sp>
+        <p:nvSpPr>
+          <p:cNvPr id="63" name="타원 62"/>
+          <p:cNvSpPr/>
+          <p:nvPr/>
+        </p:nvSpPr>
+        <p:spPr>
+          <a:xfrm>
+            <a:off x="4374216" y="1257727"/>
+            <a:ext cx="1318725" cy="467070"/>
+          </a:xfrm>
+          <a:prstGeom prst="ellipse">
+            <a:avLst/>
+          </a:prstGeom>
+        </p:spPr>
+        <p:style>
+          <a:lnRef idx="2">
+            <a:schemeClr val="dk1"/>
+          </a:lnRef>
+          <a:fillRef idx="1">
+            <a:schemeClr val="lt1"/>
+          </a:fillRef>
+          <a:effectRef idx="0">
+            <a:schemeClr val="dk1"/>
+          </a:effectRef>
+          <a:fontRef idx="minor">
+            <a:schemeClr val="dk1"/>
+          </a:fontRef>
+        </p:style>
+        <p:txBody>
+          <a:bodyPr rtlCol="0" anchor="ctr"/>
+          <a:lstStyle/>
+          <a:p>
+            <a:pPr algn="ctr"/>
+            <a:r>
+              <a:rPr lang="ko-KR" altLang="en-US" sz="1100" dirty="0" smtClean="0"/>
+              <a:t>위치 </a:t>
+            </a:r>
+            <a:r>
+              <a:rPr lang="ko-KR" altLang="en-US" sz="1100" dirty="0" smtClean="0"/>
+              <a:t>정보 조회</a:t>
+            </a:r>
+            <a:endParaRPr lang="ko-KR" altLang="en-US" sz="1100" dirty="0"/>
+          </a:p>
+        </p:txBody>
+      </p:sp>
+      <p:sp>
+        <p:nvSpPr>
           <p:cNvPr id="65" name="타원 64"/>
           <p:cNvSpPr/>
           <p:nvPr/>
         </p:nvSpPr>
         <p:spPr>
           <a:xfrm>
-            <a:off x="5379121" y="460137"/>
+            <a:off x="6187643" y="460137"/>
             <a:ext cx="1135680" cy="613415"/>
           </a:xfrm>
           <a:prstGeom prst="ellipse">
@@ -4100,7 +4271,7 @@
         </p:nvSpPr>
         <p:spPr>
           <a:xfrm>
-            <a:off x="6704705" y="464447"/>
+            <a:off x="7513227" y="464447"/>
             <a:ext cx="1135680" cy="613415"/>
           </a:xfrm>
           <a:prstGeom prst="ellipse">
@@ -4161,7 +4332,7 @@
         </p:nvSpPr>
         <p:spPr>
           <a:xfrm>
-            <a:off x="5388065" y="1176054"/>
+            <a:off x="6196587" y="1176054"/>
             <a:ext cx="1126736" cy="505083"/>
           </a:xfrm>
           <a:prstGeom prst="ellipse">
@@ -4203,7 +4374,7 @@
         </p:nvSpPr>
         <p:spPr>
           <a:xfrm>
-            <a:off x="6605387" y="1125672"/>
+            <a:off x="7413909" y="1125672"/>
             <a:ext cx="1438742" cy="613415"/>
           </a:xfrm>
           <a:prstGeom prst="ellipse">
@@ -4267,14 +4438,14 @@
         </p:nvCxnSpPr>
         <p:spPr>
           <a:xfrm rot="16200000" flipH="1">
-            <a:off x="7572971" y="314096"/>
-            <a:ext cx="507744" cy="5624056"/>
+            <a:off x="7842078" y="583203"/>
+            <a:ext cx="364261" cy="5229324"/>
           </a:xfrm>
           <a:prstGeom prst="curvedConnector5">
             <a:avLst>
-              <a:gd name="adj1" fmla="val -45023"/>
-              <a:gd name="adj2" fmla="val 43832"/>
-              <a:gd name="adj3" fmla="val 145023"/>
+              <a:gd name="adj1" fmla="val -62757"/>
+              <a:gd name="adj2" fmla="val 40145"/>
+              <a:gd name="adj3" fmla="val 162757"/>
             </a:avLst>
           </a:prstGeom>
           <a:ln>
@@ -4304,7 +4475,7 @@
         </p:nvSpPr>
         <p:spPr>
           <a:xfrm>
-            <a:off x="925983" y="388184"/>
+            <a:off x="287142" y="437950"/>
             <a:ext cx="1127782" cy="615167"/>
           </a:xfrm>
           <a:prstGeom prst="ellipse">
@@ -4354,7 +4525,7 @@
         </p:nvSpPr>
         <p:spPr>
           <a:xfrm>
-            <a:off x="914785" y="1062041"/>
+            <a:off x="275944" y="1111807"/>
             <a:ext cx="1127782" cy="615167"/>
           </a:xfrm>
           <a:prstGeom prst="ellipse">
@@ -4404,7 +4575,7 @@
         </p:nvSpPr>
         <p:spPr>
           <a:xfrm>
-            <a:off x="2131632" y="388184"/>
+            <a:off x="1492791" y="437950"/>
             <a:ext cx="1127782" cy="615167"/>
           </a:xfrm>
           <a:prstGeom prst="ellipse">
@@ -4454,7 +4625,7 @@
         </p:nvSpPr>
         <p:spPr>
           <a:xfrm>
-            <a:off x="3377910" y="392868"/>
+            <a:off x="2739069" y="442634"/>
             <a:ext cx="1130540" cy="615167"/>
           </a:xfrm>
           <a:prstGeom prst="ellipse">
@@ -4504,7 +4675,7 @@
         </p:nvSpPr>
         <p:spPr>
           <a:xfrm>
-            <a:off x="3398314" y="1062956"/>
+            <a:off x="2759473" y="1112722"/>
             <a:ext cx="1130540" cy="611394"/>
           </a:xfrm>
           <a:prstGeom prst="ellipse">
@@ -4554,7 +4725,7 @@
         </p:nvSpPr>
         <p:spPr>
           <a:xfrm>
-            <a:off x="2778011" y="1709973"/>
+            <a:off x="2139170" y="1759739"/>
             <a:ext cx="1394674" cy="563658"/>
           </a:xfrm>
           <a:prstGeom prst="ellipse">
@@ -4604,7 +4775,7 @@
         </p:nvSpPr>
         <p:spPr>
           <a:xfrm>
-            <a:off x="1211088" y="1698973"/>
+            <a:off x="572247" y="1748739"/>
             <a:ext cx="1493481" cy="567926"/>
           </a:xfrm>
           <a:prstGeom prst="ellipse">
@@ -5110,8 +5281,8 @@
         </p:nvCxnSpPr>
         <p:spPr>
           <a:xfrm rot="10800000" flipV="1">
-            <a:off x="2586314" y="3016641"/>
-            <a:ext cx="1531812" cy="608003"/>
+            <a:off x="2586314" y="3160125"/>
+            <a:ext cx="1926544" cy="464520"/>
           </a:xfrm>
           <a:prstGeom prst="curvedConnector3">
             <a:avLst>
@@ -5490,7 +5661,7 @@
         </p:nvSpPr>
         <p:spPr>
           <a:xfrm>
-            <a:off x="2180016" y="1066707"/>
+            <a:off x="1541175" y="1116473"/>
             <a:ext cx="1127782" cy="615167"/>
           </a:xfrm>
           <a:prstGeom prst="ellipse">

--- a/문서 관리/07. 유스케이스/07. 유스케이스(사용자).pptx
+++ b/문서 관리/07. 유스케이스/07. 유스케이스(사용자).pptx
@@ -4811,7 +4811,11 @@
             <a:pPr algn="ctr"/>
             <a:r>
               <a:rPr lang="ko-KR" altLang="en-US" sz="1100" dirty="0" smtClean="0"/>
-              <a:t>이력 확인</a:t>
+              <a:t>결과</a:t>
+            </a:r>
+            <a:r>
+              <a:rPr lang="ko-KR" altLang="en-US" sz="1100" dirty="0" smtClean="0"/>
+              <a:t> 조회</a:t>
             </a:r>
             <a:endParaRPr lang="ko-KR" altLang="en-US" sz="1100" dirty="0"/>
           </a:p>

--- a/문서 관리/07. 유스케이스/07. 유스케이스(사용자).pptx
+++ b/문서 관리/07. 유스케이스/07. 유스케이스(사용자).pptx
@@ -6,6 +6,7 @@
   </p:sldMasterIdLst>
   <p:sldIdLst>
     <p:sldId id="256" r:id="rId2"/>
+    <p:sldId id="257" r:id="rId3"/>
   </p:sldIdLst>
   <p:sldSz cx="12192000" cy="6858000"/>
   <p:notesSz cx="6858000" cy="9144000"/>
@@ -7256,6 +7257,4065 @@
 </p:sld>
 </file>
 
+<file path=ppt/slides/slide2.xml><?xml version="1.0" encoding="utf-8"?>
+<p:sld xmlns:a="http://schemas.openxmlformats.org/drawingml/2006/main" xmlns:r="http://schemas.openxmlformats.org/officeDocument/2006/relationships" xmlns:p="http://schemas.openxmlformats.org/presentationml/2006/main">
+  <p:cSld>
+    <p:spTree>
+      <p:nvGrpSpPr>
+        <p:cNvPr id="1" name=""/>
+        <p:cNvGrpSpPr/>
+        <p:nvPr/>
+      </p:nvGrpSpPr>
+      <p:grpSpPr>
+        <a:xfrm>
+          <a:off x="0" y="0"/>
+          <a:ext cx="0" cy="0"/>
+          <a:chOff x="0" y="0"/>
+          <a:chExt cx="0" cy="0"/>
+        </a:xfrm>
+      </p:grpSpPr>
+      <p:sp>
+        <p:nvSpPr>
+          <p:cNvPr id="24" name="타원 23"/>
+          <p:cNvSpPr/>
+          <p:nvPr/>
+        </p:nvSpPr>
+        <p:spPr>
+          <a:xfrm>
+            <a:off x="4512858" y="2955926"/>
+            <a:ext cx="1050536" cy="408398"/>
+          </a:xfrm>
+          <a:prstGeom prst="ellipse">
+            <a:avLst/>
+          </a:prstGeom>
+        </p:spPr>
+        <p:style>
+          <a:lnRef idx="2">
+            <a:schemeClr val="dk1"/>
+          </a:lnRef>
+          <a:fillRef idx="1">
+            <a:schemeClr val="lt1"/>
+          </a:fillRef>
+          <a:effectRef idx="0">
+            <a:schemeClr val="dk1"/>
+          </a:effectRef>
+          <a:fontRef idx="minor">
+            <a:schemeClr val="dk1"/>
+          </a:fontRef>
+        </p:style>
+        <p:txBody>
+          <a:bodyPr rtlCol="0" anchor="ctr"/>
+          <a:lstStyle/>
+          <a:p>
+            <a:pPr algn="ctr"/>
+            <a:r>
+              <a:rPr lang="ko-KR" altLang="en-US" sz="1200" dirty="0" smtClean="0"/>
+              <a:t>로그인</a:t>
+            </a:r>
+            <a:endParaRPr lang="ko-KR" altLang="en-US" sz="1200" dirty="0"/>
+          </a:p>
+        </p:txBody>
+      </p:sp>
+      <p:cxnSp>
+        <p:nvCxnSpPr>
+          <p:cNvPr id="26" name="구부러진 연결선 25"/>
+          <p:cNvCxnSpPr>
+            <a:endCxn id="24" idx="6"/>
+          </p:cNvCxnSpPr>
+          <p:nvPr/>
+        </p:nvCxnSpPr>
+        <p:spPr>
+          <a:xfrm rot="10800000">
+            <a:off x="5563395" y="3160126"/>
+            <a:ext cx="472399" cy="236831"/>
+          </a:xfrm>
+          <a:prstGeom prst="curvedConnector3">
+            <a:avLst/>
+          </a:prstGeom>
+          <a:ln>
+            <a:tailEnd type="triangle"/>
+          </a:ln>
+        </p:spPr>
+        <p:style>
+          <a:lnRef idx="3">
+            <a:schemeClr val="dk1"/>
+          </a:lnRef>
+          <a:fillRef idx="0">
+            <a:schemeClr val="dk1"/>
+          </a:fillRef>
+          <a:effectRef idx="2">
+            <a:schemeClr val="dk1"/>
+          </a:effectRef>
+          <a:fontRef idx="minor">
+            <a:schemeClr val="tx1"/>
+          </a:fontRef>
+        </p:style>
+      </p:cxnSp>
+      <p:sp>
+        <p:nvSpPr>
+          <p:cNvPr id="27" name="타원 26"/>
+          <p:cNvSpPr/>
+          <p:nvPr/>
+        </p:nvSpPr>
+        <p:spPr>
+          <a:xfrm>
+            <a:off x="4094328" y="2161644"/>
+            <a:ext cx="1050536" cy="408398"/>
+          </a:xfrm>
+          <a:prstGeom prst="ellipse">
+            <a:avLst/>
+          </a:prstGeom>
+        </p:spPr>
+        <p:style>
+          <a:lnRef idx="2">
+            <a:schemeClr val="dk1"/>
+          </a:lnRef>
+          <a:fillRef idx="1">
+            <a:schemeClr val="lt1"/>
+          </a:fillRef>
+          <a:effectRef idx="0">
+            <a:schemeClr val="dk1"/>
+          </a:effectRef>
+          <a:fontRef idx="minor">
+            <a:schemeClr val="dk1"/>
+          </a:fontRef>
+        </p:style>
+        <p:txBody>
+          <a:bodyPr rtlCol="0" anchor="ctr"/>
+          <a:lstStyle/>
+          <a:p>
+            <a:pPr algn="ctr"/>
+            <a:r>
+              <a:rPr lang="ko-KR" altLang="en-US" sz="1100" dirty="0" smtClean="0"/>
+              <a:t>로그아웃</a:t>
+            </a:r>
+            <a:endParaRPr lang="ko-KR" altLang="en-US" sz="1100" dirty="0"/>
+          </a:p>
+        </p:txBody>
+      </p:sp>
+      <p:cxnSp>
+        <p:nvCxnSpPr>
+          <p:cNvPr id="28" name="구부러진 연결선 27"/>
+          <p:cNvCxnSpPr>
+            <a:stCxn id="24" idx="0"/>
+            <a:endCxn id="27" idx="4"/>
+          </p:cNvCxnSpPr>
+          <p:nvPr/>
+        </p:nvCxnSpPr>
+        <p:spPr>
+          <a:xfrm rot="16200000" flipV="1">
+            <a:off x="4635919" y="2553719"/>
+            <a:ext cx="385884" cy="418530"/>
+          </a:xfrm>
+          <a:prstGeom prst="curvedConnector3">
+            <a:avLst>
+              <a:gd name="adj1" fmla="val 50000"/>
+            </a:avLst>
+          </a:prstGeom>
+          <a:ln>
+            <a:tailEnd type="triangle"/>
+          </a:ln>
+        </p:spPr>
+        <p:style>
+          <a:lnRef idx="3">
+            <a:schemeClr val="dk1"/>
+          </a:lnRef>
+          <a:fillRef idx="0">
+            <a:schemeClr val="dk1"/>
+          </a:fillRef>
+          <a:effectRef idx="2">
+            <a:schemeClr val="dk1"/>
+          </a:effectRef>
+          <a:fontRef idx="minor">
+            <a:schemeClr val="tx1"/>
+          </a:fontRef>
+        </p:style>
+      </p:cxnSp>
+      <p:sp>
+        <p:nvSpPr>
+          <p:cNvPr id="34" name="직사각형 33"/>
+          <p:cNvSpPr/>
+          <p:nvPr/>
+        </p:nvSpPr>
+        <p:spPr>
+          <a:xfrm>
+            <a:off x="192757" y="145194"/>
+            <a:ext cx="3790753" cy="2258271"/>
+          </a:xfrm>
+          <a:prstGeom prst="rect">
+            <a:avLst/>
+          </a:prstGeom>
+        </p:spPr>
+        <p:style>
+          <a:lnRef idx="2">
+            <a:schemeClr val="dk1"/>
+          </a:lnRef>
+          <a:fillRef idx="1">
+            <a:schemeClr val="lt1"/>
+          </a:fillRef>
+          <a:effectRef idx="0">
+            <a:schemeClr val="dk1"/>
+          </a:effectRef>
+          <a:fontRef idx="minor">
+            <a:schemeClr val="dk1"/>
+          </a:fontRef>
+        </p:style>
+        <p:txBody>
+          <a:bodyPr rtlCol="0" anchor="t"/>
+          <a:lstStyle/>
+          <a:p>
+            <a:pPr algn="ctr"/>
+            <a:r>
+              <a:rPr lang="ko-KR" altLang="en-US" sz="1200" smtClean="0"/>
+              <a:t>마이페이지</a:t>
+            </a:r>
+            <a:endParaRPr lang="ko-KR" altLang="en-US" sz="1200" dirty="0"/>
+          </a:p>
+        </p:txBody>
+      </p:sp>
+      <p:cxnSp>
+        <p:nvCxnSpPr>
+          <p:cNvPr id="35" name="구부러진 연결선 34"/>
+          <p:cNvCxnSpPr>
+            <a:stCxn id="24" idx="1"/>
+            <a:endCxn id="34" idx="2"/>
+          </p:cNvCxnSpPr>
+          <p:nvPr/>
+        </p:nvCxnSpPr>
+        <p:spPr>
+          <a:xfrm rot="16200000" flipV="1">
+            <a:off x="3071285" y="1420314"/>
+            <a:ext cx="612270" cy="2578571"/>
+          </a:xfrm>
+          <a:prstGeom prst="curvedConnector3">
+            <a:avLst>
+              <a:gd name="adj1" fmla="val 75796"/>
+            </a:avLst>
+          </a:prstGeom>
+          <a:ln>
+            <a:tailEnd type="triangle"/>
+          </a:ln>
+        </p:spPr>
+        <p:style>
+          <a:lnRef idx="3">
+            <a:schemeClr val="dk1"/>
+          </a:lnRef>
+          <a:fillRef idx="0">
+            <a:schemeClr val="dk1"/>
+          </a:fillRef>
+          <a:effectRef idx="2">
+            <a:schemeClr val="dk1"/>
+          </a:effectRef>
+          <a:fontRef idx="minor">
+            <a:schemeClr val="tx1"/>
+          </a:fontRef>
+        </p:style>
+      </p:cxnSp>
+      <p:sp>
+        <p:nvSpPr>
+          <p:cNvPr id="38" name="직사각형 37"/>
+          <p:cNvSpPr/>
+          <p:nvPr/>
+        </p:nvSpPr>
+        <p:spPr>
+          <a:xfrm>
+            <a:off x="6059138" y="187064"/>
+            <a:ext cx="2908177" cy="1885339"/>
+          </a:xfrm>
+          <a:prstGeom prst="rect">
+            <a:avLst/>
+          </a:prstGeom>
+        </p:spPr>
+        <p:style>
+          <a:lnRef idx="2">
+            <a:schemeClr val="dk1"/>
+          </a:lnRef>
+          <a:fillRef idx="1">
+            <a:schemeClr val="lt1"/>
+          </a:fillRef>
+          <a:effectRef idx="0">
+            <a:schemeClr val="dk1"/>
+          </a:effectRef>
+          <a:fontRef idx="minor">
+            <a:schemeClr val="dk1"/>
+          </a:fontRef>
+        </p:style>
+        <p:txBody>
+          <a:bodyPr rtlCol="0" anchor="t"/>
+          <a:lstStyle/>
+          <a:p>
+            <a:pPr algn="ctr"/>
+            <a:r>
+              <a:rPr lang="ko-KR" altLang="en-US" sz="1200" dirty="0" smtClean="0"/>
+              <a:t>서울 위</a:t>
+            </a:r>
+            <a:r>
+              <a:rPr lang="en-US" altLang="ko-KR" sz="1200" dirty="0" smtClean="0"/>
+              <a:t>(Wee)</a:t>
+            </a:r>
+            <a:endParaRPr lang="ko-KR" altLang="en-US" sz="1200" dirty="0"/>
+          </a:p>
+        </p:txBody>
+      </p:sp>
+      <p:sp>
+        <p:nvSpPr>
+          <p:cNvPr id="39" name="직사각형 38"/>
+          <p:cNvSpPr/>
+          <p:nvPr/>
+        </p:nvSpPr>
+        <p:spPr>
+          <a:xfrm>
+            <a:off x="350181" y="2588891"/>
+            <a:ext cx="2236133" cy="2071507"/>
+          </a:xfrm>
+          <a:prstGeom prst="rect">
+            <a:avLst/>
+          </a:prstGeom>
+        </p:spPr>
+        <p:style>
+          <a:lnRef idx="2">
+            <a:schemeClr val="dk1"/>
+          </a:lnRef>
+          <a:fillRef idx="1">
+            <a:schemeClr val="lt1"/>
+          </a:fillRef>
+          <a:effectRef idx="0">
+            <a:schemeClr val="dk1"/>
+          </a:effectRef>
+          <a:fontRef idx="minor">
+            <a:schemeClr val="dk1"/>
+          </a:fontRef>
+        </p:style>
+        <p:txBody>
+          <a:bodyPr rtlCol="0" anchor="t"/>
+          <a:lstStyle/>
+          <a:p>
+            <a:pPr algn="ctr"/>
+            <a:r>
+              <a:rPr lang="ko-KR" altLang="en-US" sz="1200" dirty="0" smtClean="0"/>
+              <a:t>마음건강검사</a:t>
+            </a:r>
+            <a:endParaRPr lang="ko-KR" altLang="en-US" sz="1200" dirty="0"/>
+          </a:p>
+        </p:txBody>
+      </p:sp>
+      <p:sp>
+        <p:nvSpPr>
+          <p:cNvPr id="40" name="직사각형 39"/>
+          <p:cNvSpPr/>
+          <p:nvPr/>
+        </p:nvSpPr>
+        <p:spPr>
+          <a:xfrm>
+            <a:off x="2965820" y="3990232"/>
+            <a:ext cx="2553223" cy="2741896"/>
+          </a:xfrm>
+          <a:prstGeom prst="rect">
+            <a:avLst/>
+          </a:prstGeom>
+        </p:spPr>
+        <p:style>
+          <a:lnRef idx="2">
+            <a:schemeClr val="dk1"/>
+          </a:lnRef>
+          <a:fillRef idx="1">
+            <a:schemeClr val="lt1"/>
+          </a:fillRef>
+          <a:effectRef idx="0">
+            <a:schemeClr val="dk1"/>
+          </a:effectRef>
+          <a:fontRef idx="minor">
+            <a:schemeClr val="dk1"/>
+          </a:fontRef>
+        </p:style>
+        <p:txBody>
+          <a:bodyPr rtlCol="0" anchor="t"/>
+          <a:lstStyle/>
+          <a:p>
+            <a:pPr algn="ctr"/>
+            <a:r>
+              <a:rPr lang="ko-KR" altLang="en-US" sz="1200" dirty="0" smtClean="0"/>
+              <a:t>마음건강정보</a:t>
+            </a:r>
+            <a:endParaRPr lang="ko-KR" altLang="en-US" sz="1200" dirty="0"/>
+          </a:p>
+        </p:txBody>
+      </p:sp>
+      <p:sp>
+        <p:nvSpPr>
+          <p:cNvPr id="44" name="직사각형 43"/>
+          <p:cNvSpPr/>
+          <p:nvPr/>
+        </p:nvSpPr>
+        <p:spPr>
+          <a:xfrm>
+            <a:off x="9271427" y="310882"/>
+            <a:ext cx="2734887" cy="3069114"/>
+          </a:xfrm>
+          <a:prstGeom prst="rect">
+            <a:avLst/>
+          </a:prstGeom>
+        </p:spPr>
+        <p:style>
+          <a:lnRef idx="2">
+            <a:schemeClr val="dk1"/>
+          </a:lnRef>
+          <a:fillRef idx="1">
+            <a:schemeClr val="lt1"/>
+          </a:fillRef>
+          <a:effectRef idx="0">
+            <a:schemeClr val="dk1"/>
+          </a:effectRef>
+          <a:fontRef idx="minor">
+            <a:schemeClr val="dk1"/>
+          </a:fontRef>
+        </p:style>
+        <p:txBody>
+          <a:bodyPr rtlCol="0" anchor="t"/>
+          <a:lstStyle/>
+          <a:p>
+            <a:pPr algn="ctr"/>
+            <a:r>
+              <a:rPr lang="ko-KR" altLang="en-US" sz="1200" dirty="0" smtClean="0"/>
+              <a:t>스윗</a:t>
+            </a:r>
+            <a:r>
+              <a:rPr lang="en-US" altLang="ko-KR" sz="1200" dirty="0" smtClean="0"/>
+              <a:t>(SWeeT)</a:t>
+            </a:r>
+            <a:endParaRPr lang="ko-KR" altLang="en-US" sz="1200" dirty="0"/>
+          </a:p>
+        </p:txBody>
+      </p:sp>
+      <p:cxnSp>
+        <p:nvCxnSpPr>
+          <p:cNvPr id="47" name="구부러진 연결선 46"/>
+          <p:cNvCxnSpPr>
+            <a:endCxn id="11" idx="2"/>
+          </p:cNvCxnSpPr>
+          <p:nvPr/>
+        </p:nvCxnSpPr>
+        <p:spPr>
+          <a:xfrm flipV="1">
+            <a:off x="6486376" y="2436501"/>
+            <a:ext cx="1459941" cy="667134"/>
+          </a:xfrm>
+          <a:prstGeom prst="curvedConnector3">
+            <a:avLst>
+              <a:gd name="adj1" fmla="val 50000"/>
+            </a:avLst>
+          </a:prstGeom>
+          <a:ln>
+            <a:tailEnd type="triangle"/>
+          </a:ln>
+        </p:spPr>
+        <p:style>
+          <a:lnRef idx="3">
+            <a:schemeClr val="dk1"/>
+          </a:lnRef>
+          <a:fillRef idx="0">
+            <a:schemeClr val="dk1"/>
+          </a:fillRef>
+          <a:effectRef idx="2">
+            <a:schemeClr val="dk1"/>
+          </a:effectRef>
+          <a:fontRef idx="minor">
+            <a:schemeClr val="tx1"/>
+          </a:fontRef>
+        </p:style>
+      </p:cxnSp>
+      <p:sp>
+        <p:nvSpPr>
+          <p:cNvPr id="52" name="직사각형 51"/>
+          <p:cNvSpPr/>
+          <p:nvPr/>
+        </p:nvSpPr>
+        <p:spPr>
+          <a:xfrm>
+            <a:off x="6869636" y="3697129"/>
+            <a:ext cx="3107769" cy="932353"/>
+          </a:xfrm>
+          <a:prstGeom prst="rect">
+            <a:avLst/>
+          </a:prstGeom>
+        </p:spPr>
+        <p:style>
+          <a:lnRef idx="2">
+            <a:schemeClr val="dk1"/>
+          </a:lnRef>
+          <a:fillRef idx="1">
+            <a:schemeClr val="lt1"/>
+          </a:fillRef>
+          <a:effectRef idx="0">
+            <a:schemeClr val="dk1"/>
+          </a:effectRef>
+          <a:fontRef idx="minor">
+            <a:schemeClr val="dk1"/>
+          </a:fontRef>
+        </p:style>
+        <p:txBody>
+          <a:bodyPr rtlCol="0" anchor="t"/>
+          <a:lstStyle/>
+          <a:p>
+            <a:pPr algn="ctr"/>
+            <a:r>
+              <a:rPr lang="ko-KR" altLang="en-US" sz="1200" dirty="0" smtClean="0"/>
+              <a:t>퀵 메뉴</a:t>
+            </a:r>
+            <a:endParaRPr lang="en-US" altLang="ko-KR" sz="1200" dirty="0" smtClean="0"/>
+          </a:p>
+        </p:txBody>
+      </p:sp>
+      <p:cxnSp>
+        <p:nvCxnSpPr>
+          <p:cNvPr id="60" name="구부러진 연결선 59"/>
+          <p:cNvCxnSpPr/>
+          <p:nvPr/>
+        </p:nvCxnSpPr>
+        <p:spPr>
+          <a:xfrm rot="16200000" flipV="1">
+            <a:off x="5060322" y="1949648"/>
+            <a:ext cx="1131675" cy="962586"/>
+          </a:xfrm>
+          <a:prstGeom prst="curvedConnector3">
+            <a:avLst>
+              <a:gd name="adj1" fmla="val 50000"/>
+            </a:avLst>
+          </a:prstGeom>
+          <a:ln>
+            <a:tailEnd type="triangle"/>
+          </a:ln>
+        </p:spPr>
+        <p:style>
+          <a:lnRef idx="3">
+            <a:schemeClr val="dk1"/>
+          </a:lnRef>
+          <a:fillRef idx="0">
+            <a:schemeClr val="dk1"/>
+          </a:fillRef>
+          <a:effectRef idx="2">
+            <a:schemeClr val="dk1"/>
+          </a:effectRef>
+          <a:fontRef idx="minor">
+            <a:schemeClr val="tx1"/>
+          </a:fontRef>
+        </p:style>
+      </p:cxnSp>
+      <p:cxnSp>
+        <p:nvCxnSpPr>
+          <p:cNvPr id="61" name="구부러진 연결선 60"/>
+          <p:cNvCxnSpPr/>
+          <p:nvPr/>
+        </p:nvCxnSpPr>
+        <p:spPr>
+          <a:xfrm rot="5400000" flipH="1" flipV="1">
+            <a:off x="6376285" y="1815815"/>
+            <a:ext cx="1164767" cy="1126502"/>
+          </a:xfrm>
+          <a:prstGeom prst="curvedConnector3">
+            <a:avLst>
+              <a:gd name="adj1" fmla="val 50000"/>
+            </a:avLst>
+          </a:prstGeom>
+          <a:ln>
+            <a:tailEnd type="triangle"/>
+          </a:ln>
+        </p:spPr>
+        <p:style>
+          <a:lnRef idx="3">
+            <a:schemeClr val="dk1"/>
+          </a:lnRef>
+          <a:fillRef idx="0">
+            <a:schemeClr val="dk1"/>
+          </a:fillRef>
+          <a:effectRef idx="2">
+            <a:schemeClr val="dk1"/>
+          </a:effectRef>
+          <a:fontRef idx="minor">
+            <a:schemeClr val="tx1"/>
+          </a:fontRef>
+        </p:style>
+      </p:cxnSp>
+      <p:grpSp>
+        <p:nvGrpSpPr>
+          <p:cNvPr id="2" name="그룹 1"/>
+          <p:cNvGrpSpPr/>
+          <p:nvPr/>
+        </p:nvGrpSpPr>
+        <p:grpSpPr>
+          <a:xfrm>
+            <a:off x="5677123" y="2998774"/>
+            <a:ext cx="1200970" cy="1116112"/>
+            <a:chOff x="5677123" y="2998774"/>
+            <a:chExt cx="1200970" cy="1116112"/>
+          </a:xfrm>
+        </p:grpSpPr>
+        <p:grpSp>
+          <p:nvGrpSpPr>
+            <p:cNvPr id="5" name="그룹 4"/>
+            <p:cNvGrpSpPr/>
+            <p:nvPr/>
+          </p:nvGrpSpPr>
+          <p:grpSpPr>
+            <a:xfrm>
+              <a:off x="6163264" y="2998774"/>
+              <a:ext cx="223462" cy="827067"/>
+              <a:chOff x="6163264" y="2998774"/>
+              <a:chExt cx="223462" cy="827067"/>
+            </a:xfrm>
+          </p:grpSpPr>
+          <p:sp>
+            <p:nvSpPr>
+              <p:cNvPr id="4" name="타원 3"/>
+              <p:cNvSpPr/>
+              <p:nvPr/>
+            </p:nvSpPr>
+            <p:spPr>
+              <a:xfrm>
+                <a:off x="6170968" y="2998774"/>
+                <a:ext cx="215758" cy="226031"/>
+              </a:xfrm>
+              <a:prstGeom prst="ellipse">
+                <a:avLst/>
+              </a:prstGeom>
+              <a:noFill/>
+              <a:ln>
+                <a:solidFill>
+                  <a:schemeClr val="tx1"/>
+                </a:solidFill>
+              </a:ln>
+            </p:spPr>
+            <p:style>
+              <a:lnRef idx="2">
+                <a:schemeClr val="accent6"/>
+              </a:lnRef>
+              <a:fillRef idx="1">
+                <a:schemeClr val="lt1"/>
+              </a:fillRef>
+              <a:effectRef idx="0">
+                <a:schemeClr val="accent6"/>
+              </a:effectRef>
+              <a:fontRef idx="minor">
+                <a:schemeClr val="dk1"/>
+              </a:fontRef>
+            </p:style>
+            <p:txBody>
+              <a:bodyPr rtlCol="0" anchor="ctr"/>
+              <a:lstStyle/>
+              <a:p>
+                <a:pPr algn="ctr"/>
+                <a:endParaRPr lang="ko-KR" altLang="en-US"/>
+              </a:p>
+            </p:txBody>
+          </p:sp>
+          <p:cxnSp>
+            <p:nvCxnSpPr>
+              <p:cNvPr id="6" name="직선 연결선 5"/>
+              <p:cNvCxnSpPr>
+                <a:stCxn id="4" idx="4"/>
+              </p:cNvCxnSpPr>
+              <p:nvPr/>
+            </p:nvCxnSpPr>
+            <p:spPr>
+              <a:xfrm>
+                <a:off x="6278847" y="3224805"/>
+                <a:ext cx="0" cy="359595"/>
+              </a:xfrm>
+              <a:prstGeom prst="line">
+                <a:avLst/>
+              </a:prstGeom>
+              <a:ln w="12700"/>
+            </p:spPr>
+            <p:style>
+              <a:lnRef idx="1">
+                <a:schemeClr val="dk1"/>
+              </a:lnRef>
+              <a:fillRef idx="0">
+                <a:schemeClr val="dk1"/>
+              </a:fillRef>
+              <a:effectRef idx="0">
+                <a:schemeClr val="dk1"/>
+              </a:effectRef>
+              <a:fontRef idx="minor">
+                <a:schemeClr val="tx1"/>
+              </a:fontRef>
+            </p:style>
+          </p:cxnSp>
+          <p:cxnSp>
+            <p:nvCxnSpPr>
+              <p:cNvPr id="10" name="직선 연결선 9"/>
+              <p:cNvCxnSpPr/>
+              <p:nvPr/>
+            </p:nvCxnSpPr>
+            <p:spPr>
+              <a:xfrm flipV="1">
+                <a:off x="6163264" y="3255628"/>
+                <a:ext cx="115583" cy="151544"/>
+              </a:xfrm>
+              <a:prstGeom prst="line">
+                <a:avLst/>
+              </a:prstGeom>
+              <a:ln w="12700"/>
+            </p:spPr>
+            <p:style>
+              <a:lnRef idx="1">
+                <a:schemeClr val="dk1"/>
+              </a:lnRef>
+              <a:fillRef idx="0">
+                <a:schemeClr val="dk1"/>
+              </a:fillRef>
+              <a:effectRef idx="0">
+                <a:schemeClr val="dk1"/>
+              </a:effectRef>
+              <a:fontRef idx="minor">
+                <a:schemeClr val="tx1"/>
+              </a:fontRef>
+            </p:style>
+          </p:cxnSp>
+          <p:cxnSp>
+            <p:nvCxnSpPr>
+              <p:cNvPr id="12" name="직선 연결선 11"/>
+              <p:cNvCxnSpPr/>
+              <p:nvPr/>
+            </p:nvCxnSpPr>
+            <p:spPr>
+              <a:xfrm flipH="1" flipV="1">
+                <a:off x="6271142" y="3271039"/>
+                <a:ext cx="115583" cy="136133"/>
+              </a:xfrm>
+              <a:prstGeom prst="line">
+                <a:avLst/>
+              </a:prstGeom>
+              <a:ln w="12700"/>
+            </p:spPr>
+            <p:style>
+              <a:lnRef idx="1">
+                <a:schemeClr val="dk1"/>
+              </a:lnRef>
+              <a:fillRef idx="0">
+                <a:schemeClr val="dk1"/>
+              </a:fillRef>
+              <a:effectRef idx="0">
+                <a:schemeClr val="dk1"/>
+              </a:effectRef>
+              <a:fontRef idx="minor">
+                <a:schemeClr val="tx1"/>
+              </a:fontRef>
+            </p:style>
+          </p:cxnSp>
+          <p:cxnSp>
+            <p:nvCxnSpPr>
+              <p:cNvPr id="13" name="직선 연결선 12"/>
+              <p:cNvCxnSpPr/>
+              <p:nvPr/>
+            </p:nvCxnSpPr>
+            <p:spPr>
+              <a:xfrm flipV="1">
+                <a:off x="6163264" y="3558717"/>
+                <a:ext cx="115583" cy="251714"/>
+              </a:xfrm>
+              <a:prstGeom prst="line">
+                <a:avLst/>
+              </a:prstGeom>
+              <a:ln w="12700"/>
+            </p:spPr>
+            <p:style>
+              <a:lnRef idx="1">
+                <a:schemeClr val="dk1"/>
+              </a:lnRef>
+              <a:fillRef idx="0">
+                <a:schemeClr val="dk1"/>
+              </a:fillRef>
+              <a:effectRef idx="0">
+                <a:schemeClr val="dk1"/>
+              </a:effectRef>
+              <a:fontRef idx="minor">
+                <a:schemeClr val="tx1"/>
+              </a:fontRef>
+            </p:style>
+          </p:cxnSp>
+          <p:cxnSp>
+            <p:nvCxnSpPr>
+              <p:cNvPr id="14" name="직선 연결선 13"/>
+              <p:cNvCxnSpPr/>
+              <p:nvPr/>
+            </p:nvCxnSpPr>
+            <p:spPr>
+              <a:xfrm flipH="1" flipV="1">
+                <a:off x="6271142" y="3574128"/>
+                <a:ext cx="115583" cy="251713"/>
+              </a:xfrm>
+              <a:prstGeom prst="line">
+                <a:avLst/>
+              </a:prstGeom>
+              <a:ln w="12700"/>
+            </p:spPr>
+            <p:style>
+              <a:lnRef idx="1">
+                <a:schemeClr val="dk1"/>
+              </a:lnRef>
+              <a:fillRef idx="0">
+                <a:schemeClr val="dk1"/>
+              </a:fillRef>
+              <a:effectRef idx="0">
+                <a:schemeClr val="dk1"/>
+              </a:effectRef>
+              <a:fontRef idx="minor">
+                <a:schemeClr val="tx1"/>
+              </a:fontRef>
+            </p:style>
+          </p:cxnSp>
+        </p:grpSp>
+        <p:sp>
+          <p:nvSpPr>
+            <p:cNvPr id="3" name="TextBox 2"/>
+            <p:cNvSpPr txBox="1"/>
+            <p:nvPr/>
+          </p:nvSpPr>
+          <p:spPr>
+            <a:xfrm>
+              <a:off x="5677123" y="3837887"/>
+              <a:ext cx="1200970" cy="276999"/>
+            </a:xfrm>
+            <a:prstGeom prst="rect">
+              <a:avLst/>
+            </a:prstGeom>
+            <a:noFill/>
+          </p:spPr>
+          <p:txBody>
+            <a:bodyPr wrap="none" rtlCol="0">
+              <a:spAutoFit/>
+            </a:bodyPr>
+            <a:lstStyle/>
+            <a:p>
+              <a:r>
+                <a:rPr lang="ko-KR" altLang="en-US" sz="1200" dirty="0" smtClean="0"/>
+                <a:t>전문상담</a:t>
+              </a:r>
+              <a:r>
+                <a:rPr lang="en-US" altLang="ko-KR" sz="1200" dirty="0" smtClean="0"/>
+                <a:t>(</a:t>
+              </a:r>
+              <a:r>
+                <a:rPr lang="ko-KR" altLang="en-US" sz="1200" dirty="0" smtClean="0"/>
+                <a:t>교</a:t>
+              </a:r>
+              <a:r>
+                <a:rPr lang="en-US" altLang="ko-KR" sz="1200" dirty="0" smtClean="0"/>
+                <a:t>)</a:t>
+              </a:r>
+              <a:r>
+                <a:rPr lang="ko-KR" altLang="en-US" sz="1200" dirty="0" smtClean="0"/>
+                <a:t>사</a:t>
+              </a:r>
+              <a:endParaRPr lang="ko-KR" altLang="en-US" sz="1200" dirty="0"/>
+            </a:p>
+          </p:txBody>
+        </p:sp>
+      </p:grpSp>
+      <p:sp>
+        <p:nvSpPr>
+          <p:cNvPr id="11" name="타원 10"/>
+          <p:cNvSpPr/>
+          <p:nvPr/>
+        </p:nvSpPr>
+        <p:spPr>
+          <a:xfrm>
+            <a:off x="7946317" y="2197253"/>
+            <a:ext cx="1074832" cy="478496"/>
+          </a:xfrm>
+          <a:prstGeom prst="ellipse">
+            <a:avLst/>
+          </a:prstGeom>
+        </p:spPr>
+        <p:style>
+          <a:lnRef idx="2">
+            <a:schemeClr val="dk1"/>
+          </a:lnRef>
+          <a:fillRef idx="1">
+            <a:schemeClr val="lt1"/>
+          </a:fillRef>
+          <a:effectRef idx="0">
+            <a:schemeClr val="dk1"/>
+          </a:effectRef>
+          <a:fontRef idx="minor">
+            <a:schemeClr val="dk1"/>
+          </a:fontRef>
+        </p:style>
+        <p:txBody>
+          <a:bodyPr rtlCol="0" anchor="ctr"/>
+          <a:lstStyle/>
+          <a:p>
+            <a:pPr algn="ctr"/>
+            <a:r>
+              <a:rPr lang="ko-KR" altLang="en-US" sz="1100" dirty="0" smtClean="0"/>
+              <a:t>회원가입</a:t>
+            </a:r>
+            <a:endParaRPr lang="ko-KR" altLang="en-US" sz="1100" dirty="0"/>
+          </a:p>
+        </p:txBody>
+      </p:sp>
+      <p:sp>
+        <p:nvSpPr>
+          <p:cNvPr id="59" name="타원 58"/>
+          <p:cNvSpPr/>
+          <p:nvPr/>
+        </p:nvSpPr>
+        <p:spPr>
+          <a:xfrm>
+            <a:off x="9356616" y="598763"/>
+            <a:ext cx="1428549" cy="587123"/>
+          </a:xfrm>
+          <a:prstGeom prst="ellipse">
+            <a:avLst/>
+          </a:prstGeom>
+        </p:spPr>
+        <p:style>
+          <a:lnRef idx="2">
+            <a:schemeClr val="dk1"/>
+          </a:lnRef>
+          <a:fillRef idx="1">
+            <a:schemeClr val="lt1"/>
+          </a:fillRef>
+          <a:effectRef idx="0">
+            <a:schemeClr val="dk1"/>
+          </a:effectRef>
+          <a:fontRef idx="minor">
+            <a:schemeClr val="dk1"/>
+          </a:fontRef>
+        </p:style>
+        <p:txBody>
+          <a:bodyPr rtlCol="0" anchor="ctr"/>
+          <a:lstStyle/>
+          <a:p>
+            <a:pPr algn="ctr"/>
+            <a:r>
+              <a:rPr lang="ko-KR" altLang="en-US" sz="1100" dirty="0" smtClean="0"/>
+              <a:t>학교 업무</a:t>
+            </a:r>
+            <a:endParaRPr lang="en-US" altLang="ko-KR" sz="1100" dirty="0"/>
+          </a:p>
+          <a:p>
+            <a:pPr algn="ctr"/>
+            <a:r>
+              <a:rPr lang="ko-KR" altLang="en-US" sz="1100" dirty="0" smtClean="0"/>
+              <a:t>공유 게시판</a:t>
+            </a:r>
+            <a:endParaRPr lang="ko-KR" altLang="en-US" sz="1100" dirty="0"/>
+          </a:p>
+        </p:txBody>
+      </p:sp>
+      <p:sp>
+        <p:nvSpPr>
+          <p:cNvPr id="65" name="타원 64"/>
+          <p:cNvSpPr/>
+          <p:nvPr/>
+        </p:nvSpPr>
+        <p:spPr>
+          <a:xfrm>
+            <a:off x="6209651" y="531049"/>
+            <a:ext cx="1135680" cy="613415"/>
+          </a:xfrm>
+          <a:prstGeom prst="ellipse">
+            <a:avLst/>
+          </a:prstGeom>
+        </p:spPr>
+        <p:style>
+          <a:lnRef idx="2">
+            <a:schemeClr val="dk1"/>
+          </a:lnRef>
+          <a:fillRef idx="1">
+            <a:schemeClr val="lt1"/>
+          </a:fillRef>
+          <a:effectRef idx="0">
+            <a:schemeClr val="dk1"/>
+          </a:effectRef>
+          <a:fontRef idx="minor">
+            <a:schemeClr val="dk1"/>
+          </a:fontRef>
+        </p:style>
+        <p:txBody>
+          <a:bodyPr rtlCol="0" anchor="ctr"/>
+          <a:lstStyle/>
+          <a:p>
+            <a:pPr algn="ctr"/>
+            <a:r>
+              <a:rPr lang="ko-KR" altLang="en-US" sz="1100" dirty="0" smtClean="0"/>
+              <a:t>위</a:t>
+            </a:r>
+            <a:r>
+              <a:rPr lang="en-US" altLang="ko-KR" sz="1100" dirty="0" smtClean="0"/>
+              <a:t>(Wee)</a:t>
+            </a:r>
+          </a:p>
+          <a:p>
+            <a:pPr algn="ctr"/>
+            <a:r>
+              <a:rPr lang="ko-KR" altLang="en-US" sz="1100" dirty="0" smtClean="0"/>
+              <a:t>프로젝트</a:t>
+            </a:r>
+            <a:endParaRPr lang="en-US" altLang="ko-KR" sz="1100" dirty="0" smtClean="0"/>
+          </a:p>
+          <a:p>
+            <a:pPr algn="ctr"/>
+            <a:r>
+              <a:rPr lang="ko-KR" altLang="en-US" sz="1100" dirty="0" smtClean="0"/>
+              <a:t>소개</a:t>
+            </a:r>
+            <a:endParaRPr lang="ko-KR" altLang="en-US" sz="1100" dirty="0"/>
+          </a:p>
+        </p:txBody>
+      </p:sp>
+      <p:sp>
+        <p:nvSpPr>
+          <p:cNvPr id="66" name="타원 65"/>
+          <p:cNvSpPr/>
+          <p:nvPr/>
+        </p:nvSpPr>
+        <p:spPr>
+          <a:xfrm>
+            <a:off x="7535235" y="535359"/>
+            <a:ext cx="1135680" cy="613415"/>
+          </a:xfrm>
+          <a:prstGeom prst="ellipse">
+            <a:avLst/>
+          </a:prstGeom>
+        </p:spPr>
+        <p:style>
+          <a:lnRef idx="2">
+            <a:schemeClr val="dk1"/>
+          </a:lnRef>
+          <a:fillRef idx="1">
+            <a:schemeClr val="lt1"/>
+          </a:fillRef>
+          <a:effectRef idx="0">
+            <a:schemeClr val="dk1"/>
+          </a:effectRef>
+          <a:fontRef idx="minor">
+            <a:schemeClr val="dk1"/>
+          </a:fontRef>
+        </p:style>
+        <p:txBody>
+          <a:bodyPr rtlCol="0" anchor="ctr"/>
+          <a:lstStyle/>
+          <a:p>
+            <a:pPr algn="ctr"/>
+            <a:r>
+              <a:rPr lang="ko-KR" altLang="en-US" sz="1100" dirty="0" smtClean="0"/>
+              <a:t>서울</a:t>
+            </a:r>
+            <a:endParaRPr lang="en-US" altLang="ko-KR" sz="1100" dirty="0" smtClean="0"/>
+          </a:p>
+          <a:p>
+            <a:pPr algn="ctr"/>
+            <a:r>
+              <a:rPr lang="ko-KR" altLang="en-US" sz="1100" dirty="0" smtClean="0"/>
+              <a:t>위</a:t>
+            </a:r>
+            <a:r>
+              <a:rPr lang="en-US" altLang="ko-KR" sz="1100" dirty="0" smtClean="0"/>
+              <a:t>(Wee)</a:t>
+            </a:r>
+          </a:p>
+          <a:p>
+            <a:pPr algn="ctr"/>
+            <a:r>
+              <a:rPr lang="ko-KR" altLang="en-US" sz="1100" dirty="0" smtClean="0"/>
+              <a:t>센터 소개</a:t>
+            </a:r>
+            <a:endParaRPr lang="ko-KR" altLang="en-US" sz="1100" dirty="0"/>
+          </a:p>
+        </p:txBody>
+      </p:sp>
+      <p:sp>
+        <p:nvSpPr>
+          <p:cNvPr id="67" name="타원 66"/>
+          <p:cNvSpPr/>
+          <p:nvPr/>
+        </p:nvSpPr>
+        <p:spPr>
+          <a:xfrm>
+            <a:off x="6187643" y="1299655"/>
+            <a:ext cx="1126736" cy="505083"/>
+          </a:xfrm>
+          <a:prstGeom prst="ellipse">
+            <a:avLst/>
+          </a:prstGeom>
+        </p:spPr>
+        <p:style>
+          <a:lnRef idx="2">
+            <a:schemeClr val="dk1"/>
+          </a:lnRef>
+          <a:fillRef idx="1">
+            <a:schemeClr val="lt1"/>
+          </a:fillRef>
+          <a:effectRef idx="0">
+            <a:schemeClr val="dk1"/>
+          </a:effectRef>
+          <a:fontRef idx="minor">
+            <a:schemeClr val="dk1"/>
+          </a:fontRef>
+        </p:style>
+        <p:txBody>
+          <a:bodyPr rtlCol="0" anchor="ctr"/>
+          <a:lstStyle/>
+          <a:p>
+            <a:pPr algn="ctr"/>
+            <a:r>
+              <a:rPr lang="ko-KR" altLang="en-US" sz="1100" dirty="0" smtClean="0"/>
+              <a:t>공지사항</a:t>
+            </a:r>
+            <a:endParaRPr lang="ko-KR" altLang="en-US" sz="1100" dirty="0"/>
+          </a:p>
+        </p:txBody>
+      </p:sp>
+      <p:sp>
+        <p:nvSpPr>
+          <p:cNvPr id="68" name="타원 67"/>
+          <p:cNvSpPr/>
+          <p:nvPr/>
+        </p:nvSpPr>
+        <p:spPr>
+          <a:xfrm>
+            <a:off x="7404965" y="1249273"/>
+            <a:ext cx="1438742" cy="613415"/>
+          </a:xfrm>
+          <a:prstGeom prst="ellipse">
+            <a:avLst/>
+          </a:prstGeom>
+        </p:spPr>
+        <p:style>
+          <a:lnRef idx="2">
+            <a:schemeClr val="dk1"/>
+          </a:lnRef>
+          <a:fillRef idx="1">
+            <a:schemeClr val="lt1"/>
+          </a:fillRef>
+          <a:effectRef idx="0">
+            <a:schemeClr val="dk1"/>
+          </a:effectRef>
+          <a:fontRef idx="minor">
+            <a:schemeClr val="dk1"/>
+          </a:fontRef>
+        </p:style>
+        <p:txBody>
+          <a:bodyPr rtlCol="0" anchor="ctr"/>
+          <a:lstStyle/>
+          <a:p>
+            <a:pPr algn="ctr"/>
+            <a:r>
+              <a:rPr lang="ko-KR" altLang="en-US" sz="1100" dirty="0" smtClean="0"/>
+              <a:t>서울</a:t>
+            </a:r>
+            <a:endParaRPr lang="en-US" altLang="ko-KR" sz="1100" dirty="0" smtClean="0"/>
+          </a:p>
+          <a:p>
+            <a:pPr algn="ctr"/>
+            <a:r>
+              <a:rPr lang="ko-KR" altLang="en-US" sz="1100" dirty="0" smtClean="0"/>
+              <a:t>위플</a:t>
+            </a:r>
+            <a:r>
+              <a:rPr lang="en-US" altLang="ko-KR" sz="1100" dirty="0" smtClean="0"/>
+              <a:t>(Weepl) </a:t>
+            </a:r>
+          </a:p>
+          <a:p>
+            <a:pPr algn="ctr"/>
+            <a:r>
+              <a:rPr lang="ko-KR" altLang="en-US" sz="1100" dirty="0" smtClean="0"/>
+              <a:t>상징</a:t>
+            </a:r>
+            <a:endParaRPr lang="ko-KR" altLang="en-US" sz="1100" dirty="0"/>
+          </a:p>
+        </p:txBody>
+      </p:sp>
+      <p:cxnSp>
+        <p:nvCxnSpPr>
+          <p:cNvPr id="70" name="구부러진 연결선 69"/>
+          <p:cNvCxnSpPr>
+            <a:stCxn id="24" idx="7"/>
+            <a:endCxn id="44" idx="2"/>
+          </p:cNvCxnSpPr>
+          <p:nvPr/>
+        </p:nvCxnSpPr>
+        <p:spPr>
+          <a:xfrm rot="16200000" flipH="1">
+            <a:off x="7842078" y="583203"/>
+            <a:ext cx="364261" cy="5229324"/>
+          </a:xfrm>
+          <a:prstGeom prst="curvedConnector5">
+            <a:avLst>
+              <a:gd name="adj1" fmla="val -62757"/>
+              <a:gd name="adj2" fmla="val 40145"/>
+              <a:gd name="adj3" fmla="val 162757"/>
+            </a:avLst>
+          </a:prstGeom>
+          <a:ln>
+            <a:tailEnd type="triangle"/>
+          </a:ln>
+        </p:spPr>
+        <p:style>
+          <a:lnRef idx="3">
+            <a:schemeClr val="dk1"/>
+          </a:lnRef>
+          <a:fillRef idx="0">
+            <a:schemeClr val="dk1"/>
+          </a:fillRef>
+          <a:effectRef idx="2">
+            <a:schemeClr val="dk1"/>
+          </a:effectRef>
+          <a:fontRef idx="minor">
+            <a:schemeClr val="tx1"/>
+          </a:fontRef>
+        </p:style>
+      </p:cxnSp>
+      <p:sp>
+        <p:nvSpPr>
+          <p:cNvPr id="83" name="타원 82"/>
+          <p:cNvSpPr/>
+          <p:nvPr/>
+        </p:nvSpPr>
+        <p:spPr>
+          <a:xfrm>
+            <a:off x="287142" y="437950"/>
+            <a:ext cx="1127782" cy="615167"/>
+          </a:xfrm>
+          <a:prstGeom prst="ellipse">
+            <a:avLst/>
+          </a:prstGeom>
+        </p:spPr>
+        <p:style>
+          <a:lnRef idx="2">
+            <a:schemeClr val="dk1"/>
+          </a:lnRef>
+          <a:fillRef idx="1">
+            <a:schemeClr val="lt1"/>
+          </a:fillRef>
+          <a:effectRef idx="0">
+            <a:schemeClr val="dk1"/>
+          </a:effectRef>
+          <a:fontRef idx="minor">
+            <a:schemeClr val="dk1"/>
+          </a:fontRef>
+        </p:style>
+        <p:txBody>
+          <a:bodyPr rtlCol="0" anchor="ctr"/>
+          <a:lstStyle/>
+          <a:p>
+            <a:pPr algn="ctr"/>
+            <a:r>
+              <a:rPr lang="ko-KR" altLang="en-US" sz="1100" dirty="0" smtClean="0"/>
+              <a:t>회원정보</a:t>
+            </a:r>
+            <a:endParaRPr lang="en-US" altLang="ko-KR" sz="1100" dirty="0" smtClean="0"/>
+          </a:p>
+          <a:p>
+            <a:pPr algn="ctr"/>
+            <a:r>
+              <a:rPr lang="ko-KR" altLang="en-US" sz="1100" dirty="0" smtClean="0"/>
+              <a:t>조회</a:t>
+            </a:r>
+            <a:endParaRPr lang="ko-KR" altLang="en-US" sz="1100" dirty="0"/>
+          </a:p>
+        </p:txBody>
+      </p:sp>
+      <p:sp>
+        <p:nvSpPr>
+          <p:cNvPr id="84" name="타원 83"/>
+          <p:cNvSpPr/>
+          <p:nvPr/>
+        </p:nvSpPr>
+        <p:spPr>
+          <a:xfrm>
+            <a:off x="275944" y="1111807"/>
+            <a:ext cx="1127782" cy="615167"/>
+          </a:xfrm>
+          <a:prstGeom prst="ellipse">
+            <a:avLst/>
+          </a:prstGeom>
+        </p:spPr>
+        <p:style>
+          <a:lnRef idx="2">
+            <a:schemeClr val="dk1"/>
+          </a:lnRef>
+          <a:fillRef idx="1">
+            <a:schemeClr val="lt1"/>
+          </a:fillRef>
+          <a:effectRef idx="0">
+            <a:schemeClr val="dk1"/>
+          </a:effectRef>
+          <a:fontRef idx="minor">
+            <a:schemeClr val="dk1"/>
+          </a:fontRef>
+        </p:style>
+        <p:txBody>
+          <a:bodyPr rtlCol="0" anchor="ctr"/>
+          <a:lstStyle/>
+          <a:p>
+            <a:pPr algn="ctr"/>
+            <a:r>
+              <a:rPr lang="ko-KR" altLang="en-US" sz="1100" dirty="0" smtClean="0"/>
+              <a:t>회원정보</a:t>
+            </a:r>
+            <a:endParaRPr lang="en-US" altLang="ko-KR" sz="1100" dirty="0" smtClean="0"/>
+          </a:p>
+          <a:p>
+            <a:pPr algn="ctr"/>
+            <a:r>
+              <a:rPr lang="ko-KR" altLang="en-US" sz="1100" dirty="0" smtClean="0"/>
+              <a:t>수정</a:t>
+            </a:r>
+            <a:endParaRPr lang="ko-KR" altLang="en-US" sz="1100" dirty="0"/>
+          </a:p>
+        </p:txBody>
+      </p:sp>
+      <p:sp>
+        <p:nvSpPr>
+          <p:cNvPr id="86" name="타원 85"/>
+          <p:cNvSpPr/>
+          <p:nvPr/>
+        </p:nvSpPr>
+        <p:spPr>
+          <a:xfrm>
+            <a:off x="1492791" y="437950"/>
+            <a:ext cx="1127782" cy="615167"/>
+          </a:xfrm>
+          <a:prstGeom prst="ellipse">
+            <a:avLst/>
+          </a:prstGeom>
+        </p:spPr>
+        <p:style>
+          <a:lnRef idx="2">
+            <a:schemeClr val="dk1"/>
+          </a:lnRef>
+          <a:fillRef idx="1">
+            <a:schemeClr val="lt1"/>
+          </a:fillRef>
+          <a:effectRef idx="0">
+            <a:schemeClr val="dk1"/>
+          </a:effectRef>
+          <a:fontRef idx="minor">
+            <a:schemeClr val="dk1"/>
+          </a:fontRef>
+        </p:style>
+        <p:txBody>
+          <a:bodyPr rtlCol="0" anchor="ctr"/>
+          <a:lstStyle/>
+          <a:p>
+            <a:pPr algn="ctr"/>
+            <a:r>
+              <a:rPr lang="ko-KR" altLang="en-US" sz="1100" dirty="0"/>
+              <a:t>내담자</a:t>
+            </a:r>
+            <a:endParaRPr lang="en-US" altLang="ko-KR" sz="1100" dirty="0"/>
+          </a:p>
+          <a:p>
+            <a:pPr algn="ctr"/>
+            <a:r>
+              <a:rPr lang="ko-KR" altLang="en-US" sz="1100" dirty="0"/>
+              <a:t>상담 정보</a:t>
+            </a:r>
+            <a:endParaRPr lang="en-US" altLang="ko-KR" sz="1100" dirty="0"/>
+          </a:p>
+          <a:p>
+            <a:pPr algn="ctr"/>
+            <a:r>
+              <a:rPr lang="ko-KR" altLang="en-US" sz="1100" dirty="0"/>
+              <a:t>조회</a:t>
+            </a:r>
+            <a:endParaRPr lang="ko-KR" altLang="en-US" sz="1100" dirty="0"/>
+          </a:p>
+        </p:txBody>
+      </p:sp>
+      <p:sp>
+        <p:nvSpPr>
+          <p:cNvPr id="88" name="타원 87"/>
+          <p:cNvSpPr/>
+          <p:nvPr/>
+        </p:nvSpPr>
+        <p:spPr>
+          <a:xfrm>
+            <a:off x="2739069" y="442634"/>
+            <a:ext cx="1130540" cy="615167"/>
+          </a:xfrm>
+          <a:prstGeom prst="ellipse">
+            <a:avLst/>
+          </a:prstGeom>
+        </p:spPr>
+        <p:style>
+          <a:lnRef idx="2">
+            <a:schemeClr val="dk1"/>
+          </a:lnRef>
+          <a:fillRef idx="1">
+            <a:schemeClr val="lt1"/>
+          </a:fillRef>
+          <a:effectRef idx="0">
+            <a:schemeClr val="dk1"/>
+          </a:effectRef>
+          <a:fontRef idx="minor">
+            <a:schemeClr val="dk1"/>
+          </a:fontRef>
+        </p:style>
+        <p:txBody>
+          <a:bodyPr rtlCol="0" anchor="ctr"/>
+          <a:lstStyle/>
+          <a:p>
+            <a:pPr algn="ctr"/>
+            <a:r>
+              <a:rPr lang="ko-KR" altLang="en-US" sz="1100"/>
+              <a:t>게시판</a:t>
+            </a:r>
+            <a:endParaRPr lang="en-US" altLang="ko-KR" sz="1100"/>
+          </a:p>
+          <a:p>
+            <a:pPr algn="ctr"/>
+            <a:r>
+              <a:rPr lang="ko-KR" altLang="en-US" sz="1100"/>
+              <a:t>상담 확인</a:t>
+            </a:r>
+            <a:endParaRPr lang="ko-KR" altLang="en-US" sz="1100" dirty="0"/>
+          </a:p>
+        </p:txBody>
+      </p:sp>
+      <p:sp>
+        <p:nvSpPr>
+          <p:cNvPr id="91" name="타원 90"/>
+          <p:cNvSpPr/>
+          <p:nvPr/>
+        </p:nvSpPr>
+        <p:spPr>
+          <a:xfrm>
+            <a:off x="2759473" y="1112722"/>
+            <a:ext cx="1130540" cy="611394"/>
+          </a:xfrm>
+          <a:prstGeom prst="ellipse">
+            <a:avLst/>
+          </a:prstGeom>
+        </p:spPr>
+        <p:style>
+          <a:lnRef idx="2">
+            <a:schemeClr val="dk1"/>
+          </a:lnRef>
+          <a:fillRef idx="1">
+            <a:schemeClr val="lt1"/>
+          </a:fillRef>
+          <a:effectRef idx="0">
+            <a:schemeClr val="dk1"/>
+          </a:effectRef>
+          <a:fontRef idx="minor">
+            <a:schemeClr val="dk1"/>
+          </a:fontRef>
+        </p:style>
+        <p:txBody>
+          <a:bodyPr rtlCol="0" anchor="ctr"/>
+          <a:lstStyle/>
+          <a:p>
+            <a:pPr algn="ctr"/>
+            <a:r>
+              <a:rPr lang="ko-KR" altLang="en-US" sz="1100" dirty="0" smtClean="0"/>
+              <a:t>스윗</a:t>
+            </a:r>
+            <a:r>
+              <a:rPr lang="en-US" altLang="ko-KR" sz="1100" dirty="0" smtClean="0"/>
+              <a:t>(SWeeT)</a:t>
+            </a:r>
+          </a:p>
+          <a:p>
+            <a:pPr algn="ctr"/>
+            <a:r>
+              <a:rPr lang="ko-KR" altLang="en-US" sz="1100" dirty="0" smtClean="0"/>
+              <a:t>확인</a:t>
+            </a:r>
+            <a:endParaRPr lang="ko-KR" altLang="en-US" sz="1100" dirty="0"/>
+          </a:p>
+        </p:txBody>
+      </p:sp>
+      <p:sp>
+        <p:nvSpPr>
+          <p:cNvPr id="92" name="타원 91"/>
+          <p:cNvSpPr/>
+          <p:nvPr/>
+        </p:nvSpPr>
+        <p:spPr>
+          <a:xfrm>
+            <a:off x="2150487" y="1760286"/>
+            <a:ext cx="1630666" cy="563658"/>
+          </a:xfrm>
+          <a:prstGeom prst="ellipse">
+            <a:avLst/>
+          </a:prstGeom>
+        </p:spPr>
+        <p:style>
+          <a:lnRef idx="2">
+            <a:schemeClr val="dk1"/>
+          </a:lnRef>
+          <a:fillRef idx="1">
+            <a:schemeClr val="lt1"/>
+          </a:fillRef>
+          <a:effectRef idx="0">
+            <a:schemeClr val="dk1"/>
+          </a:effectRef>
+          <a:fontRef idx="minor">
+            <a:schemeClr val="dk1"/>
+          </a:fontRef>
+        </p:style>
+        <p:txBody>
+          <a:bodyPr rtlCol="0" anchor="ctr"/>
+          <a:lstStyle/>
+          <a:p>
+            <a:pPr algn="ctr"/>
+            <a:r>
+              <a:rPr lang="ko-KR" altLang="en-US" sz="1100" dirty="0" smtClean="0"/>
+              <a:t>상담 만족도</a:t>
+            </a:r>
+            <a:endParaRPr lang="en-US" altLang="ko-KR" sz="1100" dirty="0" smtClean="0"/>
+          </a:p>
+          <a:p>
+            <a:pPr algn="ctr"/>
+            <a:r>
+              <a:rPr lang="ko-KR" altLang="en-US" sz="1100" dirty="0" smtClean="0"/>
+              <a:t>검사 결과 조회</a:t>
+            </a:r>
+            <a:endParaRPr lang="ko-KR" altLang="en-US" sz="1100" dirty="0"/>
+          </a:p>
+        </p:txBody>
+      </p:sp>
+      <p:sp>
+        <p:nvSpPr>
+          <p:cNvPr id="95" name="타원 94"/>
+          <p:cNvSpPr/>
+          <p:nvPr/>
+        </p:nvSpPr>
+        <p:spPr>
+          <a:xfrm>
+            <a:off x="607424" y="1765433"/>
+            <a:ext cx="1476337" cy="567926"/>
+          </a:xfrm>
+          <a:prstGeom prst="ellipse">
+            <a:avLst/>
+          </a:prstGeom>
+        </p:spPr>
+        <p:style>
+          <a:lnRef idx="2">
+            <a:schemeClr val="dk1"/>
+          </a:lnRef>
+          <a:fillRef idx="1">
+            <a:schemeClr val="lt1"/>
+          </a:fillRef>
+          <a:effectRef idx="0">
+            <a:schemeClr val="dk1"/>
+          </a:effectRef>
+          <a:fontRef idx="minor">
+            <a:schemeClr val="dk1"/>
+          </a:fontRef>
+        </p:style>
+        <p:txBody>
+          <a:bodyPr rtlCol="0" anchor="ctr"/>
+          <a:lstStyle/>
+          <a:p>
+            <a:pPr algn="ctr"/>
+            <a:r>
+              <a:rPr lang="ko-KR" altLang="en-US" sz="1100" dirty="0"/>
+              <a:t>마음건강검사</a:t>
+            </a:r>
+            <a:endParaRPr lang="en-US" altLang="ko-KR" sz="1100" dirty="0"/>
+          </a:p>
+          <a:p>
+            <a:pPr algn="ctr"/>
+            <a:r>
+              <a:rPr lang="ko-KR" altLang="en-US" sz="1100" dirty="0"/>
+              <a:t>결과 조회</a:t>
+            </a:r>
+            <a:endParaRPr lang="ko-KR" altLang="en-US" sz="1100" dirty="0"/>
+          </a:p>
+        </p:txBody>
+      </p:sp>
+      <p:sp>
+        <p:nvSpPr>
+          <p:cNvPr id="101" name="타원 100"/>
+          <p:cNvSpPr/>
+          <p:nvPr/>
+        </p:nvSpPr>
+        <p:spPr>
+          <a:xfrm>
+            <a:off x="498240" y="3454504"/>
+            <a:ext cx="886684" cy="558904"/>
+          </a:xfrm>
+          <a:prstGeom prst="ellipse">
+            <a:avLst/>
+          </a:prstGeom>
+        </p:spPr>
+        <p:style>
+          <a:lnRef idx="2">
+            <a:schemeClr val="dk1"/>
+          </a:lnRef>
+          <a:fillRef idx="1">
+            <a:schemeClr val="lt1"/>
+          </a:fillRef>
+          <a:effectRef idx="0">
+            <a:schemeClr val="dk1"/>
+          </a:effectRef>
+          <a:fontRef idx="minor">
+            <a:schemeClr val="dk1"/>
+          </a:fontRef>
+        </p:style>
+        <p:txBody>
+          <a:bodyPr rtlCol="0" anchor="ctr"/>
+          <a:lstStyle/>
+          <a:p>
+            <a:pPr algn="ctr"/>
+            <a:r>
+              <a:rPr lang="ko-KR" altLang="en-US" sz="1100" dirty="0" smtClean="0"/>
+              <a:t>맞춤형</a:t>
+            </a:r>
+            <a:endParaRPr lang="en-US" altLang="ko-KR" sz="1100" dirty="0" smtClean="0"/>
+          </a:p>
+          <a:p>
+            <a:pPr algn="ctr"/>
+            <a:r>
+              <a:rPr lang="ko-KR" altLang="en-US" sz="1100" dirty="0" smtClean="0"/>
+              <a:t>검사</a:t>
+            </a:r>
+            <a:endParaRPr lang="ko-KR" altLang="en-US" sz="1100" dirty="0"/>
+          </a:p>
+        </p:txBody>
+      </p:sp>
+      <p:sp>
+        <p:nvSpPr>
+          <p:cNvPr id="102" name="타원 101"/>
+          <p:cNvSpPr/>
+          <p:nvPr/>
+        </p:nvSpPr>
+        <p:spPr>
+          <a:xfrm>
+            <a:off x="492567" y="4068901"/>
+            <a:ext cx="873322" cy="526155"/>
+          </a:xfrm>
+          <a:prstGeom prst="ellipse">
+            <a:avLst/>
+          </a:prstGeom>
+        </p:spPr>
+        <p:style>
+          <a:lnRef idx="2">
+            <a:schemeClr val="dk1"/>
+          </a:lnRef>
+          <a:fillRef idx="1">
+            <a:schemeClr val="lt1"/>
+          </a:fillRef>
+          <a:effectRef idx="0">
+            <a:schemeClr val="dk1"/>
+          </a:effectRef>
+          <a:fontRef idx="minor">
+            <a:schemeClr val="dk1"/>
+          </a:fontRef>
+        </p:style>
+        <p:txBody>
+          <a:bodyPr rtlCol="0" anchor="ctr"/>
+          <a:lstStyle/>
+          <a:p>
+            <a:pPr algn="ctr"/>
+            <a:r>
+              <a:rPr lang="ko-KR" altLang="en-US" sz="1100" dirty="0" smtClean="0"/>
+              <a:t>연령별</a:t>
+            </a:r>
+            <a:endParaRPr lang="en-US" altLang="ko-KR" sz="1100" dirty="0" smtClean="0"/>
+          </a:p>
+          <a:p>
+            <a:pPr algn="ctr"/>
+            <a:r>
+              <a:rPr lang="ko-KR" altLang="en-US" sz="1100" dirty="0" smtClean="0"/>
+              <a:t>검사</a:t>
+            </a:r>
+            <a:endParaRPr lang="ko-KR" altLang="en-US" sz="1100" dirty="0"/>
+          </a:p>
+        </p:txBody>
+      </p:sp>
+      <p:sp>
+        <p:nvSpPr>
+          <p:cNvPr id="103" name="타원 102"/>
+          <p:cNvSpPr/>
+          <p:nvPr/>
+        </p:nvSpPr>
+        <p:spPr>
+          <a:xfrm>
+            <a:off x="1541019" y="3454504"/>
+            <a:ext cx="864328" cy="565230"/>
+          </a:xfrm>
+          <a:prstGeom prst="ellipse">
+            <a:avLst/>
+          </a:prstGeom>
+        </p:spPr>
+        <p:style>
+          <a:lnRef idx="2">
+            <a:schemeClr val="dk1"/>
+          </a:lnRef>
+          <a:fillRef idx="1">
+            <a:schemeClr val="lt1"/>
+          </a:fillRef>
+          <a:effectRef idx="0">
+            <a:schemeClr val="dk1"/>
+          </a:effectRef>
+          <a:fontRef idx="minor">
+            <a:schemeClr val="dk1"/>
+          </a:fontRef>
+        </p:style>
+        <p:txBody>
+          <a:bodyPr rtlCol="0" anchor="ctr"/>
+          <a:lstStyle/>
+          <a:p>
+            <a:pPr algn="ctr"/>
+            <a:r>
+              <a:rPr lang="ko-KR" altLang="en-US" sz="1100" dirty="0" smtClean="0"/>
+              <a:t>상황별</a:t>
+            </a:r>
+            <a:endParaRPr lang="en-US" altLang="ko-KR" sz="1100" dirty="0" smtClean="0"/>
+          </a:p>
+          <a:p>
+            <a:pPr algn="ctr"/>
+            <a:r>
+              <a:rPr lang="ko-KR" altLang="en-US" sz="1100" dirty="0" smtClean="0"/>
+              <a:t>검사</a:t>
+            </a:r>
+            <a:endParaRPr lang="ko-KR" altLang="en-US" sz="1100" dirty="0"/>
+          </a:p>
+        </p:txBody>
+      </p:sp>
+      <p:sp>
+        <p:nvSpPr>
+          <p:cNvPr id="104" name="직사각형 103"/>
+          <p:cNvSpPr/>
+          <p:nvPr/>
+        </p:nvSpPr>
+        <p:spPr>
+          <a:xfrm>
+            <a:off x="852830" y="4777342"/>
+            <a:ext cx="1509847" cy="1954786"/>
+          </a:xfrm>
+          <a:prstGeom prst="rect">
+            <a:avLst/>
+          </a:prstGeom>
+        </p:spPr>
+        <p:style>
+          <a:lnRef idx="2">
+            <a:schemeClr val="dk1"/>
+          </a:lnRef>
+          <a:fillRef idx="1">
+            <a:schemeClr val="lt1"/>
+          </a:fillRef>
+          <a:effectRef idx="0">
+            <a:schemeClr val="dk1"/>
+          </a:effectRef>
+          <a:fontRef idx="minor">
+            <a:schemeClr val="dk1"/>
+          </a:fontRef>
+        </p:style>
+        <p:txBody>
+          <a:bodyPr rtlCol="0" anchor="t"/>
+          <a:lstStyle/>
+          <a:p>
+            <a:pPr algn="ctr"/>
+            <a:r>
+              <a:rPr lang="ko-KR" altLang="en-US" sz="1200" smtClean="0"/>
+              <a:t>연령별 검사</a:t>
+            </a:r>
+            <a:endParaRPr lang="ko-KR" altLang="en-US" sz="1200" dirty="0"/>
+          </a:p>
+        </p:txBody>
+      </p:sp>
+      <p:cxnSp>
+        <p:nvCxnSpPr>
+          <p:cNvPr id="105" name="구부러진 연결선 104"/>
+          <p:cNvCxnSpPr>
+            <a:stCxn id="102" idx="4"/>
+            <a:endCxn id="104" idx="1"/>
+          </p:cNvCxnSpPr>
+          <p:nvPr/>
+        </p:nvCxnSpPr>
+        <p:spPr>
+          <a:xfrm rot="5400000">
+            <a:off x="311190" y="5136696"/>
+            <a:ext cx="1159679" cy="76398"/>
+          </a:xfrm>
+          <a:prstGeom prst="curvedConnector4">
+            <a:avLst>
+              <a:gd name="adj1" fmla="val 7859"/>
+              <a:gd name="adj2" fmla="val 399222"/>
+            </a:avLst>
+          </a:prstGeom>
+          <a:ln>
+            <a:tailEnd type="triangle"/>
+          </a:ln>
+        </p:spPr>
+        <p:style>
+          <a:lnRef idx="3">
+            <a:schemeClr val="dk1"/>
+          </a:lnRef>
+          <a:fillRef idx="0">
+            <a:schemeClr val="dk1"/>
+          </a:fillRef>
+          <a:effectRef idx="2">
+            <a:schemeClr val="dk1"/>
+          </a:effectRef>
+          <a:fontRef idx="minor">
+            <a:schemeClr val="tx1"/>
+          </a:fontRef>
+        </p:style>
+      </p:cxnSp>
+      <p:sp>
+        <p:nvSpPr>
+          <p:cNvPr id="109" name="타원 108"/>
+          <p:cNvSpPr/>
+          <p:nvPr/>
+        </p:nvSpPr>
+        <p:spPr>
+          <a:xfrm>
+            <a:off x="941053" y="5087066"/>
+            <a:ext cx="1318725" cy="467070"/>
+          </a:xfrm>
+          <a:prstGeom prst="ellipse">
+            <a:avLst/>
+          </a:prstGeom>
+        </p:spPr>
+        <p:style>
+          <a:lnRef idx="2">
+            <a:schemeClr val="dk1"/>
+          </a:lnRef>
+          <a:fillRef idx="1">
+            <a:schemeClr val="lt1"/>
+          </a:fillRef>
+          <a:effectRef idx="0">
+            <a:schemeClr val="dk1"/>
+          </a:effectRef>
+          <a:fontRef idx="minor">
+            <a:schemeClr val="dk1"/>
+          </a:fontRef>
+        </p:style>
+        <p:txBody>
+          <a:bodyPr rtlCol="0" anchor="ctr"/>
+          <a:lstStyle/>
+          <a:p>
+            <a:pPr algn="ctr"/>
+            <a:r>
+              <a:rPr lang="ko-KR" altLang="en-US" sz="1100" dirty="0" smtClean="0"/>
+              <a:t>초등 선택</a:t>
+            </a:r>
+            <a:endParaRPr lang="ko-KR" altLang="en-US" sz="1100" dirty="0"/>
+          </a:p>
+        </p:txBody>
+      </p:sp>
+      <p:sp>
+        <p:nvSpPr>
+          <p:cNvPr id="112" name="타원 111"/>
+          <p:cNvSpPr/>
+          <p:nvPr/>
+        </p:nvSpPr>
+        <p:spPr>
+          <a:xfrm>
+            <a:off x="941053" y="5627916"/>
+            <a:ext cx="1318725" cy="467070"/>
+          </a:xfrm>
+          <a:prstGeom prst="ellipse">
+            <a:avLst/>
+          </a:prstGeom>
+        </p:spPr>
+        <p:style>
+          <a:lnRef idx="2">
+            <a:schemeClr val="dk1"/>
+          </a:lnRef>
+          <a:fillRef idx="1">
+            <a:schemeClr val="lt1"/>
+          </a:fillRef>
+          <a:effectRef idx="0">
+            <a:schemeClr val="dk1"/>
+          </a:effectRef>
+          <a:fontRef idx="minor">
+            <a:schemeClr val="dk1"/>
+          </a:fontRef>
+        </p:style>
+        <p:txBody>
+          <a:bodyPr rtlCol="0" anchor="ctr"/>
+          <a:lstStyle/>
+          <a:p>
+            <a:pPr algn="ctr"/>
+            <a:r>
+              <a:rPr lang="ko-KR" altLang="en-US" sz="1100" smtClean="0"/>
+              <a:t>중고등 </a:t>
+            </a:r>
+            <a:r>
+              <a:rPr lang="ko-KR" altLang="en-US" sz="1100" dirty="0" smtClean="0"/>
+              <a:t>선택</a:t>
+            </a:r>
+            <a:endParaRPr lang="ko-KR" altLang="en-US" sz="1100" dirty="0"/>
+          </a:p>
+        </p:txBody>
+      </p:sp>
+      <p:sp>
+        <p:nvSpPr>
+          <p:cNvPr id="113" name="타원 112"/>
+          <p:cNvSpPr/>
+          <p:nvPr/>
+        </p:nvSpPr>
+        <p:spPr>
+          <a:xfrm>
+            <a:off x="948390" y="6168766"/>
+            <a:ext cx="1318725" cy="467070"/>
+          </a:xfrm>
+          <a:prstGeom prst="ellipse">
+            <a:avLst/>
+          </a:prstGeom>
+        </p:spPr>
+        <p:style>
+          <a:lnRef idx="2">
+            <a:schemeClr val="dk1"/>
+          </a:lnRef>
+          <a:fillRef idx="1">
+            <a:schemeClr val="lt1"/>
+          </a:fillRef>
+          <a:effectRef idx="0">
+            <a:schemeClr val="dk1"/>
+          </a:effectRef>
+          <a:fontRef idx="minor">
+            <a:schemeClr val="dk1"/>
+          </a:fontRef>
+        </p:style>
+        <p:txBody>
+          <a:bodyPr rtlCol="0" anchor="ctr"/>
+          <a:lstStyle/>
+          <a:p>
+            <a:pPr algn="ctr"/>
+            <a:r>
+              <a:rPr lang="ko-KR" altLang="en-US" sz="1100" dirty="0" smtClean="0"/>
+              <a:t>성인 선택</a:t>
+            </a:r>
+            <a:endParaRPr lang="ko-KR" altLang="en-US" sz="1100" dirty="0"/>
+          </a:p>
+        </p:txBody>
+      </p:sp>
+      <p:sp>
+        <p:nvSpPr>
+          <p:cNvPr id="116" name="타원 115"/>
+          <p:cNvSpPr/>
+          <p:nvPr/>
+        </p:nvSpPr>
+        <p:spPr>
+          <a:xfrm>
+            <a:off x="3234718" y="4337098"/>
+            <a:ext cx="988394" cy="524200"/>
+          </a:xfrm>
+          <a:prstGeom prst="ellipse">
+            <a:avLst/>
+          </a:prstGeom>
+        </p:spPr>
+        <p:style>
+          <a:lnRef idx="2">
+            <a:schemeClr val="dk1"/>
+          </a:lnRef>
+          <a:fillRef idx="1">
+            <a:schemeClr val="lt1"/>
+          </a:fillRef>
+          <a:effectRef idx="0">
+            <a:schemeClr val="dk1"/>
+          </a:effectRef>
+          <a:fontRef idx="minor">
+            <a:schemeClr val="dk1"/>
+          </a:fontRef>
+        </p:style>
+        <p:txBody>
+          <a:bodyPr rtlCol="0" anchor="ctr"/>
+          <a:lstStyle/>
+          <a:p>
+            <a:pPr algn="ctr"/>
+            <a:r>
+              <a:rPr lang="ko-KR" altLang="en-US" sz="1100" dirty="0" smtClean="0"/>
+              <a:t>추천 글</a:t>
+            </a:r>
+            <a:endParaRPr lang="en-US" altLang="ko-KR" sz="1100" dirty="0" smtClean="0"/>
+          </a:p>
+          <a:p>
+            <a:pPr algn="ctr"/>
+            <a:r>
+              <a:rPr lang="ko-KR" altLang="en-US" sz="1100" dirty="0" smtClean="0"/>
+              <a:t>보기</a:t>
+            </a:r>
+            <a:endParaRPr lang="ko-KR" altLang="en-US" sz="1100" dirty="0"/>
+          </a:p>
+        </p:txBody>
+      </p:sp>
+      <p:sp>
+        <p:nvSpPr>
+          <p:cNvPr id="117" name="타원 116"/>
+          <p:cNvSpPr/>
+          <p:nvPr/>
+        </p:nvSpPr>
+        <p:spPr>
+          <a:xfrm>
+            <a:off x="4349106" y="4337098"/>
+            <a:ext cx="973369" cy="524200"/>
+          </a:xfrm>
+          <a:prstGeom prst="ellipse">
+            <a:avLst/>
+          </a:prstGeom>
+        </p:spPr>
+        <p:style>
+          <a:lnRef idx="2">
+            <a:schemeClr val="dk1"/>
+          </a:lnRef>
+          <a:fillRef idx="1">
+            <a:schemeClr val="lt1"/>
+          </a:fillRef>
+          <a:effectRef idx="0">
+            <a:schemeClr val="dk1"/>
+          </a:effectRef>
+          <a:fontRef idx="minor">
+            <a:schemeClr val="dk1"/>
+          </a:fontRef>
+        </p:style>
+        <p:txBody>
+          <a:bodyPr rtlCol="0" anchor="ctr"/>
+          <a:lstStyle/>
+          <a:p>
+            <a:pPr algn="ctr"/>
+            <a:r>
+              <a:rPr lang="ko-KR" altLang="en-US" sz="1100" dirty="0" smtClean="0"/>
+              <a:t>글 검색</a:t>
+            </a:r>
+            <a:endParaRPr lang="ko-KR" altLang="en-US" sz="1100" dirty="0"/>
+          </a:p>
+        </p:txBody>
+      </p:sp>
+      <p:cxnSp>
+        <p:nvCxnSpPr>
+          <p:cNvPr id="118" name="구부러진 연결선 117"/>
+          <p:cNvCxnSpPr>
+            <a:stCxn id="24" idx="2"/>
+            <a:endCxn id="39" idx="3"/>
+          </p:cNvCxnSpPr>
+          <p:nvPr/>
+        </p:nvCxnSpPr>
+        <p:spPr>
+          <a:xfrm rot="10800000" flipV="1">
+            <a:off x="2586314" y="3160125"/>
+            <a:ext cx="1926544" cy="464520"/>
+          </a:xfrm>
+          <a:prstGeom prst="curvedConnector3">
+            <a:avLst>
+              <a:gd name="adj1" fmla="val 50000"/>
+            </a:avLst>
+          </a:prstGeom>
+          <a:ln>
+            <a:tailEnd type="triangle"/>
+          </a:ln>
+        </p:spPr>
+        <p:style>
+          <a:lnRef idx="3">
+            <a:schemeClr val="dk1"/>
+          </a:lnRef>
+          <a:fillRef idx="0">
+            <a:schemeClr val="dk1"/>
+          </a:fillRef>
+          <a:effectRef idx="2">
+            <a:schemeClr val="dk1"/>
+          </a:effectRef>
+          <a:fontRef idx="minor">
+            <a:schemeClr val="tx1"/>
+          </a:fontRef>
+        </p:style>
+      </p:cxnSp>
+      <p:sp>
+        <p:nvSpPr>
+          <p:cNvPr id="122" name="타원 121"/>
+          <p:cNvSpPr/>
+          <p:nvPr/>
+        </p:nvSpPr>
+        <p:spPr>
+          <a:xfrm>
+            <a:off x="3098471" y="4982144"/>
+            <a:ext cx="1132954" cy="524200"/>
+          </a:xfrm>
+          <a:prstGeom prst="ellipse">
+            <a:avLst/>
+          </a:prstGeom>
+        </p:spPr>
+        <p:style>
+          <a:lnRef idx="2">
+            <a:schemeClr val="dk1"/>
+          </a:lnRef>
+          <a:fillRef idx="1">
+            <a:schemeClr val="lt1"/>
+          </a:fillRef>
+          <a:effectRef idx="0">
+            <a:schemeClr val="dk1"/>
+          </a:effectRef>
+          <a:fontRef idx="minor">
+            <a:schemeClr val="dk1"/>
+          </a:fontRef>
+        </p:style>
+        <p:txBody>
+          <a:bodyPr rtlCol="0" anchor="ctr"/>
+          <a:lstStyle/>
+          <a:p>
+            <a:pPr algn="ctr"/>
+            <a:r>
+              <a:rPr lang="ko-KR" altLang="en-US" sz="1100" smtClean="0"/>
+              <a:t>대인관계</a:t>
+            </a:r>
+            <a:endParaRPr lang="ko-KR" altLang="en-US" sz="1100" dirty="0"/>
+          </a:p>
+        </p:txBody>
+      </p:sp>
+      <p:sp>
+        <p:nvSpPr>
+          <p:cNvPr id="123" name="타원 122"/>
+          <p:cNvSpPr/>
+          <p:nvPr/>
+        </p:nvSpPr>
+        <p:spPr>
+          <a:xfrm>
+            <a:off x="4319284" y="4991006"/>
+            <a:ext cx="1091116" cy="524200"/>
+          </a:xfrm>
+          <a:prstGeom prst="ellipse">
+            <a:avLst/>
+          </a:prstGeom>
+        </p:spPr>
+        <p:style>
+          <a:lnRef idx="2">
+            <a:schemeClr val="dk1"/>
+          </a:lnRef>
+          <a:fillRef idx="1">
+            <a:schemeClr val="lt1"/>
+          </a:fillRef>
+          <a:effectRef idx="0">
+            <a:schemeClr val="dk1"/>
+          </a:effectRef>
+          <a:fontRef idx="minor">
+            <a:schemeClr val="dk1"/>
+          </a:fontRef>
+        </p:style>
+        <p:txBody>
+          <a:bodyPr rtlCol="0" anchor="ctr"/>
+          <a:lstStyle/>
+          <a:p>
+            <a:pPr algn="ctr"/>
+            <a:r>
+              <a:rPr lang="ko-KR" altLang="en-US" sz="1100" smtClean="0"/>
+              <a:t>학교생활</a:t>
+            </a:r>
+            <a:endParaRPr lang="ko-KR" altLang="en-US" sz="1100" dirty="0"/>
+          </a:p>
+        </p:txBody>
+      </p:sp>
+      <p:sp>
+        <p:nvSpPr>
+          <p:cNvPr id="129" name="타원 128"/>
+          <p:cNvSpPr/>
+          <p:nvPr/>
+        </p:nvSpPr>
+        <p:spPr>
+          <a:xfrm>
+            <a:off x="3718216" y="5595036"/>
+            <a:ext cx="1132954" cy="524200"/>
+          </a:xfrm>
+          <a:prstGeom prst="ellipse">
+            <a:avLst/>
+          </a:prstGeom>
+        </p:spPr>
+        <p:style>
+          <a:lnRef idx="2">
+            <a:schemeClr val="dk1"/>
+          </a:lnRef>
+          <a:fillRef idx="1">
+            <a:schemeClr val="lt1"/>
+          </a:fillRef>
+          <a:effectRef idx="0">
+            <a:schemeClr val="dk1"/>
+          </a:effectRef>
+          <a:fontRef idx="minor">
+            <a:schemeClr val="dk1"/>
+          </a:fontRef>
+        </p:style>
+        <p:txBody>
+          <a:bodyPr rtlCol="0" anchor="ctr"/>
+          <a:lstStyle/>
+          <a:p>
+            <a:pPr algn="ctr"/>
+            <a:r>
+              <a:rPr lang="ko-KR" altLang="en-US" sz="1100" dirty="0" smtClean="0"/>
+              <a:t>마음 건강</a:t>
+            </a:r>
+            <a:endParaRPr lang="ko-KR" altLang="en-US" sz="1100" dirty="0"/>
+          </a:p>
+        </p:txBody>
+      </p:sp>
+      <p:sp>
+        <p:nvSpPr>
+          <p:cNvPr id="130" name="타원 129"/>
+          <p:cNvSpPr/>
+          <p:nvPr/>
+        </p:nvSpPr>
+        <p:spPr>
+          <a:xfrm>
+            <a:off x="3224294" y="6094339"/>
+            <a:ext cx="813919" cy="524200"/>
+          </a:xfrm>
+          <a:prstGeom prst="ellipse">
+            <a:avLst/>
+          </a:prstGeom>
+        </p:spPr>
+        <p:style>
+          <a:lnRef idx="2">
+            <a:schemeClr val="dk1"/>
+          </a:lnRef>
+          <a:fillRef idx="1">
+            <a:schemeClr val="lt1"/>
+          </a:fillRef>
+          <a:effectRef idx="0">
+            <a:schemeClr val="dk1"/>
+          </a:effectRef>
+          <a:fontRef idx="minor">
+            <a:schemeClr val="dk1"/>
+          </a:fontRef>
+        </p:style>
+        <p:txBody>
+          <a:bodyPr rtlCol="0" anchor="ctr"/>
+          <a:lstStyle/>
+          <a:p>
+            <a:pPr algn="ctr"/>
+            <a:r>
+              <a:rPr lang="ko-KR" altLang="en-US" sz="1100" smtClean="0"/>
+              <a:t>위기</a:t>
+            </a:r>
+            <a:endParaRPr lang="ko-KR" altLang="en-US" sz="1100" dirty="0"/>
+          </a:p>
+        </p:txBody>
+      </p:sp>
+      <p:sp>
+        <p:nvSpPr>
+          <p:cNvPr id="131" name="타원 130"/>
+          <p:cNvSpPr/>
+          <p:nvPr/>
+        </p:nvSpPr>
+        <p:spPr>
+          <a:xfrm>
+            <a:off x="4526648" y="6087082"/>
+            <a:ext cx="808903" cy="524200"/>
+          </a:xfrm>
+          <a:prstGeom prst="ellipse">
+            <a:avLst/>
+          </a:prstGeom>
+        </p:spPr>
+        <p:style>
+          <a:lnRef idx="2">
+            <a:schemeClr val="dk1"/>
+          </a:lnRef>
+          <a:fillRef idx="1">
+            <a:schemeClr val="lt1"/>
+          </a:fillRef>
+          <a:effectRef idx="0">
+            <a:schemeClr val="dk1"/>
+          </a:effectRef>
+          <a:fontRef idx="minor">
+            <a:schemeClr val="dk1"/>
+          </a:fontRef>
+        </p:style>
+        <p:txBody>
+          <a:bodyPr rtlCol="0" anchor="ctr"/>
+          <a:lstStyle/>
+          <a:p>
+            <a:pPr algn="ctr"/>
+            <a:r>
+              <a:rPr lang="ko-KR" altLang="en-US" sz="1100" dirty="0" smtClean="0"/>
+              <a:t>일탈</a:t>
+            </a:r>
+            <a:endParaRPr lang="ko-KR" altLang="en-US" sz="1100" dirty="0"/>
+          </a:p>
+        </p:txBody>
+      </p:sp>
+      <p:cxnSp>
+        <p:nvCxnSpPr>
+          <p:cNvPr id="132" name="구부러진 연결선 131"/>
+          <p:cNvCxnSpPr>
+            <a:endCxn id="40" idx="0"/>
+          </p:cNvCxnSpPr>
+          <p:nvPr/>
+        </p:nvCxnSpPr>
+        <p:spPr>
+          <a:xfrm rot="10800000" flipV="1">
+            <a:off x="4242433" y="3541306"/>
+            <a:ext cx="1850647" cy="448926"/>
+          </a:xfrm>
+          <a:prstGeom prst="curvedConnector2">
+            <a:avLst/>
+          </a:prstGeom>
+          <a:ln>
+            <a:tailEnd type="triangle"/>
+          </a:ln>
+        </p:spPr>
+        <p:style>
+          <a:lnRef idx="3">
+            <a:schemeClr val="dk1"/>
+          </a:lnRef>
+          <a:fillRef idx="0">
+            <a:schemeClr val="dk1"/>
+          </a:fillRef>
+          <a:effectRef idx="2">
+            <a:schemeClr val="dk1"/>
+          </a:effectRef>
+          <a:fontRef idx="minor">
+            <a:schemeClr val="tx1"/>
+          </a:fontRef>
+        </p:style>
+      </p:cxnSp>
+      <p:sp>
+        <p:nvSpPr>
+          <p:cNvPr id="169" name="타원 168"/>
+          <p:cNvSpPr/>
+          <p:nvPr/>
+        </p:nvSpPr>
+        <p:spPr>
+          <a:xfrm>
+            <a:off x="1541175" y="1116473"/>
+            <a:ext cx="1127782" cy="615167"/>
+          </a:xfrm>
+          <a:prstGeom prst="ellipse">
+            <a:avLst/>
+          </a:prstGeom>
+        </p:spPr>
+        <p:style>
+          <a:lnRef idx="2">
+            <a:schemeClr val="dk1"/>
+          </a:lnRef>
+          <a:fillRef idx="1">
+            <a:schemeClr val="lt1"/>
+          </a:fillRef>
+          <a:effectRef idx="0">
+            <a:schemeClr val="dk1"/>
+          </a:effectRef>
+          <a:fontRef idx="minor">
+            <a:schemeClr val="dk1"/>
+          </a:fontRef>
+        </p:style>
+        <p:txBody>
+          <a:bodyPr rtlCol="0" anchor="ctr"/>
+          <a:lstStyle/>
+          <a:p>
+            <a:pPr algn="ctr"/>
+            <a:r>
+              <a:rPr lang="ko-KR" altLang="en-US" sz="1100" dirty="0" smtClean="0"/>
+              <a:t>회원탈퇴</a:t>
+            </a:r>
+            <a:endParaRPr lang="ko-KR" altLang="en-US" sz="1100" dirty="0"/>
+          </a:p>
+        </p:txBody>
+      </p:sp>
+      <p:sp>
+        <p:nvSpPr>
+          <p:cNvPr id="174" name="타원 173"/>
+          <p:cNvSpPr/>
+          <p:nvPr/>
+        </p:nvSpPr>
+        <p:spPr>
+          <a:xfrm>
+            <a:off x="6979372" y="3980433"/>
+            <a:ext cx="828607" cy="524200"/>
+          </a:xfrm>
+          <a:prstGeom prst="ellipse">
+            <a:avLst/>
+          </a:prstGeom>
+        </p:spPr>
+        <p:style>
+          <a:lnRef idx="2">
+            <a:schemeClr val="dk1"/>
+          </a:lnRef>
+          <a:fillRef idx="1">
+            <a:schemeClr val="lt1"/>
+          </a:fillRef>
+          <a:effectRef idx="0">
+            <a:schemeClr val="dk1"/>
+          </a:effectRef>
+          <a:fontRef idx="minor">
+            <a:schemeClr val="dk1"/>
+          </a:fontRef>
+        </p:style>
+        <p:txBody>
+          <a:bodyPr rtlCol="0" anchor="ctr"/>
+          <a:lstStyle/>
+          <a:p>
+            <a:pPr algn="ctr"/>
+            <a:r>
+              <a:rPr lang="ko-KR" altLang="en-US" sz="1100" dirty="0" smtClean="0"/>
+              <a:t>챗 봇</a:t>
+            </a:r>
+            <a:endParaRPr lang="ko-KR" altLang="en-US" sz="1100" dirty="0"/>
+          </a:p>
+        </p:txBody>
+      </p:sp>
+      <p:sp>
+        <p:nvSpPr>
+          <p:cNvPr id="175" name="타원 174"/>
+          <p:cNvSpPr/>
+          <p:nvPr/>
+        </p:nvSpPr>
+        <p:spPr>
+          <a:xfrm>
+            <a:off x="7915647" y="3988698"/>
+            <a:ext cx="801799" cy="524200"/>
+          </a:xfrm>
+          <a:prstGeom prst="ellipse">
+            <a:avLst/>
+          </a:prstGeom>
+        </p:spPr>
+        <p:style>
+          <a:lnRef idx="2">
+            <a:schemeClr val="dk1"/>
+          </a:lnRef>
+          <a:fillRef idx="1">
+            <a:schemeClr val="lt1"/>
+          </a:fillRef>
+          <a:effectRef idx="0">
+            <a:schemeClr val="dk1"/>
+          </a:effectRef>
+          <a:fontRef idx="minor">
+            <a:schemeClr val="dk1"/>
+          </a:fontRef>
+        </p:style>
+        <p:txBody>
+          <a:bodyPr rtlCol="0" anchor="ctr"/>
+          <a:lstStyle/>
+          <a:p>
+            <a:pPr algn="ctr"/>
+            <a:r>
+              <a:rPr lang="en-US" altLang="ko-KR" sz="1100" dirty="0" smtClean="0"/>
+              <a:t>SNS</a:t>
+            </a:r>
+            <a:endParaRPr lang="ko-KR" altLang="en-US" sz="1100" dirty="0"/>
+          </a:p>
+        </p:txBody>
+      </p:sp>
+      <p:sp>
+        <p:nvSpPr>
+          <p:cNvPr id="176" name="타원 175"/>
+          <p:cNvSpPr/>
+          <p:nvPr/>
+        </p:nvSpPr>
+        <p:spPr>
+          <a:xfrm>
+            <a:off x="8793835" y="3988698"/>
+            <a:ext cx="1078354" cy="524200"/>
+          </a:xfrm>
+          <a:prstGeom prst="ellipse">
+            <a:avLst/>
+          </a:prstGeom>
+        </p:spPr>
+        <p:style>
+          <a:lnRef idx="2">
+            <a:schemeClr val="dk1"/>
+          </a:lnRef>
+          <a:fillRef idx="1">
+            <a:schemeClr val="lt1"/>
+          </a:fillRef>
+          <a:effectRef idx="0">
+            <a:schemeClr val="dk1"/>
+          </a:effectRef>
+          <a:fontRef idx="minor">
+            <a:schemeClr val="dk1"/>
+          </a:fontRef>
+        </p:style>
+        <p:txBody>
+          <a:bodyPr rtlCol="0" anchor="ctr"/>
+          <a:lstStyle/>
+          <a:p>
+            <a:pPr algn="ctr"/>
+            <a:r>
+              <a:rPr lang="ko-KR" altLang="en-US" sz="1100" dirty="0" smtClean="0"/>
+              <a:t>유관기관</a:t>
+            </a:r>
+            <a:endParaRPr lang="ko-KR" altLang="en-US" sz="1100" dirty="0"/>
+          </a:p>
+        </p:txBody>
+      </p:sp>
+      <p:cxnSp>
+        <p:nvCxnSpPr>
+          <p:cNvPr id="177" name="구부러진 연결선 176"/>
+          <p:cNvCxnSpPr>
+            <a:endCxn id="52" idx="0"/>
+          </p:cNvCxnSpPr>
+          <p:nvPr/>
+        </p:nvCxnSpPr>
+        <p:spPr>
+          <a:xfrm>
+            <a:off x="6521899" y="3391039"/>
+            <a:ext cx="1704233" cy="306090"/>
+          </a:xfrm>
+          <a:prstGeom prst="curvedConnector2">
+            <a:avLst/>
+          </a:prstGeom>
+          <a:ln>
+            <a:tailEnd type="triangle"/>
+          </a:ln>
+        </p:spPr>
+        <p:style>
+          <a:lnRef idx="3">
+            <a:schemeClr val="dk1"/>
+          </a:lnRef>
+          <a:fillRef idx="0">
+            <a:schemeClr val="dk1"/>
+          </a:fillRef>
+          <a:effectRef idx="2">
+            <a:schemeClr val="dk1"/>
+          </a:effectRef>
+          <a:fontRef idx="minor">
+            <a:schemeClr val="tx1"/>
+          </a:fontRef>
+        </p:style>
+      </p:cxnSp>
+      <p:sp>
+        <p:nvSpPr>
+          <p:cNvPr id="184" name="직사각형 183"/>
+          <p:cNvSpPr/>
+          <p:nvPr/>
+        </p:nvSpPr>
+        <p:spPr>
+          <a:xfrm>
+            <a:off x="8567590" y="5031596"/>
+            <a:ext cx="1188720" cy="1419807"/>
+          </a:xfrm>
+          <a:prstGeom prst="rect">
+            <a:avLst/>
+          </a:prstGeom>
+        </p:spPr>
+        <p:style>
+          <a:lnRef idx="2">
+            <a:schemeClr val="dk1"/>
+          </a:lnRef>
+          <a:fillRef idx="1">
+            <a:schemeClr val="lt1"/>
+          </a:fillRef>
+          <a:effectRef idx="0">
+            <a:schemeClr val="dk1"/>
+          </a:effectRef>
+          <a:fontRef idx="minor">
+            <a:schemeClr val="dk1"/>
+          </a:fontRef>
+        </p:style>
+        <p:txBody>
+          <a:bodyPr rtlCol="0" anchor="t"/>
+          <a:lstStyle/>
+          <a:p>
+            <a:pPr algn="ctr"/>
+            <a:r>
+              <a:rPr lang="en-US" altLang="ko-KR" sz="1200" dirty="0" smtClean="0"/>
+              <a:t>SNS</a:t>
+            </a:r>
+          </a:p>
+        </p:txBody>
+      </p:sp>
+      <p:sp>
+        <p:nvSpPr>
+          <p:cNvPr id="185" name="타원 184"/>
+          <p:cNvSpPr/>
+          <p:nvPr/>
+        </p:nvSpPr>
+        <p:spPr>
+          <a:xfrm>
+            <a:off x="8729799" y="5308262"/>
+            <a:ext cx="864303" cy="524200"/>
+          </a:xfrm>
+          <a:prstGeom prst="ellipse">
+            <a:avLst/>
+          </a:prstGeom>
+        </p:spPr>
+        <p:style>
+          <a:lnRef idx="2">
+            <a:schemeClr val="dk1"/>
+          </a:lnRef>
+          <a:fillRef idx="1">
+            <a:schemeClr val="lt1"/>
+          </a:fillRef>
+          <a:effectRef idx="0">
+            <a:schemeClr val="dk1"/>
+          </a:effectRef>
+          <a:fontRef idx="minor">
+            <a:schemeClr val="dk1"/>
+          </a:fontRef>
+        </p:style>
+        <p:txBody>
+          <a:bodyPr rtlCol="0" anchor="ctr"/>
+          <a:lstStyle/>
+          <a:p>
+            <a:pPr algn="ctr"/>
+            <a:r>
+              <a:rPr lang="ko-KR" altLang="en-US" sz="1100" dirty="0" smtClean="0"/>
+              <a:t>유튜브</a:t>
+            </a:r>
+            <a:endParaRPr lang="ko-KR" altLang="en-US" sz="1100" dirty="0"/>
+          </a:p>
+        </p:txBody>
+      </p:sp>
+      <p:sp>
+        <p:nvSpPr>
+          <p:cNvPr id="186" name="타원 185"/>
+          <p:cNvSpPr/>
+          <p:nvPr/>
+        </p:nvSpPr>
+        <p:spPr>
+          <a:xfrm>
+            <a:off x="8632977" y="5862524"/>
+            <a:ext cx="1057947" cy="524200"/>
+          </a:xfrm>
+          <a:prstGeom prst="ellipse">
+            <a:avLst/>
+          </a:prstGeom>
+        </p:spPr>
+        <p:style>
+          <a:lnRef idx="2">
+            <a:schemeClr val="dk1"/>
+          </a:lnRef>
+          <a:fillRef idx="1">
+            <a:schemeClr val="lt1"/>
+          </a:fillRef>
+          <a:effectRef idx="0">
+            <a:schemeClr val="dk1"/>
+          </a:effectRef>
+          <a:fontRef idx="minor">
+            <a:schemeClr val="dk1"/>
+          </a:fontRef>
+        </p:style>
+        <p:txBody>
+          <a:bodyPr rtlCol="0" anchor="ctr"/>
+          <a:lstStyle/>
+          <a:p>
+            <a:pPr algn="ctr"/>
+            <a:r>
+              <a:rPr lang="ko-KR" altLang="en-US" sz="1100" dirty="0" smtClean="0"/>
+              <a:t>카카오톡</a:t>
+            </a:r>
+            <a:endParaRPr lang="en-US" altLang="ko-KR" sz="1100" dirty="0" smtClean="0"/>
+          </a:p>
+          <a:p>
+            <a:pPr algn="ctr"/>
+            <a:r>
+              <a:rPr lang="ko-KR" altLang="en-US" sz="1100" dirty="0" smtClean="0"/>
+              <a:t>채널</a:t>
+            </a:r>
+            <a:endParaRPr lang="ko-KR" altLang="en-US" sz="1100" dirty="0"/>
+          </a:p>
+        </p:txBody>
+      </p:sp>
+      <p:cxnSp>
+        <p:nvCxnSpPr>
+          <p:cNvPr id="188" name="구부러진 연결선 187"/>
+          <p:cNvCxnSpPr>
+            <a:stCxn id="175" idx="4"/>
+            <a:endCxn id="184" idx="0"/>
+          </p:cNvCxnSpPr>
+          <p:nvPr/>
+        </p:nvCxnSpPr>
+        <p:spPr>
+          <a:xfrm rot="16200000" flipH="1">
+            <a:off x="8396267" y="4265913"/>
+            <a:ext cx="518698" cy="1012668"/>
+          </a:xfrm>
+          <a:prstGeom prst="curvedConnector3">
+            <a:avLst>
+              <a:gd name="adj1" fmla="val 50000"/>
+            </a:avLst>
+          </a:prstGeom>
+          <a:ln>
+            <a:tailEnd type="triangle"/>
+          </a:ln>
+        </p:spPr>
+        <p:style>
+          <a:lnRef idx="3">
+            <a:schemeClr val="dk1"/>
+          </a:lnRef>
+          <a:fillRef idx="0">
+            <a:schemeClr val="dk1"/>
+          </a:fillRef>
+          <a:effectRef idx="2">
+            <a:schemeClr val="dk1"/>
+          </a:effectRef>
+          <a:fontRef idx="minor">
+            <a:schemeClr val="tx1"/>
+          </a:fontRef>
+        </p:style>
+      </p:cxnSp>
+      <p:sp>
+        <p:nvSpPr>
+          <p:cNvPr id="208" name="직사각형 207"/>
+          <p:cNvSpPr/>
+          <p:nvPr/>
+        </p:nvSpPr>
+        <p:spPr>
+          <a:xfrm>
+            <a:off x="5814089" y="4908102"/>
+            <a:ext cx="2545589" cy="1775312"/>
+          </a:xfrm>
+          <a:prstGeom prst="rect">
+            <a:avLst/>
+          </a:prstGeom>
+        </p:spPr>
+        <p:style>
+          <a:lnRef idx="2">
+            <a:schemeClr val="dk1"/>
+          </a:lnRef>
+          <a:fillRef idx="1">
+            <a:schemeClr val="lt1"/>
+          </a:fillRef>
+          <a:effectRef idx="0">
+            <a:schemeClr val="dk1"/>
+          </a:effectRef>
+          <a:fontRef idx="minor">
+            <a:schemeClr val="dk1"/>
+          </a:fontRef>
+        </p:style>
+        <p:txBody>
+          <a:bodyPr rtlCol="0" anchor="t"/>
+          <a:lstStyle/>
+          <a:p>
+            <a:pPr algn="ctr"/>
+            <a:r>
+              <a:rPr lang="ko-KR" altLang="en-US" sz="1200" dirty="0" smtClean="0"/>
+              <a:t>챗 봇</a:t>
+            </a:r>
+            <a:endParaRPr lang="ko-KR" altLang="en-US" sz="1200" dirty="0"/>
+          </a:p>
+        </p:txBody>
+      </p:sp>
+      <p:sp>
+        <p:nvSpPr>
+          <p:cNvPr id="209" name="타원 208"/>
+          <p:cNvSpPr/>
+          <p:nvPr/>
+        </p:nvSpPr>
+        <p:spPr>
+          <a:xfrm>
+            <a:off x="5915300" y="5220714"/>
+            <a:ext cx="1142152" cy="615167"/>
+          </a:xfrm>
+          <a:prstGeom prst="ellipse">
+            <a:avLst/>
+          </a:prstGeom>
+        </p:spPr>
+        <p:style>
+          <a:lnRef idx="2">
+            <a:schemeClr val="dk1"/>
+          </a:lnRef>
+          <a:fillRef idx="1">
+            <a:schemeClr val="lt1"/>
+          </a:fillRef>
+          <a:effectRef idx="0">
+            <a:schemeClr val="dk1"/>
+          </a:effectRef>
+          <a:fontRef idx="minor">
+            <a:schemeClr val="dk1"/>
+          </a:fontRef>
+        </p:style>
+        <p:txBody>
+          <a:bodyPr rtlCol="0" anchor="ctr"/>
+          <a:lstStyle/>
+          <a:p>
+            <a:pPr algn="ctr"/>
+            <a:r>
+              <a:rPr lang="ko-KR" altLang="en-US" sz="1100" dirty="0" smtClean="0"/>
+              <a:t>위플</a:t>
+            </a:r>
+            <a:endParaRPr lang="en-US" altLang="ko-KR" sz="1100" dirty="0" smtClean="0"/>
+          </a:p>
+          <a:p>
+            <a:pPr algn="ctr"/>
+            <a:r>
+              <a:rPr lang="en-US" altLang="ko-KR" sz="1100" dirty="0" smtClean="0"/>
+              <a:t>(Weepl)</a:t>
+            </a:r>
+          </a:p>
+          <a:p>
+            <a:pPr algn="ctr"/>
+            <a:r>
+              <a:rPr lang="ko-KR" altLang="en-US" sz="1100" dirty="0" smtClean="0"/>
+              <a:t>앱서비스</a:t>
+            </a:r>
+            <a:endParaRPr lang="ko-KR" altLang="en-US" sz="1100" dirty="0"/>
+          </a:p>
+        </p:txBody>
+      </p:sp>
+      <p:sp>
+        <p:nvSpPr>
+          <p:cNvPr id="211" name="타원 210"/>
+          <p:cNvSpPr/>
+          <p:nvPr/>
+        </p:nvSpPr>
+        <p:spPr>
+          <a:xfrm>
+            <a:off x="7107044" y="5255972"/>
+            <a:ext cx="1132954" cy="524200"/>
+          </a:xfrm>
+          <a:prstGeom prst="ellipse">
+            <a:avLst/>
+          </a:prstGeom>
+        </p:spPr>
+        <p:style>
+          <a:lnRef idx="2">
+            <a:schemeClr val="dk1"/>
+          </a:lnRef>
+          <a:fillRef idx="1">
+            <a:schemeClr val="lt1"/>
+          </a:fillRef>
+          <a:effectRef idx="0">
+            <a:schemeClr val="dk1"/>
+          </a:effectRef>
+          <a:fontRef idx="minor">
+            <a:schemeClr val="dk1"/>
+          </a:fontRef>
+        </p:style>
+        <p:txBody>
+          <a:bodyPr rtlCol="0" anchor="ctr"/>
+          <a:lstStyle/>
+          <a:p>
+            <a:pPr algn="ctr"/>
+            <a:r>
+              <a:rPr lang="ko-KR" altLang="en-US" sz="1100" dirty="0" smtClean="0"/>
+              <a:t>상담 신청</a:t>
+            </a:r>
+            <a:endParaRPr lang="ko-KR" altLang="en-US" sz="1100" dirty="0"/>
+          </a:p>
+        </p:txBody>
+      </p:sp>
+      <p:sp>
+        <p:nvSpPr>
+          <p:cNvPr id="212" name="타원 211"/>
+          <p:cNvSpPr/>
+          <p:nvPr/>
+        </p:nvSpPr>
+        <p:spPr>
+          <a:xfrm>
+            <a:off x="5922247" y="5951427"/>
+            <a:ext cx="1130444" cy="615167"/>
+          </a:xfrm>
+          <a:prstGeom prst="ellipse">
+            <a:avLst/>
+          </a:prstGeom>
+        </p:spPr>
+        <p:style>
+          <a:lnRef idx="2">
+            <a:schemeClr val="dk1"/>
+          </a:lnRef>
+          <a:fillRef idx="1">
+            <a:schemeClr val="lt1"/>
+          </a:fillRef>
+          <a:effectRef idx="0">
+            <a:schemeClr val="dk1"/>
+          </a:effectRef>
+          <a:fontRef idx="minor">
+            <a:schemeClr val="dk1"/>
+          </a:fontRef>
+        </p:style>
+        <p:txBody>
+          <a:bodyPr rtlCol="0" anchor="ctr"/>
+          <a:lstStyle/>
+          <a:p>
+            <a:pPr algn="ctr"/>
+            <a:r>
+              <a:rPr lang="ko-KR" altLang="en-US" sz="1100" dirty="0" smtClean="0"/>
+              <a:t>마음건강</a:t>
+            </a:r>
+            <a:endParaRPr lang="en-US" altLang="ko-KR" sz="1100" dirty="0" smtClean="0"/>
+          </a:p>
+          <a:p>
+            <a:pPr algn="ctr"/>
+            <a:r>
+              <a:rPr lang="ko-KR" altLang="en-US" sz="1100" dirty="0" smtClean="0"/>
+              <a:t>검사</a:t>
+            </a:r>
+            <a:endParaRPr lang="ko-KR" altLang="en-US" sz="1100" dirty="0"/>
+          </a:p>
+        </p:txBody>
+      </p:sp>
+      <p:sp>
+        <p:nvSpPr>
+          <p:cNvPr id="213" name="타원 212"/>
+          <p:cNvSpPr/>
+          <p:nvPr/>
+        </p:nvSpPr>
+        <p:spPr>
+          <a:xfrm>
+            <a:off x="7109229" y="5882979"/>
+            <a:ext cx="1142152" cy="711459"/>
+          </a:xfrm>
+          <a:prstGeom prst="ellipse">
+            <a:avLst/>
+          </a:prstGeom>
+        </p:spPr>
+        <p:style>
+          <a:lnRef idx="2">
+            <a:schemeClr val="dk1"/>
+          </a:lnRef>
+          <a:fillRef idx="1">
+            <a:schemeClr val="lt1"/>
+          </a:fillRef>
+          <a:effectRef idx="0">
+            <a:schemeClr val="dk1"/>
+          </a:effectRef>
+          <a:fontRef idx="minor">
+            <a:schemeClr val="dk1"/>
+          </a:fontRef>
+        </p:style>
+        <p:txBody>
+          <a:bodyPr rtlCol="0" anchor="ctr"/>
+          <a:lstStyle/>
+          <a:p>
+            <a:pPr algn="ctr"/>
+            <a:r>
+              <a:rPr lang="ko-KR" altLang="en-US" sz="1100" dirty="0" smtClean="0"/>
+              <a:t>서울</a:t>
+            </a:r>
+            <a:endParaRPr lang="en-US" altLang="ko-KR" sz="1100" dirty="0" smtClean="0"/>
+          </a:p>
+          <a:p>
+            <a:pPr algn="ctr"/>
+            <a:r>
+              <a:rPr lang="ko-KR" altLang="en-US" sz="1100" dirty="0" smtClean="0"/>
+              <a:t>위</a:t>
+            </a:r>
+            <a:r>
+              <a:rPr lang="en-US" altLang="ko-KR" sz="1100" dirty="0" smtClean="0"/>
+              <a:t>(Wee)</a:t>
+            </a:r>
+          </a:p>
+          <a:p>
+            <a:pPr algn="ctr"/>
+            <a:r>
+              <a:rPr lang="ko-KR" altLang="en-US" sz="1100" dirty="0" smtClean="0"/>
+              <a:t>센터 문의</a:t>
+            </a:r>
+            <a:endParaRPr lang="ko-KR" altLang="en-US" sz="1100" dirty="0"/>
+          </a:p>
+        </p:txBody>
+      </p:sp>
+      <p:cxnSp>
+        <p:nvCxnSpPr>
+          <p:cNvPr id="214" name="구부러진 연결선 213"/>
+          <p:cNvCxnSpPr>
+            <a:stCxn id="174" idx="4"/>
+            <a:endCxn id="208" idx="0"/>
+          </p:cNvCxnSpPr>
+          <p:nvPr/>
+        </p:nvCxnSpPr>
+        <p:spPr>
+          <a:xfrm rot="5400000">
+            <a:off x="6954914" y="4636604"/>
+            <a:ext cx="403469" cy="139527"/>
+          </a:xfrm>
+          <a:prstGeom prst="curvedConnector3">
+            <a:avLst>
+              <a:gd name="adj1" fmla="val 50000"/>
+            </a:avLst>
+          </a:prstGeom>
+          <a:ln>
+            <a:tailEnd type="triangle"/>
+          </a:ln>
+        </p:spPr>
+        <p:style>
+          <a:lnRef idx="3">
+            <a:schemeClr val="dk1"/>
+          </a:lnRef>
+          <a:fillRef idx="0">
+            <a:schemeClr val="dk1"/>
+          </a:fillRef>
+          <a:effectRef idx="2">
+            <a:schemeClr val="dk1"/>
+          </a:effectRef>
+          <a:fontRef idx="minor">
+            <a:schemeClr val="tx1"/>
+          </a:fontRef>
+        </p:style>
+      </p:cxnSp>
+      <p:sp>
+        <p:nvSpPr>
+          <p:cNvPr id="224" name="직사각형 223"/>
+          <p:cNvSpPr/>
+          <p:nvPr/>
+        </p:nvSpPr>
+        <p:spPr>
+          <a:xfrm>
+            <a:off x="10100387" y="4119175"/>
+            <a:ext cx="1930214" cy="2467586"/>
+          </a:xfrm>
+          <a:prstGeom prst="rect">
+            <a:avLst/>
+          </a:prstGeom>
+        </p:spPr>
+        <p:style>
+          <a:lnRef idx="2">
+            <a:schemeClr val="dk1"/>
+          </a:lnRef>
+          <a:fillRef idx="1">
+            <a:schemeClr val="lt1"/>
+          </a:fillRef>
+          <a:effectRef idx="0">
+            <a:schemeClr val="dk1"/>
+          </a:effectRef>
+          <a:fontRef idx="minor">
+            <a:schemeClr val="dk1"/>
+          </a:fontRef>
+        </p:style>
+        <p:txBody>
+          <a:bodyPr rtlCol="0" anchor="t"/>
+          <a:lstStyle/>
+          <a:p>
+            <a:pPr algn="ctr"/>
+            <a:r>
+              <a:rPr lang="ko-KR" altLang="en-US" sz="1200" smtClean="0"/>
+              <a:t>유관기관</a:t>
+            </a:r>
+            <a:endParaRPr lang="ko-KR" altLang="en-US" sz="1200" dirty="0"/>
+          </a:p>
+        </p:txBody>
+      </p:sp>
+      <p:sp>
+        <p:nvSpPr>
+          <p:cNvPr id="231" name="타원 230"/>
+          <p:cNvSpPr/>
+          <p:nvPr/>
+        </p:nvSpPr>
+        <p:spPr>
+          <a:xfrm>
+            <a:off x="10237555" y="4490112"/>
+            <a:ext cx="732332" cy="597742"/>
+          </a:xfrm>
+          <a:prstGeom prst="ellipse">
+            <a:avLst/>
+          </a:prstGeom>
+        </p:spPr>
+        <p:style>
+          <a:lnRef idx="2">
+            <a:schemeClr val="dk1"/>
+          </a:lnRef>
+          <a:fillRef idx="1">
+            <a:schemeClr val="lt1"/>
+          </a:fillRef>
+          <a:effectRef idx="0">
+            <a:schemeClr val="dk1"/>
+          </a:effectRef>
+          <a:fontRef idx="minor">
+            <a:schemeClr val="dk1"/>
+          </a:fontRef>
+        </p:style>
+        <p:txBody>
+          <a:bodyPr rtlCol="0" anchor="ctr"/>
+          <a:lstStyle/>
+          <a:p>
+            <a:pPr algn="ctr"/>
+            <a:r>
+              <a:rPr lang="ko-KR" altLang="en-US" sz="1100" smtClean="0"/>
+              <a:t>심리 상담</a:t>
+            </a:r>
+            <a:endParaRPr lang="ko-KR" altLang="en-US" sz="1100" dirty="0"/>
+          </a:p>
+        </p:txBody>
+      </p:sp>
+      <p:sp>
+        <p:nvSpPr>
+          <p:cNvPr id="232" name="타원 231"/>
+          <p:cNvSpPr/>
+          <p:nvPr/>
+        </p:nvSpPr>
+        <p:spPr>
+          <a:xfrm>
+            <a:off x="11134078" y="4504972"/>
+            <a:ext cx="732332" cy="597742"/>
+          </a:xfrm>
+          <a:prstGeom prst="ellipse">
+            <a:avLst/>
+          </a:prstGeom>
+        </p:spPr>
+        <p:style>
+          <a:lnRef idx="2">
+            <a:schemeClr val="dk1"/>
+          </a:lnRef>
+          <a:fillRef idx="1">
+            <a:schemeClr val="lt1"/>
+          </a:fillRef>
+          <a:effectRef idx="0">
+            <a:schemeClr val="dk1"/>
+          </a:effectRef>
+          <a:fontRef idx="minor">
+            <a:schemeClr val="dk1"/>
+          </a:fontRef>
+        </p:style>
+        <p:txBody>
+          <a:bodyPr rtlCol="0" anchor="ctr"/>
+          <a:lstStyle/>
+          <a:p>
+            <a:pPr algn="ctr"/>
+            <a:r>
+              <a:rPr lang="ko-KR" altLang="en-US" sz="1100" dirty="0" smtClean="0"/>
+              <a:t>생명</a:t>
+            </a:r>
+            <a:endParaRPr lang="en-US" altLang="ko-KR" sz="1100" dirty="0" smtClean="0"/>
+          </a:p>
+          <a:p>
+            <a:pPr algn="ctr"/>
+            <a:r>
+              <a:rPr lang="ko-KR" altLang="en-US" sz="1100" dirty="0" smtClean="0"/>
+              <a:t>존중</a:t>
+            </a:r>
+            <a:endParaRPr lang="ko-KR" altLang="en-US" sz="1100" dirty="0"/>
+          </a:p>
+        </p:txBody>
+      </p:sp>
+      <p:sp>
+        <p:nvSpPr>
+          <p:cNvPr id="233" name="타원 232"/>
+          <p:cNvSpPr/>
+          <p:nvPr/>
+        </p:nvSpPr>
+        <p:spPr>
+          <a:xfrm>
+            <a:off x="10237555" y="5175327"/>
+            <a:ext cx="732332" cy="597742"/>
+          </a:xfrm>
+          <a:prstGeom prst="ellipse">
+            <a:avLst/>
+          </a:prstGeom>
+        </p:spPr>
+        <p:style>
+          <a:lnRef idx="2">
+            <a:schemeClr val="dk1"/>
+          </a:lnRef>
+          <a:fillRef idx="1">
+            <a:schemeClr val="lt1"/>
+          </a:fillRef>
+          <a:effectRef idx="0">
+            <a:schemeClr val="dk1"/>
+          </a:effectRef>
+          <a:fontRef idx="minor">
+            <a:schemeClr val="dk1"/>
+          </a:fontRef>
+        </p:style>
+        <p:txBody>
+          <a:bodyPr rtlCol="0" anchor="ctr"/>
+          <a:lstStyle/>
+          <a:p>
+            <a:pPr algn="ctr"/>
+            <a:r>
+              <a:rPr lang="ko-KR" altLang="en-US" sz="1100" dirty="0" smtClean="0"/>
+              <a:t>성</a:t>
+            </a:r>
+            <a:endParaRPr lang="ko-KR" altLang="en-US" sz="1100" dirty="0"/>
+          </a:p>
+        </p:txBody>
+      </p:sp>
+      <p:sp>
+        <p:nvSpPr>
+          <p:cNvPr id="234" name="타원 233"/>
+          <p:cNvSpPr/>
+          <p:nvPr/>
+        </p:nvSpPr>
+        <p:spPr>
+          <a:xfrm>
+            <a:off x="11134078" y="5190187"/>
+            <a:ext cx="732332" cy="597742"/>
+          </a:xfrm>
+          <a:prstGeom prst="ellipse">
+            <a:avLst/>
+          </a:prstGeom>
+        </p:spPr>
+        <p:style>
+          <a:lnRef idx="2">
+            <a:schemeClr val="dk1"/>
+          </a:lnRef>
+          <a:fillRef idx="1">
+            <a:schemeClr val="lt1"/>
+          </a:fillRef>
+          <a:effectRef idx="0">
+            <a:schemeClr val="dk1"/>
+          </a:effectRef>
+          <a:fontRef idx="minor">
+            <a:schemeClr val="dk1"/>
+          </a:fontRef>
+        </p:style>
+        <p:txBody>
+          <a:bodyPr rtlCol="0" anchor="ctr"/>
+          <a:lstStyle/>
+          <a:p>
+            <a:pPr algn="ctr"/>
+            <a:r>
+              <a:rPr lang="ko-KR" altLang="en-US" sz="1100" dirty="0" smtClean="0"/>
+              <a:t>도박</a:t>
+            </a:r>
+            <a:endParaRPr lang="ko-KR" altLang="en-US" sz="1100" dirty="0"/>
+          </a:p>
+        </p:txBody>
+      </p:sp>
+      <p:sp>
+        <p:nvSpPr>
+          <p:cNvPr id="235" name="타원 234"/>
+          <p:cNvSpPr/>
+          <p:nvPr/>
+        </p:nvSpPr>
+        <p:spPr>
+          <a:xfrm>
+            <a:off x="10237555" y="5876905"/>
+            <a:ext cx="732332" cy="597742"/>
+          </a:xfrm>
+          <a:prstGeom prst="ellipse">
+            <a:avLst/>
+          </a:prstGeom>
+        </p:spPr>
+        <p:style>
+          <a:lnRef idx="2">
+            <a:schemeClr val="dk1"/>
+          </a:lnRef>
+          <a:fillRef idx="1">
+            <a:schemeClr val="lt1"/>
+          </a:fillRef>
+          <a:effectRef idx="0">
+            <a:schemeClr val="dk1"/>
+          </a:effectRef>
+          <a:fontRef idx="minor">
+            <a:schemeClr val="dk1"/>
+          </a:fontRef>
+        </p:style>
+        <p:txBody>
+          <a:bodyPr rtlCol="0" anchor="ctr"/>
+          <a:lstStyle/>
+          <a:p>
+            <a:pPr algn="ctr"/>
+            <a:r>
+              <a:rPr lang="ko-KR" altLang="en-US" sz="1100" dirty="0" smtClean="0"/>
+              <a:t>기관 </a:t>
+            </a:r>
+            <a:endParaRPr lang="en-US" altLang="ko-KR" sz="1100" dirty="0" smtClean="0"/>
+          </a:p>
+          <a:p>
+            <a:pPr algn="ctr"/>
+            <a:r>
+              <a:rPr lang="ko-KR" altLang="en-US" sz="1100" dirty="0" smtClean="0"/>
+              <a:t>조회</a:t>
+            </a:r>
+            <a:endParaRPr lang="ko-KR" altLang="en-US" sz="1100" dirty="0"/>
+          </a:p>
+        </p:txBody>
+      </p:sp>
+      <p:sp>
+        <p:nvSpPr>
+          <p:cNvPr id="236" name="타원 235"/>
+          <p:cNvSpPr/>
+          <p:nvPr/>
+        </p:nvSpPr>
+        <p:spPr>
+          <a:xfrm>
+            <a:off x="11065494" y="5891601"/>
+            <a:ext cx="898174" cy="615167"/>
+          </a:xfrm>
+          <a:prstGeom prst="ellipse">
+            <a:avLst/>
+          </a:prstGeom>
+        </p:spPr>
+        <p:style>
+          <a:lnRef idx="2">
+            <a:schemeClr val="dk1"/>
+          </a:lnRef>
+          <a:fillRef idx="1">
+            <a:schemeClr val="lt1"/>
+          </a:fillRef>
+          <a:effectRef idx="0">
+            <a:schemeClr val="dk1"/>
+          </a:effectRef>
+          <a:fontRef idx="minor">
+            <a:schemeClr val="dk1"/>
+          </a:fontRef>
+        </p:style>
+        <p:txBody>
+          <a:bodyPr rtlCol="0" anchor="ctr"/>
+          <a:lstStyle/>
+          <a:p>
+            <a:pPr algn="ctr"/>
+            <a:r>
+              <a:rPr lang="ko-KR" altLang="en-US" sz="1100" dirty="0" smtClean="0"/>
+              <a:t>기관</a:t>
+            </a:r>
+            <a:endParaRPr lang="en-US" altLang="ko-KR" sz="1100" dirty="0" smtClean="0"/>
+          </a:p>
+          <a:p>
+            <a:pPr algn="ctr"/>
+            <a:r>
+              <a:rPr lang="ko-KR" altLang="en-US" sz="1100" dirty="0" smtClean="0"/>
+              <a:t>페이지</a:t>
+            </a:r>
+            <a:endParaRPr lang="en-US" altLang="ko-KR" sz="1100" dirty="0" smtClean="0"/>
+          </a:p>
+          <a:p>
+            <a:pPr algn="ctr"/>
+            <a:r>
+              <a:rPr lang="ko-KR" altLang="en-US" sz="1100" dirty="0" smtClean="0"/>
+              <a:t>연결</a:t>
+            </a:r>
+            <a:endParaRPr lang="ko-KR" altLang="en-US" sz="1100" dirty="0"/>
+          </a:p>
+        </p:txBody>
+      </p:sp>
+      <p:cxnSp>
+        <p:nvCxnSpPr>
+          <p:cNvPr id="237" name="구부러진 연결선 236"/>
+          <p:cNvCxnSpPr>
+            <a:stCxn id="176" idx="7"/>
+            <a:endCxn id="224" idx="0"/>
+          </p:cNvCxnSpPr>
+          <p:nvPr/>
+        </p:nvCxnSpPr>
+        <p:spPr>
+          <a:xfrm rot="16200000" flipH="1">
+            <a:off x="10363026" y="3416707"/>
+            <a:ext cx="53710" cy="1351226"/>
+          </a:xfrm>
+          <a:prstGeom prst="curvedConnector3">
+            <a:avLst>
+              <a:gd name="adj1" fmla="val -568548"/>
+            </a:avLst>
+          </a:prstGeom>
+          <a:ln>
+            <a:tailEnd type="triangle"/>
+          </a:ln>
+        </p:spPr>
+        <p:style>
+          <a:lnRef idx="3">
+            <a:schemeClr val="dk1"/>
+          </a:lnRef>
+          <a:fillRef idx="0">
+            <a:schemeClr val="dk1"/>
+          </a:fillRef>
+          <a:effectRef idx="2">
+            <a:schemeClr val="dk1"/>
+          </a:effectRef>
+          <a:fontRef idx="minor">
+            <a:schemeClr val="tx1"/>
+          </a:fontRef>
+        </p:style>
+      </p:cxnSp>
+      <p:cxnSp>
+        <p:nvCxnSpPr>
+          <p:cNvPr id="307" name="구부러진 연결선 306"/>
+          <p:cNvCxnSpPr>
+            <a:stCxn id="211" idx="0"/>
+            <a:endCxn id="44" idx="2"/>
+          </p:cNvCxnSpPr>
+          <p:nvPr/>
+        </p:nvCxnSpPr>
+        <p:spPr>
+          <a:xfrm rot="5400000" flipH="1" flipV="1">
+            <a:off x="8218208" y="2835309"/>
+            <a:ext cx="1875976" cy="2965350"/>
+          </a:xfrm>
+          <a:prstGeom prst="curvedConnector3">
+            <a:avLst>
+              <a:gd name="adj1" fmla="val 19868"/>
+            </a:avLst>
+          </a:prstGeom>
+          <a:ln w="12700" cap="flat" cmpd="sng" algn="ctr">
+            <a:solidFill>
+              <a:schemeClr val="dk1"/>
+            </a:solidFill>
+            <a:prstDash val="dash"/>
+            <a:round/>
+            <a:headEnd type="none" w="med" len="med"/>
+            <a:tailEnd type="triangle" w="med" len="med"/>
+          </a:ln>
+        </p:spPr>
+        <p:style>
+          <a:lnRef idx="0">
+            <a:scrgbClr r="0" g="0" b="0"/>
+          </a:lnRef>
+          <a:fillRef idx="0">
+            <a:scrgbClr r="0" g="0" b="0"/>
+          </a:fillRef>
+          <a:effectRef idx="0">
+            <a:scrgbClr r="0" g="0" b="0"/>
+          </a:effectRef>
+          <a:fontRef idx="minor">
+            <a:schemeClr val="tx1"/>
+          </a:fontRef>
+        </p:style>
+      </p:cxnSp>
+      <p:cxnSp>
+        <p:nvCxnSpPr>
+          <p:cNvPr id="314" name="구부러진 연결선 313"/>
+          <p:cNvCxnSpPr>
+            <a:stCxn id="212" idx="2"/>
+            <a:endCxn id="39" idx="3"/>
+          </p:cNvCxnSpPr>
+          <p:nvPr/>
+        </p:nvCxnSpPr>
+        <p:spPr>
+          <a:xfrm rot="10800000">
+            <a:off x="2586315" y="3624645"/>
+            <a:ext cx="3335933" cy="2634366"/>
+          </a:xfrm>
+          <a:prstGeom prst="curvedConnector3">
+            <a:avLst>
+              <a:gd name="adj1" fmla="val 7140"/>
+            </a:avLst>
+          </a:prstGeom>
+          <a:ln w="12700" cap="flat" cmpd="sng" algn="ctr">
+            <a:solidFill>
+              <a:schemeClr val="dk1"/>
+            </a:solidFill>
+            <a:prstDash val="dash"/>
+            <a:round/>
+            <a:headEnd type="none" w="med" len="med"/>
+            <a:tailEnd type="triangle" w="med" len="med"/>
+          </a:ln>
+        </p:spPr>
+        <p:style>
+          <a:lnRef idx="0">
+            <a:scrgbClr r="0" g="0" b="0"/>
+          </a:lnRef>
+          <a:fillRef idx="0">
+            <a:scrgbClr r="0" g="0" b="0"/>
+          </a:fillRef>
+          <a:effectRef idx="0">
+            <a:scrgbClr r="0" g="0" b="0"/>
+          </a:effectRef>
+          <a:fontRef idx="minor">
+            <a:schemeClr val="tx1"/>
+          </a:fontRef>
+        </p:style>
+      </p:cxnSp>
+      <p:sp>
+        <p:nvSpPr>
+          <p:cNvPr id="320" name="타원 319"/>
+          <p:cNvSpPr/>
+          <p:nvPr/>
+        </p:nvSpPr>
+        <p:spPr>
+          <a:xfrm>
+            <a:off x="1442407" y="4070024"/>
+            <a:ext cx="1075417" cy="509392"/>
+          </a:xfrm>
+          <a:prstGeom prst="ellipse">
+            <a:avLst/>
+          </a:prstGeom>
+        </p:spPr>
+        <p:style>
+          <a:lnRef idx="2">
+            <a:schemeClr val="dk1"/>
+          </a:lnRef>
+          <a:fillRef idx="1">
+            <a:schemeClr val="lt1"/>
+          </a:fillRef>
+          <a:effectRef idx="0">
+            <a:schemeClr val="dk1"/>
+          </a:effectRef>
+          <a:fontRef idx="minor">
+            <a:schemeClr val="dk1"/>
+          </a:fontRef>
+        </p:style>
+        <p:txBody>
+          <a:bodyPr rtlCol="0" anchor="ctr"/>
+          <a:lstStyle/>
+          <a:p>
+            <a:pPr algn="ctr"/>
+            <a:r>
+              <a:rPr lang="ko-KR" altLang="en-US" sz="1100" dirty="0" smtClean="0"/>
+              <a:t>검사결과</a:t>
+            </a:r>
+            <a:endParaRPr lang="en-US" altLang="ko-KR" sz="1100" dirty="0" smtClean="0"/>
+          </a:p>
+          <a:p>
+            <a:pPr algn="ctr"/>
+            <a:r>
+              <a:rPr lang="ko-KR" altLang="en-US" sz="1100" dirty="0" smtClean="0"/>
+              <a:t>확인</a:t>
+            </a:r>
+            <a:endParaRPr lang="ko-KR" altLang="en-US" sz="1100" dirty="0"/>
+          </a:p>
+        </p:txBody>
+      </p:sp>
+      <p:cxnSp>
+        <p:nvCxnSpPr>
+          <p:cNvPr id="324" name="구부러진 연결선 323"/>
+          <p:cNvCxnSpPr>
+            <a:stCxn id="320" idx="4"/>
+            <a:endCxn id="40" idx="1"/>
+          </p:cNvCxnSpPr>
+          <p:nvPr/>
+        </p:nvCxnSpPr>
+        <p:spPr>
+          <a:xfrm rot="16200000" flipH="1">
+            <a:off x="2082086" y="4477446"/>
+            <a:ext cx="781764" cy="985704"/>
+          </a:xfrm>
+          <a:prstGeom prst="curvedConnector2">
+            <a:avLst/>
+          </a:prstGeom>
+          <a:ln w="12700" cap="flat" cmpd="sng" algn="ctr">
+            <a:solidFill>
+              <a:schemeClr val="dk1"/>
+            </a:solidFill>
+            <a:prstDash val="dash"/>
+            <a:round/>
+            <a:headEnd type="none" w="med" len="med"/>
+            <a:tailEnd type="triangle" w="med" len="med"/>
+          </a:ln>
+        </p:spPr>
+        <p:style>
+          <a:lnRef idx="0">
+            <a:scrgbClr r="0" g="0" b="0"/>
+          </a:lnRef>
+          <a:fillRef idx="0">
+            <a:scrgbClr r="0" g="0" b="0"/>
+          </a:fillRef>
+          <a:effectRef idx="0">
+            <a:scrgbClr r="0" g="0" b="0"/>
+          </a:effectRef>
+          <a:fontRef idx="minor">
+            <a:schemeClr val="tx1"/>
+          </a:fontRef>
+        </p:style>
+      </p:cxnSp>
+      <p:sp>
+        <p:nvSpPr>
+          <p:cNvPr id="115" name="타원 114"/>
+          <p:cNvSpPr/>
+          <p:nvPr/>
+        </p:nvSpPr>
+        <p:spPr>
+          <a:xfrm>
+            <a:off x="693449" y="2879655"/>
+            <a:ext cx="1466242" cy="558904"/>
+          </a:xfrm>
+          <a:prstGeom prst="ellipse">
+            <a:avLst/>
+          </a:prstGeom>
+        </p:spPr>
+        <p:style>
+          <a:lnRef idx="2">
+            <a:schemeClr val="dk1"/>
+          </a:lnRef>
+          <a:fillRef idx="1">
+            <a:schemeClr val="lt1"/>
+          </a:fillRef>
+          <a:effectRef idx="0">
+            <a:schemeClr val="dk1"/>
+          </a:effectRef>
+          <a:fontRef idx="minor">
+            <a:schemeClr val="dk1"/>
+          </a:fontRef>
+        </p:style>
+        <p:txBody>
+          <a:bodyPr rtlCol="0" anchor="ctr"/>
+          <a:lstStyle/>
+          <a:p>
+            <a:pPr algn="ctr"/>
+            <a:r>
+              <a:rPr lang="ko-KR" altLang="en-US" sz="1100" dirty="0" smtClean="0"/>
+              <a:t>마음건강검사</a:t>
+            </a:r>
+            <a:endParaRPr lang="en-US" altLang="ko-KR" sz="1100" dirty="0" smtClean="0"/>
+          </a:p>
+          <a:p>
+            <a:pPr algn="ctr"/>
+            <a:r>
+              <a:rPr lang="ko-KR" altLang="en-US" sz="1100" dirty="0" smtClean="0"/>
+              <a:t>실시</a:t>
+            </a:r>
+            <a:endParaRPr lang="ko-KR" altLang="en-US" sz="1100" dirty="0"/>
+          </a:p>
+        </p:txBody>
+      </p:sp>
+      <p:sp>
+        <p:nvSpPr>
+          <p:cNvPr id="110" name="타원 109"/>
+          <p:cNvSpPr/>
+          <p:nvPr/>
+        </p:nvSpPr>
+        <p:spPr>
+          <a:xfrm>
+            <a:off x="9327260" y="1270144"/>
+            <a:ext cx="1428549" cy="587123"/>
+          </a:xfrm>
+          <a:prstGeom prst="ellipse">
+            <a:avLst/>
+          </a:prstGeom>
+        </p:spPr>
+        <p:style>
+          <a:lnRef idx="2">
+            <a:schemeClr val="dk1"/>
+          </a:lnRef>
+          <a:fillRef idx="1">
+            <a:schemeClr val="lt1"/>
+          </a:fillRef>
+          <a:effectRef idx="0">
+            <a:schemeClr val="dk1"/>
+          </a:effectRef>
+          <a:fontRef idx="minor">
+            <a:schemeClr val="dk1"/>
+          </a:fontRef>
+        </p:style>
+        <p:txBody>
+          <a:bodyPr rtlCol="0" anchor="ctr"/>
+          <a:lstStyle/>
+          <a:p>
+            <a:pPr algn="ctr"/>
+            <a:r>
+              <a:rPr lang="ko-KR" altLang="en-US" sz="1100" dirty="0" smtClean="0"/>
+              <a:t>상담 전문성</a:t>
+            </a:r>
+            <a:endParaRPr lang="en-US" altLang="ko-KR" sz="1100" dirty="0" smtClean="0"/>
+          </a:p>
+          <a:p>
+            <a:pPr algn="ctr"/>
+            <a:r>
+              <a:rPr lang="ko-KR" altLang="en-US" sz="1100" dirty="0" smtClean="0"/>
+              <a:t>공유 게시판</a:t>
+            </a:r>
+            <a:endParaRPr lang="ko-KR" altLang="en-US" sz="1100" dirty="0"/>
+          </a:p>
+        </p:txBody>
+      </p:sp>
+      <p:sp>
+        <p:nvSpPr>
+          <p:cNvPr id="111" name="타원 110"/>
+          <p:cNvSpPr/>
+          <p:nvPr/>
+        </p:nvSpPr>
+        <p:spPr>
+          <a:xfrm>
+            <a:off x="9356615" y="1961103"/>
+            <a:ext cx="1428549" cy="587123"/>
+          </a:xfrm>
+          <a:prstGeom prst="ellipse">
+            <a:avLst/>
+          </a:prstGeom>
+        </p:spPr>
+        <p:style>
+          <a:lnRef idx="2">
+            <a:schemeClr val="dk1"/>
+          </a:lnRef>
+          <a:fillRef idx="1">
+            <a:schemeClr val="lt1"/>
+          </a:fillRef>
+          <a:effectRef idx="0">
+            <a:schemeClr val="dk1"/>
+          </a:effectRef>
+          <a:fontRef idx="minor">
+            <a:schemeClr val="dk1"/>
+          </a:fontRef>
+        </p:style>
+        <p:txBody>
+          <a:bodyPr rtlCol="0" anchor="ctr"/>
+          <a:lstStyle/>
+          <a:p>
+            <a:pPr algn="ctr"/>
+            <a:r>
+              <a:rPr lang="ko-KR" altLang="en-US" sz="1100" dirty="0" smtClean="0"/>
+              <a:t>서식</a:t>
+            </a:r>
+            <a:endParaRPr lang="en-US" altLang="ko-KR" sz="1100" dirty="0" smtClean="0"/>
+          </a:p>
+          <a:p>
+            <a:pPr algn="ctr"/>
+            <a:r>
+              <a:rPr lang="ko-KR" altLang="en-US" sz="1100" dirty="0" smtClean="0"/>
+              <a:t>공유 게시판</a:t>
+            </a:r>
+            <a:endParaRPr lang="en-US" altLang="ko-KR" sz="1100" dirty="0" smtClean="0"/>
+          </a:p>
+        </p:txBody>
+      </p:sp>
+      <p:sp>
+        <p:nvSpPr>
+          <p:cNvPr id="114" name="타원 113"/>
+          <p:cNvSpPr/>
+          <p:nvPr/>
+        </p:nvSpPr>
+        <p:spPr>
+          <a:xfrm>
+            <a:off x="9359501" y="2656293"/>
+            <a:ext cx="1428549" cy="587123"/>
+          </a:xfrm>
+          <a:prstGeom prst="ellipse">
+            <a:avLst/>
+          </a:prstGeom>
+        </p:spPr>
+        <p:style>
+          <a:lnRef idx="2">
+            <a:schemeClr val="dk1"/>
+          </a:lnRef>
+          <a:fillRef idx="1">
+            <a:schemeClr val="lt1"/>
+          </a:fillRef>
+          <a:effectRef idx="0">
+            <a:schemeClr val="dk1"/>
+          </a:effectRef>
+          <a:fontRef idx="minor">
+            <a:schemeClr val="dk1"/>
+          </a:fontRef>
+        </p:style>
+        <p:txBody>
+          <a:bodyPr rtlCol="0" anchor="ctr"/>
+          <a:lstStyle/>
+          <a:p>
+            <a:pPr algn="ctr"/>
+            <a:r>
+              <a:rPr lang="ko-KR" altLang="en-US" sz="1100" dirty="0" smtClean="0"/>
+              <a:t>자유 게시판</a:t>
+            </a:r>
+            <a:endParaRPr lang="en-US" altLang="ko-KR" sz="1100" dirty="0" smtClean="0"/>
+          </a:p>
+        </p:txBody>
+      </p:sp>
+      <p:sp>
+        <p:nvSpPr>
+          <p:cNvPr id="119" name="타원 118"/>
+          <p:cNvSpPr/>
+          <p:nvPr/>
+        </p:nvSpPr>
+        <p:spPr>
+          <a:xfrm>
+            <a:off x="10958542" y="600599"/>
+            <a:ext cx="874394" cy="587123"/>
+          </a:xfrm>
+          <a:prstGeom prst="ellipse">
+            <a:avLst/>
+          </a:prstGeom>
+        </p:spPr>
+        <p:style>
+          <a:lnRef idx="2">
+            <a:schemeClr val="dk1"/>
+          </a:lnRef>
+          <a:fillRef idx="1">
+            <a:schemeClr val="lt1"/>
+          </a:fillRef>
+          <a:effectRef idx="0">
+            <a:schemeClr val="dk1"/>
+          </a:effectRef>
+          <a:fontRef idx="minor">
+            <a:schemeClr val="dk1"/>
+          </a:fontRef>
+        </p:style>
+        <p:txBody>
+          <a:bodyPr rtlCol="0" anchor="ctr"/>
+          <a:lstStyle/>
+          <a:p>
+            <a:pPr algn="ctr"/>
+            <a:r>
+              <a:rPr lang="ko-KR" altLang="en-US" sz="1100" dirty="0" smtClean="0"/>
+              <a:t>닉네임</a:t>
+            </a:r>
+            <a:endParaRPr lang="en-US" altLang="ko-KR" sz="1100" dirty="0" smtClean="0"/>
+          </a:p>
+          <a:p>
+            <a:pPr algn="ctr"/>
+            <a:r>
+              <a:rPr lang="ko-KR" altLang="en-US" sz="1100" dirty="0" smtClean="0"/>
+              <a:t>등록</a:t>
+            </a:r>
+            <a:endParaRPr lang="ko-KR" altLang="en-US" sz="1100" dirty="0"/>
+          </a:p>
+        </p:txBody>
+      </p:sp>
+      <p:sp>
+        <p:nvSpPr>
+          <p:cNvPr id="120" name="타원 119"/>
+          <p:cNvSpPr/>
+          <p:nvPr/>
+        </p:nvSpPr>
+        <p:spPr>
+          <a:xfrm>
+            <a:off x="10958542" y="1277980"/>
+            <a:ext cx="874394" cy="587123"/>
+          </a:xfrm>
+          <a:prstGeom prst="ellipse">
+            <a:avLst/>
+          </a:prstGeom>
+        </p:spPr>
+        <p:style>
+          <a:lnRef idx="2">
+            <a:schemeClr val="dk1"/>
+          </a:lnRef>
+          <a:fillRef idx="1">
+            <a:schemeClr val="lt1"/>
+          </a:fillRef>
+          <a:effectRef idx="0">
+            <a:schemeClr val="dk1"/>
+          </a:effectRef>
+          <a:fontRef idx="minor">
+            <a:schemeClr val="dk1"/>
+          </a:fontRef>
+        </p:style>
+        <p:txBody>
+          <a:bodyPr rtlCol="0" anchor="ctr"/>
+          <a:lstStyle/>
+          <a:p>
+            <a:pPr algn="ctr"/>
+            <a:r>
+              <a:rPr lang="ko-KR" altLang="en-US" sz="1100" dirty="0" smtClean="0"/>
+              <a:t>닉네임</a:t>
+            </a:r>
+            <a:endParaRPr lang="en-US" altLang="ko-KR" sz="1100" dirty="0" smtClean="0"/>
+          </a:p>
+          <a:p>
+            <a:pPr algn="ctr"/>
+            <a:r>
+              <a:rPr lang="ko-KR" altLang="en-US" sz="1100" dirty="0" smtClean="0"/>
+              <a:t>수정</a:t>
+            </a:r>
+            <a:endParaRPr lang="ko-KR" altLang="en-US" sz="1100" dirty="0"/>
+          </a:p>
+        </p:txBody>
+      </p:sp>
+      <p:sp>
+        <p:nvSpPr>
+          <p:cNvPr id="121" name="타원 120"/>
+          <p:cNvSpPr/>
+          <p:nvPr/>
+        </p:nvSpPr>
+        <p:spPr>
+          <a:xfrm>
+            <a:off x="10959648" y="1961103"/>
+            <a:ext cx="874394" cy="587123"/>
+          </a:xfrm>
+          <a:prstGeom prst="ellipse">
+            <a:avLst/>
+          </a:prstGeom>
+        </p:spPr>
+        <p:style>
+          <a:lnRef idx="2">
+            <a:schemeClr val="dk1"/>
+          </a:lnRef>
+          <a:fillRef idx="1">
+            <a:schemeClr val="lt1"/>
+          </a:fillRef>
+          <a:effectRef idx="0">
+            <a:schemeClr val="dk1"/>
+          </a:effectRef>
+          <a:fontRef idx="minor">
+            <a:schemeClr val="dk1"/>
+          </a:fontRef>
+        </p:style>
+        <p:txBody>
+          <a:bodyPr rtlCol="0" anchor="ctr"/>
+          <a:lstStyle/>
+          <a:p>
+            <a:pPr algn="ctr"/>
+            <a:r>
+              <a:rPr lang="ko-KR" altLang="en-US" sz="1100" dirty="0" smtClean="0"/>
+              <a:t>통합</a:t>
+            </a:r>
+            <a:endParaRPr lang="en-US" altLang="ko-KR" sz="1100" dirty="0" smtClean="0"/>
+          </a:p>
+          <a:p>
+            <a:pPr algn="ctr"/>
+            <a:r>
+              <a:rPr lang="ko-KR" altLang="en-US" sz="1100" dirty="0" smtClean="0"/>
+              <a:t>조회</a:t>
+            </a:r>
+            <a:endParaRPr lang="en-US" altLang="ko-KR" sz="1100" dirty="0" smtClean="0"/>
+          </a:p>
+        </p:txBody>
+      </p:sp>
+      <p:sp>
+        <p:nvSpPr>
+          <p:cNvPr id="124" name="타원 123"/>
+          <p:cNvSpPr/>
+          <p:nvPr/>
+        </p:nvSpPr>
+        <p:spPr>
+          <a:xfrm>
+            <a:off x="10846816" y="2656292"/>
+            <a:ext cx="1087543" cy="587123"/>
+          </a:xfrm>
+          <a:prstGeom prst="ellipse">
+            <a:avLst/>
+          </a:prstGeom>
+        </p:spPr>
+        <p:style>
+          <a:lnRef idx="2">
+            <a:schemeClr val="dk1"/>
+          </a:lnRef>
+          <a:fillRef idx="1">
+            <a:schemeClr val="lt1"/>
+          </a:fillRef>
+          <a:effectRef idx="0">
+            <a:schemeClr val="dk1"/>
+          </a:effectRef>
+          <a:fontRef idx="minor">
+            <a:schemeClr val="dk1"/>
+          </a:fontRef>
+        </p:style>
+        <p:txBody>
+          <a:bodyPr rtlCol="0" anchor="ctr"/>
+          <a:lstStyle/>
+          <a:p>
+            <a:pPr algn="ctr"/>
+            <a:r>
+              <a:rPr lang="ko-KR" altLang="en-US" sz="1100" dirty="0" smtClean="0"/>
+              <a:t>이모티콘</a:t>
+            </a:r>
+            <a:endParaRPr lang="en-US" altLang="ko-KR" sz="1100" dirty="0" smtClean="0"/>
+          </a:p>
+          <a:p>
+            <a:pPr algn="ctr"/>
+            <a:r>
+              <a:rPr lang="ko-KR" altLang="en-US" sz="1100" dirty="0" smtClean="0"/>
+              <a:t>등록</a:t>
+            </a:r>
+            <a:endParaRPr lang="en-US" altLang="ko-KR" sz="1100" dirty="0" smtClean="0"/>
+          </a:p>
+        </p:txBody>
+      </p:sp>
+      <p:sp>
+        <p:nvSpPr>
+          <p:cNvPr id="96" name="직사각형 95"/>
+          <p:cNvSpPr/>
+          <p:nvPr/>
+        </p:nvSpPr>
+        <p:spPr>
+          <a:xfrm>
+            <a:off x="4189847" y="310882"/>
+            <a:ext cx="1699365" cy="1506492"/>
+          </a:xfrm>
+          <a:prstGeom prst="rect">
+            <a:avLst/>
+          </a:prstGeom>
+        </p:spPr>
+        <p:style>
+          <a:lnRef idx="2">
+            <a:schemeClr val="dk1"/>
+          </a:lnRef>
+          <a:fillRef idx="1">
+            <a:schemeClr val="lt1"/>
+          </a:fillRef>
+          <a:effectRef idx="0">
+            <a:schemeClr val="dk1"/>
+          </a:effectRef>
+          <a:fontRef idx="minor">
+            <a:schemeClr val="dk1"/>
+          </a:fontRef>
+        </p:style>
+        <p:txBody>
+          <a:bodyPr rtlCol="0" anchor="t"/>
+          <a:lstStyle/>
+          <a:p>
+            <a:pPr algn="ctr"/>
+            <a:r>
+              <a:rPr lang="en-US" altLang="ko-KR" sz="1200" dirty="0" smtClean="0"/>
+              <a:t>Wee-Network</a:t>
+            </a:r>
+          </a:p>
+        </p:txBody>
+      </p:sp>
+      <p:sp>
+        <p:nvSpPr>
+          <p:cNvPr id="97" name="타원 96"/>
+          <p:cNvSpPr/>
+          <p:nvPr/>
+        </p:nvSpPr>
+        <p:spPr>
+          <a:xfrm>
+            <a:off x="4286850" y="616133"/>
+            <a:ext cx="1525251" cy="579703"/>
+          </a:xfrm>
+          <a:prstGeom prst="ellipse">
+            <a:avLst/>
+          </a:prstGeom>
+        </p:spPr>
+        <p:style>
+          <a:lnRef idx="2">
+            <a:schemeClr val="dk1"/>
+          </a:lnRef>
+          <a:fillRef idx="1">
+            <a:schemeClr val="lt1"/>
+          </a:fillRef>
+          <a:effectRef idx="0">
+            <a:schemeClr val="dk1"/>
+          </a:effectRef>
+          <a:fontRef idx="minor">
+            <a:schemeClr val="dk1"/>
+          </a:fontRef>
+        </p:style>
+        <p:txBody>
+          <a:bodyPr rtlCol="0" anchor="ctr"/>
+          <a:lstStyle/>
+          <a:p>
+            <a:pPr algn="ctr"/>
+            <a:r>
+              <a:rPr lang="en-US" altLang="ko-KR" sz="1100" dirty="0" smtClean="0"/>
+              <a:t>Wee-Network</a:t>
+            </a:r>
+          </a:p>
+          <a:p>
+            <a:pPr algn="ctr"/>
+            <a:r>
+              <a:rPr lang="ko-KR" altLang="en-US" sz="1100" dirty="0" smtClean="0"/>
+              <a:t>소개</a:t>
+            </a:r>
+            <a:endParaRPr lang="ko-KR" altLang="en-US" sz="1100" dirty="0"/>
+          </a:p>
+        </p:txBody>
+      </p:sp>
+      <p:sp>
+        <p:nvSpPr>
+          <p:cNvPr id="98" name="타원 97"/>
+          <p:cNvSpPr/>
+          <p:nvPr/>
+        </p:nvSpPr>
+        <p:spPr>
+          <a:xfrm>
+            <a:off x="4374216" y="1257727"/>
+            <a:ext cx="1318725" cy="467070"/>
+          </a:xfrm>
+          <a:prstGeom prst="ellipse">
+            <a:avLst/>
+          </a:prstGeom>
+        </p:spPr>
+        <p:style>
+          <a:lnRef idx="2">
+            <a:schemeClr val="dk1"/>
+          </a:lnRef>
+          <a:fillRef idx="1">
+            <a:schemeClr val="lt1"/>
+          </a:fillRef>
+          <a:effectRef idx="0">
+            <a:schemeClr val="dk1"/>
+          </a:effectRef>
+          <a:fontRef idx="minor">
+            <a:schemeClr val="dk1"/>
+          </a:fontRef>
+        </p:style>
+        <p:txBody>
+          <a:bodyPr rtlCol="0" anchor="ctr"/>
+          <a:lstStyle/>
+          <a:p>
+            <a:pPr algn="ctr"/>
+            <a:r>
+              <a:rPr lang="ko-KR" altLang="en-US" sz="1100" dirty="0" smtClean="0"/>
+              <a:t>위치 </a:t>
+            </a:r>
+            <a:r>
+              <a:rPr lang="ko-KR" altLang="en-US" sz="1100" dirty="0" smtClean="0"/>
+              <a:t>정보 조회</a:t>
+            </a:r>
+            <a:endParaRPr lang="ko-KR" altLang="en-US" sz="1100" dirty="0"/>
+          </a:p>
+        </p:txBody>
+      </p:sp>
+    </p:spTree>
+    <p:extLst>
+      <p:ext uri="{BB962C8B-B14F-4D97-AF65-F5344CB8AC3E}">
+        <p14:creationId xmlns:p14="http://schemas.microsoft.com/office/powerpoint/2010/main" val="3833925209"/>
+      </p:ext>
+    </p:extLst>
+  </p:cSld>
+  <p:clrMapOvr>
+    <a:masterClrMapping/>
+  </p:clrMapOvr>
+</p:sld>
+</file>
+
 <file path=ppt/theme/theme1.xml><?xml version="1.0" encoding="utf-8"?>
 <a:theme xmlns:a="http://schemas.openxmlformats.org/drawingml/2006/main" name="Office 테마">
   <a:themeElements>

--- a/문서 관리/07. 유스케이스/07. 유스케이스(사용자).pptx
+++ b/문서 관리/07. 유스케이스/07. 유스케이스(사용자).pptx
@@ -6,7 +6,6 @@
   </p:sldMasterIdLst>
   <p:sldIdLst>
     <p:sldId id="256" r:id="rId2"/>
-    <p:sldId id="257" r:id="rId3"/>
   </p:sldIdLst>
   <p:sldSz cx="12192000" cy="6858000"/>
   <p:notesSz cx="6858000" cy="9144000"/>
@@ -4193,11 +4192,7 @@
             <a:pPr algn="ctr"/>
             <a:r>
               <a:rPr lang="ko-KR" altLang="en-US" sz="1100" dirty="0" smtClean="0"/>
-              <a:t>위치 </a:t>
-            </a:r>
-            <a:r>
-              <a:rPr lang="ko-KR" altLang="en-US" sz="1100" dirty="0" smtClean="0"/>
-              <a:t>정보 조회</a:t>
+              <a:t>위치 정보 조회</a:t>
             </a:r>
             <a:endParaRPr lang="ko-KR" altLang="en-US" sz="1100" dirty="0"/>
           </a:p>
@@ -4812,11 +4807,7 @@
             <a:pPr algn="ctr"/>
             <a:r>
               <a:rPr lang="ko-KR" altLang="en-US" sz="1100" dirty="0" smtClean="0"/>
-              <a:t>결과</a:t>
-            </a:r>
-            <a:r>
-              <a:rPr lang="ko-KR" altLang="en-US" sz="1100" dirty="0" smtClean="0"/>
-              <a:t> 조회</a:t>
+              <a:t>결과 조회</a:t>
             </a:r>
             <a:endParaRPr lang="ko-KR" altLang="en-US" sz="1100" dirty="0"/>
           </a:p>
@@ -7244,3374 +7235,23 @@
           </a:p>
         </p:txBody>
       </p:sp>
-    </p:spTree>
-    <p:extLst>
-      <p:ext uri="{BB962C8B-B14F-4D97-AF65-F5344CB8AC3E}">
-        <p14:creationId xmlns:p14="http://schemas.microsoft.com/office/powerpoint/2010/main" val="384303772"/>
-      </p:ext>
-    </p:extLst>
-  </p:cSld>
-  <p:clrMapOvr>
-    <a:masterClrMapping/>
-  </p:clrMapOvr>
-</p:sld>
-</file>
-
-<file path=ppt/slides/slide2.xml><?xml version="1.0" encoding="utf-8"?>
-<p:sld xmlns:a="http://schemas.openxmlformats.org/drawingml/2006/main" xmlns:r="http://schemas.openxmlformats.org/officeDocument/2006/relationships" xmlns:p="http://schemas.openxmlformats.org/presentationml/2006/main">
-  <p:cSld>
-    <p:spTree>
-      <p:nvGrpSpPr>
-        <p:cNvPr id="1" name=""/>
-        <p:cNvGrpSpPr/>
-        <p:nvPr/>
-      </p:nvGrpSpPr>
-      <p:grpSpPr>
-        <a:xfrm>
-          <a:off x="0" y="0"/>
-          <a:ext cx="0" cy="0"/>
-          <a:chOff x="0" y="0"/>
-          <a:chExt cx="0" cy="0"/>
-        </a:xfrm>
-      </p:grpSpPr>
-      <p:sp>
-        <p:nvSpPr>
-          <p:cNvPr id="24" name="타원 23"/>
-          <p:cNvSpPr/>
-          <p:nvPr/>
-        </p:nvSpPr>
-        <p:spPr>
-          <a:xfrm>
-            <a:off x="4512858" y="2955926"/>
-            <a:ext cx="1050536" cy="408398"/>
-          </a:xfrm>
-          <a:prstGeom prst="ellipse">
-            <a:avLst/>
-          </a:prstGeom>
-        </p:spPr>
-        <p:style>
-          <a:lnRef idx="2">
-            <a:schemeClr val="dk1"/>
-          </a:lnRef>
-          <a:fillRef idx="1">
-            <a:schemeClr val="lt1"/>
-          </a:fillRef>
-          <a:effectRef idx="0">
-            <a:schemeClr val="dk1"/>
-          </a:effectRef>
-          <a:fontRef idx="minor">
-            <a:schemeClr val="dk1"/>
-          </a:fontRef>
-        </p:style>
-        <p:txBody>
-          <a:bodyPr rtlCol="0" anchor="ctr"/>
-          <a:lstStyle/>
-          <a:p>
-            <a:pPr algn="ctr"/>
-            <a:r>
-              <a:rPr lang="ko-KR" altLang="en-US" sz="1200" dirty="0" smtClean="0"/>
-              <a:t>로그인</a:t>
-            </a:r>
-            <a:endParaRPr lang="ko-KR" altLang="en-US" sz="1200" dirty="0"/>
-          </a:p>
-        </p:txBody>
-      </p:sp>
       <p:cxnSp>
         <p:nvCxnSpPr>
-          <p:cNvPr id="26" name="구부러진 연결선 25"/>
+          <p:cNvPr id="100" name="구부러진 연결선 99"/>
           <p:cNvCxnSpPr>
-            <a:endCxn id="24" idx="6"/>
+            <a:stCxn id="91" idx="6"/>
+            <a:endCxn id="298" idx="2"/>
           </p:cNvCxnSpPr>
           <p:nvPr/>
         </p:nvCxnSpPr>
         <p:spPr>
-          <a:xfrm rot="10800000">
-            <a:off x="5563395" y="3160126"/>
-            <a:ext cx="472399" cy="236831"/>
-          </a:xfrm>
-          <a:prstGeom prst="curvedConnector3">
-            <a:avLst/>
-          </a:prstGeom>
-          <a:ln>
-            <a:tailEnd type="triangle"/>
-          </a:ln>
-        </p:spPr>
-        <p:style>
-          <a:lnRef idx="3">
-            <a:schemeClr val="dk1"/>
-          </a:lnRef>
-          <a:fillRef idx="0">
-            <a:schemeClr val="dk1"/>
-          </a:fillRef>
-          <a:effectRef idx="2">
-            <a:schemeClr val="dk1"/>
-          </a:effectRef>
-          <a:fontRef idx="minor">
-            <a:schemeClr val="tx1"/>
-          </a:fontRef>
-        </p:style>
-      </p:cxnSp>
-      <p:sp>
-        <p:nvSpPr>
-          <p:cNvPr id="27" name="타원 26"/>
-          <p:cNvSpPr/>
-          <p:nvPr/>
-        </p:nvSpPr>
-        <p:spPr>
-          <a:xfrm>
-            <a:off x="4094328" y="2161644"/>
-            <a:ext cx="1050536" cy="408398"/>
-          </a:xfrm>
-          <a:prstGeom prst="ellipse">
-            <a:avLst/>
-          </a:prstGeom>
-        </p:spPr>
-        <p:style>
-          <a:lnRef idx="2">
-            <a:schemeClr val="dk1"/>
-          </a:lnRef>
-          <a:fillRef idx="1">
-            <a:schemeClr val="lt1"/>
-          </a:fillRef>
-          <a:effectRef idx="0">
-            <a:schemeClr val="dk1"/>
-          </a:effectRef>
-          <a:fontRef idx="minor">
-            <a:schemeClr val="dk1"/>
-          </a:fontRef>
-        </p:style>
-        <p:txBody>
-          <a:bodyPr rtlCol="0" anchor="ctr"/>
-          <a:lstStyle/>
-          <a:p>
-            <a:pPr algn="ctr"/>
-            <a:r>
-              <a:rPr lang="ko-KR" altLang="en-US" sz="1100" dirty="0" smtClean="0"/>
-              <a:t>로그아웃</a:t>
-            </a:r>
-            <a:endParaRPr lang="ko-KR" altLang="en-US" sz="1100" dirty="0"/>
-          </a:p>
-        </p:txBody>
-      </p:sp>
-      <p:cxnSp>
-        <p:nvCxnSpPr>
-          <p:cNvPr id="28" name="구부러진 연결선 27"/>
-          <p:cNvCxnSpPr>
-            <a:stCxn id="24" idx="0"/>
-            <a:endCxn id="27" idx="4"/>
-          </p:cNvCxnSpPr>
-          <p:nvPr/>
-        </p:nvCxnSpPr>
-        <p:spPr>
-          <a:xfrm rot="16200000" flipV="1">
-            <a:off x="4635919" y="2553719"/>
-            <a:ext cx="385884" cy="418530"/>
+          <a:xfrm>
+            <a:off x="3890013" y="1418419"/>
+            <a:ext cx="4040793" cy="1536347"/>
           </a:xfrm>
           <a:prstGeom prst="curvedConnector3">
             <a:avLst>
-              <a:gd name="adj1" fmla="val 50000"/>
-            </a:avLst>
-          </a:prstGeom>
-          <a:ln>
-            <a:tailEnd type="triangle"/>
-          </a:ln>
-        </p:spPr>
-        <p:style>
-          <a:lnRef idx="3">
-            <a:schemeClr val="dk1"/>
-          </a:lnRef>
-          <a:fillRef idx="0">
-            <a:schemeClr val="dk1"/>
-          </a:fillRef>
-          <a:effectRef idx="2">
-            <a:schemeClr val="dk1"/>
-          </a:effectRef>
-          <a:fontRef idx="minor">
-            <a:schemeClr val="tx1"/>
-          </a:fontRef>
-        </p:style>
-      </p:cxnSp>
-      <p:sp>
-        <p:nvSpPr>
-          <p:cNvPr id="34" name="직사각형 33"/>
-          <p:cNvSpPr/>
-          <p:nvPr/>
-        </p:nvSpPr>
-        <p:spPr>
-          <a:xfrm>
-            <a:off x="192757" y="145194"/>
-            <a:ext cx="3790753" cy="2258271"/>
-          </a:xfrm>
-          <a:prstGeom prst="rect">
-            <a:avLst/>
-          </a:prstGeom>
-        </p:spPr>
-        <p:style>
-          <a:lnRef idx="2">
-            <a:schemeClr val="dk1"/>
-          </a:lnRef>
-          <a:fillRef idx="1">
-            <a:schemeClr val="lt1"/>
-          </a:fillRef>
-          <a:effectRef idx="0">
-            <a:schemeClr val="dk1"/>
-          </a:effectRef>
-          <a:fontRef idx="minor">
-            <a:schemeClr val="dk1"/>
-          </a:fontRef>
-        </p:style>
-        <p:txBody>
-          <a:bodyPr rtlCol="0" anchor="t"/>
-          <a:lstStyle/>
-          <a:p>
-            <a:pPr algn="ctr"/>
-            <a:r>
-              <a:rPr lang="ko-KR" altLang="en-US" sz="1200" smtClean="0"/>
-              <a:t>마이페이지</a:t>
-            </a:r>
-            <a:endParaRPr lang="ko-KR" altLang="en-US" sz="1200" dirty="0"/>
-          </a:p>
-        </p:txBody>
-      </p:sp>
-      <p:cxnSp>
-        <p:nvCxnSpPr>
-          <p:cNvPr id="35" name="구부러진 연결선 34"/>
-          <p:cNvCxnSpPr>
-            <a:stCxn id="24" idx="1"/>
-            <a:endCxn id="34" idx="2"/>
-          </p:cNvCxnSpPr>
-          <p:nvPr/>
-        </p:nvCxnSpPr>
-        <p:spPr>
-          <a:xfrm rot="16200000" flipV="1">
-            <a:off x="3071285" y="1420314"/>
-            <a:ext cx="612270" cy="2578571"/>
-          </a:xfrm>
-          <a:prstGeom prst="curvedConnector3">
-            <a:avLst>
-              <a:gd name="adj1" fmla="val 75796"/>
-            </a:avLst>
-          </a:prstGeom>
-          <a:ln>
-            <a:tailEnd type="triangle"/>
-          </a:ln>
-        </p:spPr>
-        <p:style>
-          <a:lnRef idx="3">
-            <a:schemeClr val="dk1"/>
-          </a:lnRef>
-          <a:fillRef idx="0">
-            <a:schemeClr val="dk1"/>
-          </a:fillRef>
-          <a:effectRef idx="2">
-            <a:schemeClr val="dk1"/>
-          </a:effectRef>
-          <a:fontRef idx="minor">
-            <a:schemeClr val="tx1"/>
-          </a:fontRef>
-        </p:style>
-      </p:cxnSp>
-      <p:sp>
-        <p:nvSpPr>
-          <p:cNvPr id="38" name="직사각형 37"/>
-          <p:cNvSpPr/>
-          <p:nvPr/>
-        </p:nvSpPr>
-        <p:spPr>
-          <a:xfrm>
-            <a:off x="6059138" y="187064"/>
-            <a:ext cx="2908177" cy="1885339"/>
-          </a:xfrm>
-          <a:prstGeom prst="rect">
-            <a:avLst/>
-          </a:prstGeom>
-        </p:spPr>
-        <p:style>
-          <a:lnRef idx="2">
-            <a:schemeClr val="dk1"/>
-          </a:lnRef>
-          <a:fillRef idx="1">
-            <a:schemeClr val="lt1"/>
-          </a:fillRef>
-          <a:effectRef idx="0">
-            <a:schemeClr val="dk1"/>
-          </a:effectRef>
-          <a:fontRef idx="minor">
-            <a:schemeClr val="dk1"/>
-          </a:fontRef>
-        </p:style>
-        <p:txBody>
-          <a:bodyPr rtlCol="0" anchor="t"/>
-          <a:lstStyle/>
-          <a:p>
-            <a:pPr algn="ctr"/>
-            <a:r>
-              <a:rPr lang="ko-KR" altLang="en-US" sz="1200" dirty="0" smtClean="0"/>
-              <a:t>서울 위</a:t>
-            </a:r>
-            <a:r>
-              <a:rPr lang="en-US" altLang="ko-KR" sz="1200" dirty="0" smtClean="0"/>
-              <a:t>(Wee)</a:t>
-            </a:r>
-            <a:endParaRPr lang="ko-KR" altLang="en-US" sz="1200" dirty="0"/>
-          </a:p>
-        </p:txBody>
-      </p:sp>
-      <p:sp>
-        <p:nvSpPr>
-          <p:cNvPr id="39" name="직사각형 38"/>
-          <p:cNvSpPr/>
-          <p:nvPr/>
-        </p:nvSpPr>
-        <p:spPr>
-          <a:xfrm>
-            <a:off x="350181" y="2588891"/>
-            <a:ext cx="2236133" cy="2071507"/>
-          </a:xfrm>
-          <a:prstGeom prst="rect">
-            <a:avLst/>
-          </a:prstGeom>
-        </p:spPr>
-        <p:style>
-          <a:lnRef idx="2">
-            <a:schemeClr val="dk1"/>
-          </a:lnRef>
-          <a:fillRef idx="1">
-            <a:schemeClr val="lt1"/>
-          </a:fillRef>
-          <a:effectRef idx="0">
-            <a:schemeClr val="dk1"/>
-          </a:effectRef>
-          <a:fontRef idx="minor">
-            <a:schemeClr val="dk1"/>
-          </a:fontRef>
-        </p:style>
-        <p:txBody>
-          <a:bodyPr rtlCol="0" anchor="t"/>
-          <a:lstStyle/>
-          <a:p>
-            <a:pPr algn="ctr"/>
-            <a:r>
-              <a:rPr lang="ko-KR" altLang="en-US" sz="1200" dirty="0" smtClean="0"/>
-              <a:t>마음건강검사</a:t>
-            </a:r>
-            <a:endParaRPr lang="ko-KR" altLang="en-US" sz="1200" dirty="0"/>
-          </a:p>
-        </p:txBody>
-      </p:sp>
-      <p:sp>
-        <p:nvSpPr>
-          <p:cNvPr id="40" name="직사각형 39"/>
-          <p:cNvSpPr/>
-          <p:nvPr/>
-        </p:nvSpPr>
-        <p:spPr>
-          <a:xfrm>
-            <a:off x="2965820" y="3990232"/>
-            <a:ext cx="2553223" cy="2741896"/>
-          </a:xfrm>
-          <a:prstGeom prst="rect">
-            <a:avLst/>
-          </a:prstGeom>
-        </p:spPr>
-        <p:style>
-          <a:lnRef idx="2">
-            <a:schemeClr val="dk1"/>
-          </a:lnRef>
-          <a:fillRef idx="1">
-            <a:schemeClr val="lt1"/>
-          </a:fillRef>
-          <a:effectRef idx="0">
-            <a:schemeClr val="dk1"/>
-          </a:effectRef>
-          <a:fontRef idx="minor">
-            <a:schemeClr val="dk1"/>
-          </a:fontRef>
-        </p:style>
-        <p:txBody>
-          <a:bodyPr rtlCol="0" anchor="t"/>
-          <a:lstStyle/>
-          <a:p>
-            <a:pPr algn="ctr"/>
-            <a:r>
-              <a:rPr lang="ko-KR" altLang="en-US" sz="1200" dirty="0" smtClean="0"/>
-              <a:t>마음건강정보</a:t>
-            </a:r>
-            <a:endParaRPr lang="ko-KR" altLang="en-US" sz="1200" dirty="0"/>
-          </a:p>
-        </p:txBody>
-      </p:sp>
-      <p:sp>
-        <p:nvSpPr>
-          <p:cNvPr id="44" name="직사각형 43"/>
-          <p:cNvSpPr/>
-          <p:nvPr/>
-        </p:nvSpPr>
-        <p:spPr>
-          <a:xfrm>
-            <a:off x="9271427" y="310882"/>
-            <a:ext cx="2734887" cy="3069114"/>
-          </a:xfrm>
-          <a:prstGeom prst="rect">
-            <a:avLst/>
-          </a:prstGeom>
-        </p:spPr>
-        <p:style>
-          <a:lnRef idx="2">
-            <a:schemeClr val="dk1"/>
-          </a:lnRef>
-          <a:fillRef idx="1">
-            <a:schemeClr val="lt1"/>
-          </a:fillRef>
-          <a:effectRef idx="0">
-            <a:schemeClr val="dk1"/>
-          </a:effectRef>
-          <a:fontRef idx="minor">
-            <a:schemeClr val="dk1"/>
-          </a:fontRef>
-        </p:style>
-        <p:txBody>
-          <a:bodyPr rtlCol="0" anchor="t"/>
-          <a:lstStyle/>
-          <a:p>
-            <a:pPr algn="ctr"/>
-            <a:r>
-              <a:rPr lang="ko-KR" altLang="en-US" sz="1200" dirty="0" smtClean="0"/>
-              <a:t>스윗</a:t>
-            </a:r>
-            <a:r>
-              <a:rPr lang="en-US" altLang="ko-KR" sz="1200" dirty="0" smtClean="0"/>
-              <a:t>(SWeeT)</a:t>
-            </a:r>
-            <a:endParaRPr lang="ko-KR" altLang="en-US" sz="1200" dirty="0"/>
-          </a:p>
-        </p:txBody>
-      </p:sp>
-      <p:cxnSp>
-        <p:nvCxnSpPr>
-          <p:cNvPr id="47" name="구부러진 연결선 46"/>
-          <p:cNvCxnSpPr>
-            <a:endCxn id="11" idx="2"/>
-          </p:cNvCxnSpPr>
-          <p:nvPr/>
-        </p:nvCxnSpPr>
-        <p:spPr>
-          <a:xfrm flipV="1">
-            <a:off x="6486376" y="2436501"/>
-            <a:ext cx="1459941" cy="667134"/>
-          </a:xfrm>
-          <a:prstGeom prst="curvedConnector3">
-            <a:avLst>
-              <a:gd name="adj1" fmla="val 50000"/>
-            </a:avLst>
-          </a:prstGeom>
-          <a:ln>
-            <a:tailEnd type="triangle"/>
-          </a:ln>
-        </p:spPr>
-        <p:style>
-          <a:lnRef idx="3">
-            <a:schemeClr val="dk1"/>
-          </a:lnRef>
-          <a:fillRef idx="0">
-            <a:schemeClr val="dk1"/>
-          </a:fillRef>
-          <a:effectRef idx="2">
-            <a:schemeClr val="dk1"/>
-          </a:effectRef>
-          <a:fontRef idx="minor">
-            <a:schemeClr val="tx1"/>
-          </a:fontRef>
-        </p:style>
-      </p:cxnSp>
-      <p:sp>
-        <p:nvSpPr>
-          <p:cNvPr id="52" name="직사각형 51"/>
-          <p:cNvSpPr/>
-          <p:nvPr/>
-        </p:nvSpPr>
-        <p:spPr>
-          <a:xfrm>
-            <a:off x="6869636" y="3697129"/>
-            <a:ext cx="3107769" cy="932353"/>
-          </a:xfrm>
-          <a:prstGeom prst="rect">
-            <a:avLst/>
-          </a:prstGeom>
-        </p:spPr>
-        <p:style>
-          <a:lnRef idx="2">
-            <a:schemeClr val="dk1"/>
-          </a:lnRef>
-          <a:fillRef idx="1">
-            <a:schemeClr val="lt1"/>
-          </a:fillRef>
-          <a:effectRef idx="0">
-            <a:schemeClr val="dk1"/>
-          </a:effectRef>
-          <a:fontRef idx="minor">
-            <a:schemeClr val="dk1"/>
-          </a:fontRef>
-        </p:style>
-        <p:txBody>
-          <a:bodyPr rtlCol="0" anchor="t"/>
-          <a:lstStyle/>
-          <a:p>
-            <a:pPr algn="ctr"/>
-            <a:r>
-              <a:rPr lang="ko-KR" altLang="en-US" sz="1200" dirty="0" smtClean="0"/>
-              <a:t>퀵 메뉴</a:t>
-            </a:r>
-            <a:endParaRPr lang="en-US" altLang="ko-KR" sz="1200" dirty="0" smtClean="0"/>
-          </a:p>
-        </p:txBody>
-      </p:sp>
-      <p:cxnSp>
-        <p:nvCxnSpPr>
-          <p:cNvPr id="60" name="구부러진 연결선 59"/>
-          <p:cNvCxnSpPr/>
-          <p:nvPr/>
-        </p:nvCxnSpPr>
-        <p:spPr>
-          <a:xfrm rot="16200000" flipV="1">
-            <a:off x="5060322" y="1949648"/>
-            <a:ext cx="1131675" cy="962586"/>
-          </a:xfrm>
-          <a:prstGeom prst="curvedConnector3">
-            <a:avLst>
-              <a:gd name="adj1" fmla="val 50000"/>
-            </a:avLst>
-          </a:prstGeom>
-          <a:ln>
-            <a:tailEnd type="triangle"/>
-          </a:ln>
-        </p:spPr>
-        <p:style>
-          <a:lnRef idx="3">
-            <a:schemeClr val="dk1"/>
-          </a:lnRef>
-          <a:fillRef idx="0">
-            <a:schemeClr val="dk1"/>
-          </a:fillRef>
-          <a:effectRef idx="2">
-            <a:schemeClr val="dk1"/>
-          </a:effectRef>
-          <a:fontRef idx="minor">
-            <a:schemeClr val="tx1"/>
-          </a:fontRef>
-        </p:style>
-      </p:cxnSp>
-      <p:cxnSp>
-        <p:nvCxnSpPr>
-          <p:cNvPr id="61" name="구부러진 연결선 60"/>
-          <p:cNvCxnSpPr/>
-          <p:nvPr/>
-        </p:nvCxnSpPr>
-        <p:spPr>
-          <a:xfrm rot="5400000" flipH="1" flipV="1">
-            <a:off x="6376285" y="1815815"/>
-            <a:ext cx="1164767" cy="1126502"/>
-          </a:xfrm>
-          <a:prstGeom prst="curvedConnector3">
-            <a:avLst>
-              <a:gd name="adj1" fmla="val 50000"/>
-            </a:avLst>
-          </a:prstGeom>
-          <a:ln>
-            <a:tailEnd type="triangle"/>
-          </a:ln>
-        </p:spPr>
-        <p:style>
-          <a:lnRef idx="3">
-            <a:schemeClr val="dk1"/>
-          </a:lnRef>
-          <a:fillRef idx="0">
-            <a:schemeClr val="dk1"/>
-          </a:fillRef>
-          <a:effectRef idx="2">
-            <a:schemeClr val="dk1"/>
-          </a:effectRef>
-          <a:fontRef idx="minor">
-            <a:schemeClr val="tx1"/>
-          </a:fontRef>
-        </p:style>
-      </p:cxnSp>
-      <p:grpSp>
-        <p:nvGrpSpPr>
-          <p:cNvPr id="2" name="그룹 1"/>
-          <p:cNvGrpSpPr/>
-          <p:nvPr/>
-        </p:nvGrpSpPr>
-        <p:grpSpPr>
-          <a:xfrm>
-            <a:off x="5677123" y="2998774"/>
-            <a:ext cx="1200970" cy="1116112"/>
-            <a:chOff x="5677123" y="2998774"/>
-            <a:chExt cx="1200970" cy="1116112"/>
-          </a:xfrm>
-        </p:grpSpPr>
-        <p:grpSp>
-          <p:nvGrpSpPr>
-            <p:cNvPr id="5" name="그룹 4"/>
-            <p:cNvGrpSpPr/>
-            <p:nvPr/>
-          </p:nvGrpSpPr>
-          <p:grpSpPr>
-            <a:xfrm>
-              <a:off x="6163264" y="2998774"/>
-              <a:ext cx="223462" cy="827067"/>
-              <a:chOff x="6163264" y="2998774"/>
-              <a:chExt cx="223462" cy="827067"/>
-            </a:xfrm>
-          </p:grpSpPr>
-          <p:sp>
-            <p:nvSpPr>
-              <p:cNvPr id="4" name="타원 3"/>
-              <p:cNvSpPr/>
-              <p:nvPr/>
-            </p:nvSpPr>
-            <p:spPr>
-              <a:xfrm>
-                <a:off x="6170968" y="2998774"/>
-                <a:ext cx="215758" cy="226031"/>
-              </a:xfrm>
-              <a:prstGeom prst="ellipse">
-                <a:avLst/>
-              </a:prstGeom>
-              <a:noFill/>
-              <a:ln>
-                <a:solidFill>
-                  <a:schemeClr val="tx1"/>
-                </a:solidFill>
-              </a:ln>
-            </p:spPr>
-            <p:style>
-              <a:lnRef idx="2">
-                <a:schemeClr val="accent6"/>
-              </a:lnRef>
-              <a:fillRef idx="1">
-                <a:schemeClr val="lt1"/>
-              </a:fillRef>
-              <a:effectRef idx="0">
-                <a:schemeClr val="accent6"/>
-              </a:effectRef>
-              <a:fontRef idx="minor">
-                <a:schemeClr val="dk1"/>
-              </a:fontRef>
-            </p:style>
-            <p:txBody>
-              <a:bodyPr rtlCol="0" anchor="ctr"/>
-              <a:lstStyle/>
-              <a:p>
-                <a:pPr algn="ctr"/>
-                <a:endParaRPr lang="ko-KR" altLang="en-US"/>
-              </a:p>
-            </p:txBody>
-          </p:sp>
-          <p:cxnSp>
-            <p:nvCxnSpPr>
-              <p:cNvPr id="6" name="직선 연결선 5"/>
-              <p:cNvCxnSpPr>
-                <a:stCxn id="4" idx="4"/>
-              </p:cNvCxnSpPr>
-              <p:nvPr/>
-            </p:nvCxnSpPr>
-            <p:spPr>
-              <a:xfrm>
-                <a:off x="6278847" y="3224805"/>
-                <a:ext cx="0" cy="359595"/>
-              </a:xfrm>
-              <a:prstGeom prst="line">
-                <a:avLst/>
-              </a:prstGeom>
-              <a:ln w="12700"/>
-            </p:spPr>
-            <p:style>
-              <a:lnRef idx="1">
-                <a:schemeClr val="dk1"/>
-              </a:lnRef>
-              <a:fillRef idx="0">
-                <a:schemeClr val="dk1"/>
-              </a:fillRef>
-              <a:effectRef idx="0">
-                <a:schemeClr val="dk1"/>
-              </a:effectRef>
-              <a:fontRef idx="minor">
-                <a:schemeClr val="tx1"/>
-              </a:fontRef>
-            </p:style>
-          </p:cxnSp>
-          <p:cxnSp>
-            <p:nvCxnSpPr>
-              <p:cNvPr id="10" name="직선 연결선 9"/>
-              <p:cNvCxnSpPr/>
-              <p:nvPr/>
-            </p:nvCxnSpPr>
-            <p:spPr>
-              <a:xfrm flipV="1">
-                <a:off x="6163264" y="3255628"/>
-                <a:ext cx="115583" cy="151544"/>
-              </a:xfrm>
-              <a:prstGeom prst="line">
-                <a:avLst/>
-              </a:prstGeom>
-              <a:ln w="12700"/>
-            </p:spPr>
-            <p:style>
-              <a:lnRef idx="1">
-                <a:schemeClr val="dk1"/>
-              </a:lnRef>
-              <a:fillRef idx="0">
-                <a:schemeClr val="dk1"/>
-              </a:fillRef>
-              <a:effectRef idx="0">
-                <a:schemeClr val="dk1"/>
-              </a:effectRef>
-              <a:fontRef idx="minor">
-                <a:schemeClr val="tx1"/>
-              </a:fontRef>
-            </p:style>
-          </p:cxnSp>
-          <p:cxnSp>
-            <p:nvCxnSpPr>
-              <p:cNvPr id="12" name="직선 연결선 11"/>
-              <p:cNvCxnSpPr/>
-              <p:nvPr/>
-            </p:nvCxnSpPr>
-            <p:spPr>
-              <a:xfrm flipH="1" flipV="1">
-                <a:off x="6271142" y="3271039"/>
-                <a:ext cx="115583" cy="136133"/>
-              </a:xfrm>
-              <a:prstGeom prst="line">
-                <a:avLst/>
-              </a:prstGeom>
-              <a:ln w="12700"/>
-            </p:spPr>
-            <p:style>
-              <a:lnRef idx="1">
-                <a:schemeClr val="dk1"/>
-              </a:lnRef>
-              <a:fillRef idx="0">
-                <a:schemeClr val="dk1"/>
-              </a:fillRef>
-              <a:effectRef idx="0">
-                <a:schemeClr val="dk1"/>
-              </a:effectRef>
-              <a:fontRef idx="minor">
-                <a:schemeClr val="tx1"/>
-              </a:fontRef>
-            </p:style>
-          </p:cxnSp>
-          <p:cxnSp>
-            <p:nvCxnSpPr>
-              <p:cNvPr id="13" name="직선 연결선 12"/>
-              <p:cNvCxnSpPr/>
-              <p:nvPr/>
-            </p:nvCxnSpPr>
-            <p:spPr>
-              <a:xfrm flipV="1">
-                <a:off x="6163264" y="3558717"/>
-                <a:ext cx="115583" cy="251714"/>
-              </a:xfrm>
-              <a:prstGeom prst="line">
-                <a:avLst/>
-              </a:prstGeom>
-              <a:ln w="12700"/>
-            </p:spPr>
-            <p:style>
-              <a:lnRef idx="1">
-                <a:schemeClr val="dk1"/>
-              </a:lnRef>
-              <a:fillRef idx="0">
-                <a:schemeClr val="dk1"/>
-              </a:fillRef>
-              <a:effectRef idx="0">
-                <a:schemeClr val="dk1"/>
-              </a:effectRef>
-              <a:fontRef idx="minor">
-                <a:schemeClr val="tx1"/>
-              </a:fontRef>
-            </p:style>
-          </p:cxnSp>
-          <p:cxnSp>
-            <p:nvCxnSpPr>
-              <p:cNvPr id="14" name="직선 연결선 13"/>
-              <p:cNvCxnSpPr/>
-              <p:nvPr/>
-            </p:nvCxnSpPr>
-            <p:spPr>
-              <a:xfrm flipH="1" flipV="1">
-                <a:off x="6271142" y="3574128"/>
-                <a:ext cx="115583" cy="251713"/>
-              </a:xfrm>
-              <a:prstGeom prst="line">
-                <a:avLst/>
-              </a:prstGeom>
-              <a:ln w="12700"/>
-            </p:spPr>
-            <p:style>
-              <a:lnRef idx="1">
-                <a:schemeClr val="dk1"/>
-              </a:lnRef>
-              <a:fillRef idx="0">
-                <a:schemeClr val="dk1"/>
-              </a:fillRef>
-              <a:effectRef idx="0">
-                <a:schemeClr val="dk1"/>
-              </a:effectRef>
-              <a:fontRef idx="minor">
-                <a:schemeClr val="tx1"/>
-              </a:fontRef>
-            </p:style>
-          </p:cxnSp>
-        </p:grpSp>
-        <p:sp>
-          <p:nvSpPr>
-            <p:cNvPr id="3" name="TextBox 2"/>
-            <p:cNvSpPr txBox="1"/>
-            <p:nvPr/>
-          </p:nvSpPr>
-          <p:spPr>
-            <a:xfrm>
-              <a:off x="5677123" y="3837887"/>
-              <a:ext cx="1200970" cy="276999"/>
-            </a:xfrm>
-            <a:prstGeom prst="rect">
-              <a:avLst/>
-            </a:prstGeom>
-            <a:noFill/>
-          </p:spPr>
-          <p:txBody>
-            <a:bodyPr wrap="none" rtlCol="0">
-              <a:spAutoFit/>
-            </a:bodyPr>
-            <a:lstStyle/>
-            <a:p>
-              <a:r>
-                <a:rPr lang="ko-KR" altLang="en-US" sz="1200" dirty="0" smtClean="0"/>
-                <a:t>전문상담</a:t>
-              </a:r>
-              <a:r>
-                <a:rPr lang="en-US" altLang="ko-KR" sz="1200" dirty="0" smtClean="0"/>
-                <a:t>(</a:t>
-              </a:r>
-              <a:r>
-                <a:rPr lang="ko-KR" altLang="en-US" sz="1200" dirty="0" smtClean="0"/>
-                <a:t>교</a:t>
-              </a:r>
-              <a:r>
-                <a:rPr lang="en-US" altLang="ko-KR" sz="1200" dirty="0" smtClean="0"/>
-                <a:t>)</a:t>
-              </a:r>
-              <a:r>
-                <a:rPr lang="ko-KR" altLang="en-US" sz="1200" dirty="0" smtClean="0"/>
-                <a:t>사</a:t>
-              </a:r>
-              <a:endParaRPr lang="ko-KR" altLang="en-US" sz="1200" dirty="0"/>
-            </a:p>
-          </p:txBody>
-        </p:sp>
-      </p:grpSp>
-      <p:sp>
-        <p:nvSpPr>
-          <p:cNvPr id="11" name="타원 10"/>
-          <p:cNvSpPr/>
-          <p:nvPr/>
-        </p:nvSpPr>
-        <p:spPr>
-          <a:xfrm>
-            <a:off x="7946317" y="2197253"/>
-            <a:ext cx="1074832" cy="478496"/>
-          </a:xfrm>
-          <a:prstGeom prst="ellipse">
-            <a:avLst/>
-          </a:prstGeom>
-        </p:spPr>
-        <p:style>
-          <a:lnRef idx="2">
-            <a:schemeClr val="dk1"/>
-          </a:lnRef>
-          <a:fillRef idx="1">
-            <a:schemeClr val="lt1"/>
-          </a:fillRef>
-          <a:effectRef idx="0">
-            <a:schemeClr val="dk1"/>
-          </a:effectRef>
-          <a:fontRef idx="minor">
-            <a:schemeClr val="dk1"/>
-          </a:fontRef>
-        </p:style>
-        <p:txBody>
-          <a:bodyPr rtlCol="0" anchor="ctr"/>
-          <a:lstStyle/>
-          <a:p>
-            <a:pPr algn="ctr"/>
-            <a:r>
-              <a:rPr lang="ko-KR" altLang="en-US" sz="1100" dirty="0" smtClean="0"/>
-              <a:t>회원가입</a:t>
-            </a:r>
-            <a:endParaRPr lang="ko-KR" altLang="en-US" sz="1100" dirty="0"/>
-          </a:p>
-        </p:txBody>
-      </p:sp>
-      <p:sp>
-        <p:nvSpPr>
-          <p:cNvPr id="59" name="타원 58"/>
-          <p:cNvSpPr/>
-          <p:nvPr/>
-        </p:nvSpPr>
-        <p:spPr>
-          <a:xfrm>
-            <a:off x="9356616" y="598763"/>
-            <a:ext cx="1428549" cy="587123"/>
-          </a:xfrm>
-          <a:prstGeom prst="ellipse">
-            <a:avLst/>
-          </a:prstGeom>
-        </p:spPr>
-        <p:style>
-          <a:lnRef idx="2">
-            <a:schemeClr val="dk1"/>
-          </a:lnRef>
-          <a:fillRef idx="1">
-            <a:schemeClr val="lt1"/>
-          </a:fillRef>
-          <a:effectRef idx="0">
-            <a:schemeClr val="dk1"/>
-          </a:effectRef>
-          <a:fontRef idx="minor">
-            <a:schemeClr val="dk1"/>
-          </a:fontRef>
-        </p:style>
-        <p:txBody>
-          <a:bodyPr rtlCol="0" anchor="ctr"/>
-          <a:lstStyle/>
-          <a:p>
-            <a:pPr algn="ctr"/>
-            <a:r>
-              <a:rPr lang="ko-KR" altLang="en-US" sz="1100" dirty="0" smtClean="0"/>
-              <a:t>학교 업무</a:t>
-            </a:r>
-            <a:endParaRPr lang="en-US" altLang="ko-KR" sz="1100" dirty="0"/>
-          </a:p>
-          <a:p>
-            <a:pPr algn="ctr"/>
-            <a:r>
-              <a:rPr lang="ko-KR" altLang="en-US" sz="1100" dirty="0" smtClean="0"/>
-              <a:t>공유 게시판</a:t>
-            </a:r>
-            <a:endParaRPr lang="ko-KR" altLang="en-US" sz="1100" dirty="0"/>
-          </a:p>
-        </p:txBody>
-      </p:sp>
-      <p:sp>
-        <p:nvSpPr>
-          <p:cNvPr id="65" name="타원 64"/>
-          <p:cNvSpPr/>
-          <p:nvPr/>
-        </p:nvSpPr>
-        <p:spPr>
-          <a:xfrm>
-            <a:off x="6209651" y="531049"/>
-            <a:ext cx="1135680" cy="613415"/>
-          </a:xfrm>
-          <a:prstGeom prst="ellipse">
-            <a:avLst/>
-          </a:prstGeom>
-        </p:spPr>
-        <p:style>
-          <a:lnRef idx="2">
-            <a:schemeClr val="dk1"/>
-          </a:lnRef>
-          <a:fillRef idx="1">
-            <a:schemeClr val="lt1"/>
-          </a:fillRef>
-          <a:effectRef idx="0">
-            <a:schemeClr val="dk1"/>
-          </a:effectRef>
-          <a:fontRef idx="minor">
-            <a:schemeClr val="dk1"/>
-          </a:fontRef>
-        </p:style>
-        <p:txBody>
-          <a:bodyPr rtlCol="0" anchor="ctr"/>
-          <a:lstStyle/>
-          <a:p>
-            <a:pPr algn="ctr"/>
-            <a:r>
-              <a:rPr lang="ko-KR" altLang="en-US" sz="1100" dirty="0" smtClean="0"/>
-              <a:t>위</a:t>
-            </a:r>
-            <a:r>
-              <a:rPr lang="en-US" altLang="ko-KR" sz="1100" dirty="0" smtClean="0"/>
-              <a:t>(Wee)</a:t>
-            </a:r>
-          </a:p>
-          <a:p>
-            <a:pPr algn="ctr"/>
-            <a:r>
-              <a:rPr lang="ko-KR" altLang="en-US" sz="1100" dirty="0" smtClean="0"/>
-              <a:t>프로젝트</a:t>
-            </a:r>
-            <a:endParaRPr lang="en-US" altLang="ko-KR" sz="1100" dirty="0" smtClean="0"/>
-          </a:p>
-          <a:p>
-            <a:pPr algn="ctr"/>
-            <a:r>
-              <a:rPr lang="ko-KR" altLang="en-US" sz="1100" dirty="0" smtClean="0"/>
-              <a:t>소개</a:t>
-            </a:r>
-            <a:endParaRPr lang="ko-KR" altLang="en-US" sz="1100" dirty="0"/>
-          </a:p>
-        </p:txBody>
-      </p:sp>
-      <p:sp>
-        <p:nvSpPr>
-          <p:cNvPr id="66" name="타원 65"/>
-          <p:cNvSpPr/>
-          <p:nvPr/>
-        </p:nvSpPr>
-        <p:spPr>
-          <a:xfrm>
-            <a:off x="7535235" y="535359"/>
-            <a:ext cx="1135680" cy="613415"/>
-          </a:xfrm>
-          <a:prstGeom prst="ellipse">
-            <a:avLst/>
-          </a:prstGeom>
-        </p:spPr>
-        <p:style>
-          <a:lnRef idx="2">
-            <a:schemeClr val="dk1"/>
-          </a:lnRef>
-          <a:fillRef idx="1">
-            <a:schemeClr val="lt1"/>
-          </a:fillRef>
-          <a:effectRef idx="0">
-            <a:schemeClr val="dk1"/>
-          </a:effectRef>
-          <a:fontRef idx="minor">
-            <a:schemeClr val="dk1"/>
-          </a:fontRef>
-        </p:style>
-        <p:txBody>
-          <a:bodyPr rtlCol="0" anchor="ctr"/>
-          <a:lstStyle/>
-          <a:p>
-            <a:pPr algn="ctr"/>
-            <a:r>
-              <a:rPr lang="ko-KR" altLang="en-US" sz="1100" dirty="0" smtClean="0"/>
-              <a:t>서울</a:t>
-            </a:r>
-            <a:endParaRPr lang="en-US" altLang="ko-KR" sz="1100" dirty="0" smtClean="0"/>
-          </a:p>
-          <a:p>
-            <a:pPr algn="ctr"/>
-            <a:r>
-              <a:rPr lang="ko-KR" altLang="en-US" sz="1100" dirty="0" smtClean="0"/>
-              <a:t>위</a:t>
-            </a:r>
-            <a:r>
-              <a:rPr lang="en-US" altLang="ko-KR" sz="1100" dirty="0" smtClean="0"/>
-              <a:t>(Wee)</a:t>
-            </a:r>
-          </a:p>
-          <a:p>
-            <a:pPr algn="ctr"/>
-            <a:r>
-              <a:rPr lang="ko-KR" altLang="en-US" sz="1100" dirty="0" smtClean="0"/>
-              <a:t>센터 소개</a:t>
-            </a:r>
-            <a:endParaRPr lang="ko-KR" altLang="en-US" sz="1100" dirty="0"/>
-          </a:p>
-        </p:txBody>
-      </p:sp>
-      <p:sp>
-        <p:nvSpPr>
-          <p:cNvPr id="67" name="타원 66"/>
-          <p:cNvSpPr/>
-          <p:nvPr/>
-        </p:nvSpPr>
-        <p:spPr>
-          <a:xfrm>
-            <a:off x="6187643" y="1299655"/>
-            <a:ext cx="1126736" cy="505083"/>
-          </a:xfrm>
-          <a:prstGeom prst="ellipse">
-            <a:avLst/>
-          </a:prstGeom>
-        </p:spPr>
-        <p:style>
-          <a:lnRef idx="2">
-            <a:schemeClr val="dk1"/>
-          </a:lnRef>
-          <a:fillRef idx="1">
-            <a:schemeClr val="lt1"/>
-          </a:fillRef>
-          <a:effectRef idx="0">
-            <a:schemeClr val="dk1"/>
-          </a:effectRef>
-          <a:fontRef idx="minor">
-            <a:schemeClr val="dk1"/>
-          </a:fontRef>
-        </p:style>
-        <p:txBody>
-          <a:bodyPr rtlCol="0" anchor="ctr"/>
-          <a:lstStyle/>
-          <a:p>
-            <a:pPr algn="ctr"/>
-            <a:r>
-              <a:rPr lang="ko-KR" altLang="en-US" sz="1100" dirty="0" smtClean="0"/>
-              <a:t>공지사항</a:t>
-            </a:r>
-            <a:endParaRPr lang="ko-KR" altLang="en-US" sz="1100" dirty="0"/>
-          </a:p>
-        </p:txBody>
-      </p:sp>
-      <p:sp>
-        <p:nvSpPr>
-          <p:cNvPr id="68" name="타원 67"/>
-          <p:cNvSpPr/>
-          <p:nvPr/>
-        </p:nvSpPr>
-        <p:spPr>
-          <a:xfrm>
-            <a:off x="7404965" y="1249273"/>
-            <a:ext cx="1438742" cy="613415"/>
-          </a:xfrm>
-          <a:prstGeom prst="ellipse">
-            <a:avLst/>
-          </a:prstGeom>
-        </p:spPr>
-        <p:style>
-          <a:lnRef idx="2">
-            <a:schemeClr val="dk1"/>
-          </a:lnRef>
-          <a:fillRef idx="1">
-            <a:schemeClr val="lt1"/>
-          </a:fillRef>
-          <a:effectRef idx="0">
-            <a:schemeClr val="dk1"/>
-          </a:effectRef>
-          <a:fontRef idx="minor">
-            <a:schemeClr val="dk1"/>
-          </a:fontRef>
-        </p:style>
-        <p:txBody>
-          <a:bodyPr rtlCol="0" anchor="ctr"/>
-          <a:lstStyle/>
-          <a:p>
-            <a:pPr algn="ctr"/>
-            <a:r>
-              <a:rPr lang="ko-KR" altLang="en-US" sz="1100" dirty="0" smtClean="0"/>
-              <a:t>서울</a:t>
-            </a:r>
-            <a:endParaRPr lang="en-US" altLang="ko-KR" sz="1100" dirty="0" smtClean="0"/>
-          </a:p>
-          <a:p>
-            <a:pPr algn="ctr"/>
-            <a:r>
-              <a:rPr lang="ko-KR" altLang="en-US" sz="1100" dirty="0" smtClean="0"/>
-              <a:t>위플</a:t>
-            </a:r>
-            <a:r>
-              <a:rPr lang="en-US" altLang="ko-KR" sz="1100" dirty="0" smtClean="0"/>
-              <a:t>(Weepl) </a:t>
-            </a:r>
-          </a:p>
-          <a:p>
-            <a:pPr algn="ctr"/>
-            <a:r>
-              <a:rPr lang="ko-KR" altLang="en-US" sz="1100" dirty="0" smtClean="0"/>
-              <a:t>상징</a:t>
-            </a:r>
-            <a:endParaRPr lang="ko-KR" altLang="en-US" sz="1100" dirty="0"/>
-          </a:p>
-        </p:txBody>
-      </p:sp>
-      <p:cxnSp>
-        <p:nvCxnSpPr>
-          <p:cNvPr id="70" name="구부러진 연결선 69"/>
-          <p:cNvCxnSpPr>
-            <a:stCxn id="24" idx="7"/>
-            <a:endCxn id="44" idx="2"/>
-          </p:cNvCxnSpPr>
-          <p:nvPr/>
-        </p:nvCxnSpPr>
-        <p:spPr>
-          <a:xfrm rot="16200000" flipH="1">
-            <a:off x="7842078" y="583203"/>
-            <a:ext cx="364261" cy="5229324"/>
-          </a:xfrm>
-          <a:prstGeom prst="curvedConnector5">
-            <a:avLst>
-              <a:gd name="adj1" fmla="val -62757"/>
-              <a:gd name="adj2" fmla="val 40145"/>
-              <a:gd name="adj3" fmla="val 162757"/>
-            </a:avLst>
-          </a:prstGeom>
-          <a:ln>
-            <a:tailEnd type="triangle"/>
-          </a:ln>
-        </p:spPr>
-        <p:style>
-          <a:lnRef idx="3">
-            <a:schemeClr val="dk1"/>
-          </a:lnRef>
-          <a:fillRef idx="0">
-            <a:schemeClr val="dk1"/>
-          </a:fillRef>
-          <a:effectRef idx="2">
-            <a:schemeClr val="dk1"/>
-          </a:effectRef>
-          <a:fontRef idx="minor">
-            <a:schemeClr val="tx1"/>
-          </a:fontRef>
-        </p:style>
-      </p:cxnSp>
-      <p:sp>
-        <p:nvSpPr>
-          <p:cNvPr id="83" name="타원 82"/>
-          <p:cNvSpPr/>
-          <p:nvPr/>
-        </p:nvSpPr>
-        <p:spPr>
-          <a:xfrm>
-            <a:off x="287142" y="437950"/>
-            <a:ext cx="1127782" cy="615167"/>
-          </a:xfrm>
-          <a:prstGeom prst="ellipse">
-            <a:avLst/>
-          </a:prstGeom>
-        </p:spPr>
-        <p:style>
-          <a:lnRef idx="2">
-            <a:schemeClr val="dk1"/>
-          </a:lnRef>
-          <a:fillRef idx="1">
-            <a:schemeClr val="lt1"/>
-          </a:fillRef>
-          <a:effectRef idx="0">
-            <a:schemeClr val="dk1"/>
-          </a:effectRef>
-          <a:fontRef idx="minor">
-            <a:schemeClr val="dk1"/>
-          </a:fontRef>
-        </p:style>
-        <p:txBody>
-          <a:bodyPr rtlCol="0" anchor="ctr"/>
-          <a:lstStyle/>
-          <a:p>
-            <a:pPr algn="ctr"/>
-            <a:r>
-              <a:rPr lang="ko-KR" altLang="en-US" sz="1100" dirty="0" smtClean="0"/>
-              <a:t>회원정보</a:t>
-            </a:r>
-            <a:endParaRPr lang="en-US" altLang="ko-KR" sz="1100" dirty="0" smtClean="0"/>
-          </a:p>
-          <a:p>
-            <a:pPr algn="ctr"/>
-            <a:r>
-              <a:rPr lang="ko-KR" altLang="en-US" sz="1100" dirty="0" smtClean="0"/>
-              <a:t>조회</a:t>
-            </a:r>
-            <a:endParaRPr lang="ko-KR" altLang="en-US" sz="1100" dirty="0"/>
-          </a:p>
-        </p:txBody>
-      </p:sp>
-      <p:sp>
-        <p:nvSpPr>
-          <p:cNvPr id="84" name="타원 83"/>
-          <p:cNvSpPr/>
-          <p:nvPr/>
-        </p:nvSpPr>
-        <p:spPr>
-          <a:xfrm>
-            <a:off x="275944" y="1111807"/>
-            <a:ext cx="1127782" cy="615167"/>
-          </a:xfrm>
-          <a:prstGeom prst="ellipse">
-            <a:avLst/>
-          </a:prstGeom>
-        </p:spPr>
-        <p:style>
-          <a:lnRef idx="2">
-            <a:schemeClr val="dk1"/>
-          </a:lnRef>
-          <a:fillRef idx="1">
-            <a:schemeClr val="lt1"/>
-          </a:fillRef>
-          <a:effectRef idx="0">
-            <a:schemeClr val="dk1"/>
-          </a:effectRef>
-          <a:fontRef idx="minor">
-            <a:schemeClr val="dk1"/>
-          </a:fontRef>
-        </p:style>
-        <p:txBody>
-          <a:bodyPr rtlCol="0" anchor="ctr"/>
-          <a:lstStyle/>
-          <a:p>
-            <a:pPr algn="ctr"/>
-            <a:r>
-              <a:rPr lang="ko-KR" altLang="en-US" sz="1100" dirty="0" smtClean="0"/>
-              <a:t>회원정보</a:t>
-            </a:r>
-            <a:endParaRPr lang="en-US" altLang="ko-KR" sz="1100" dirty="0" smtClean="0"/>
-          </a:p>
-          <a:p>
-            <a:pPr algn="ctr"/>
-            <a:r>
-              <a:rPr lang="ko-KR" altLang="en-US" sz="1100" dirty="0" smtClean="0"/>
-              <a:t>수정</a:t>
-            </a:r>
-            <a:endParaRPr lang="ko-KR" altLang="en-US" sz="1100" dirty="0"/>
-          </a:p>
-        </p:txBody>
-      </p:sp>
-      <p:sp>
-        <p:nvSpPr>
-          <p:cNvPr id="86" name="타원 85"/>
-          <p:cNvSpPr/>
-          <p:nvPr/>
-        </p:nvSpPr>
-        <p:spPr>
-          <a:xfrm>
-            <a:off x="1492791" y="437950"/>
-            <a:ext cx="1127782" cy="615167"/>
-          </a:xfrm>
-          <a:prstGeom prst="ellipse">
-            <a:avLst/>
-          </a:prstGeom>
-        </p:spPr>
-        <p:style>
-          <a:lnRef idx="2">
-            <a:schemeClr val="dk1"/>
-          </a:lnRef>
-          <a:fillRef idx="1">
-            <a:schemeClr val="lt1"/>
-          </a:fillRef>
-          <a:effectRef idx="0">
-            <a:schemeClr val="dk1"/>
-          </a:effectRef>
-          <a:fontRef idx="minor">
-            <a:schemeClr val="dk1"/>
-          </a:fontRef>
-        </p:style>
-        <p:txBody>
-          <a:bodyPr rtlCol="0" anchor="ctr"/>
-          <a:lstStyle/>
-          <a:p>
-            <a:pPr algn="ctr"/>
-            <a:r>
-              <a:rPr lang="ko-KR" altLang="en-US" sz="1100" dirty="0"/>
-              <a:t>내담자</a:t>
-            </a:r>
-            <a:endParaRPr lang="en-US" altLang="ko-KR" sz="1100" dirty="0"/>
-          </a:p>
-          <a:p>
-            <a:pPr algn="ctr"/>
-            <a:r>
-              <a:rPr lang="ko-KR" altLang="en-US" sz="1100" dirty="0"/>
-              <a:t>상담 정보</a:t>
-            </a:r>
-            <a:endParaRPr lang="en-US" altLang="ko-KR" sz="1100" dirty="0"/>
-          </a:p>
-          <a:p>
-            <a:pPr algn="ctr"/>
-            <a:r>
-              <a:rPr lang="ko-KR" altLang="en-US" sz="1100" dirty="0"/>
-              <a:t>조회</a:t>
-            </a:r>
-            <a:endParaRPr lang="ko-KR" altLang="en-US" sz="1100" dirty="0"/>
-          </a:p>
-        </p:txBody>
-      </p:sp>
-      <p:sp>
-        <p:nvSpPr>
-          <p:cNvPr id="88" name="타원 87"/>
-          <p:cNvSpPr/>
-          <p:nvPr/>
-        </p:nvSpPr>
-        <p:spPr>
-          <a:xfrm>
-            <a:off x="2739069" y="442634"/>
-            <a:ext cx="1130540" cy="615167"/>
-          </a:xfrm>
-          <a:prstGeom prst="ellipse">
-            <a:avLst/>
-          </a:prstGeom>
-        </p:spPr>
-        <p:style>
-          <a:lnRef idx="2">
-            <a:schemeClr val="dk1"/>
-          </a:lnRef>
-          <a:fillRef idx="1">
-            <a:schemeClr val="lt1"/>
-          </a:fillRef>
-          <a:effectRef idx="0">
-            <a:schemeClr val="dk1"/>
-          </a:effectRef>
-          <a:fontRef idx="minor">
-            <a:schemeClr val="dk1"/>
-          </a:fontRef>
-        </p:style>
-        <p:txBody>
-          <a:bodyPr rtlCol="0" anchor="ctr"/>
-          <a:lstStyle/>
-          <a:p>
-            <a:pPr algn="ctr"/>
-            <a:r>
-              <a:rPr lang="ko-KR" altLang="en-US" sz="1100"/>
-              <a:t>게시판</a:t>
-            </a:r>
-            <a:endParaRPr lang="en-US" altLang="ko-KR" sz="1100"/>
-          </a:p>
-          <a:p>
-            <a:pPr algn="ctr"/>
-            <a:r>
-              <a:rPr lang="ko-KR" altLang="en-US" sz="1100"/>
-              <a:t>상담 확인</a:t>
-            </a:r>
-            <a:endParaRPr lang="ko-KR" altLang="en-US" sz="1100" dirty="0"/>
-          </a:p>
-        </p:txBody>
-      </p:sp>
-      <p:sp>
-        <p:nvSpPr>
-          <p:cNvPr id="91" name="타원 90"/>
-          <p:cNvSpPr/>
-          <p:nvPr/>
-        </p:nvSpPr>
-        <p:spPr>
-          <a:xfrm>
-            <a:off x="2759473" y="1112722"/>
-            <a:ext cx="1130540" cy="611394"/>
-          </a:xfrm>
-          <a:prstGeom prst="ellipse">
-            <a:avLst/>
-          </a:prstGeom>
-        </p:spPr>
-        <p:style>
-          <a:lnRef idx="2">
-            <a:schemeClr val="dk1"/>
-          </a:lnRef>
-          <a:fillRef idx="1">
-            <a:schemeClr val="lt1"/>
-          </a:fillRef>
-          <a:effectRef idx="0">
-            <a:schemeClr val="dk1"/>
-          </a:effectRef>
-          <a:fontRef idx="minor">
-            <a:schemeClr val="dk1"/>
-          </a:fontRef>
-        </p:style>
-        <p:txBody>
-          <a:bodyPr rtlCol="0" anchor="ctr"/>
-          <a:lstStyle/>
-          <a:p>
-            <a:pPr algn="ctr"/>
-            <a:r>
-              <a:rPr lang="ko-KR" altLang="en-US" sz="1100" dirty="0" smtClean="0"/>
-              <a:t>스윗</a:t>
-            </a:r>
-            <a:r>
-              <a:rPr lang="en-US" altLang="ko-KR" sz="1100" dirty="0" smtClean="0"/>
-              <a:t>(SWeeT)</a:t>
-            </a:r>
-          </a:p>
-          <a:p>
-            <a:pPr algn="ctr"/>
-            <a:r>
-              <a:rPr lang="ko-KR" altLang="en-US" sz="1100" dirty="0" smtClean="0"/>
-              <a:t>확인</a:t>
-            </a:r>
-            <a:endParaRPr lang="ko-KR" altLang="en-US" sz="1100" dirty="0"/>
-          </a:p>
-        </p:txBody>
-      </p:sp>
-      <p:sp>
-        <p:nvSpPr>
-          <p:cNvPr id="92" name="타원 91"/>
-          <p:cNvSpPr/>
-          <p:nvPr/>
-        </p:nvSpPr>
-        <p:spPr>
-          <a:xfrm>
-            <a:off x="2150487" y="1760286"/>
-            <a:ext cx="1630666" cy="563658"/>
-          </a:xfrm>
-          <a:prstGeom prst="ellipse">
-            <a:avLst/>
-          </a:prstGeom>
-        </p:spPr>
-        <p:style>
-          <a:lnRef idx="2">
-            <a:schemeClr val="dk1"/>
-          </a:lnRef>
-          <a:fillRef idx="1">
-            <a:schemeClr val="lt1"/>
-          </a:fillRef>
-          <a:effectRef idx="0">
-            <a:schemeClr val="dk1"/>
-          </a:effectRef>
-          <a:fontRef idx="minor">
-            <a:schemeClr val="dk1"/>
-          </a:fontRef>
-        </p:style>
-        <p:txBody>
-          <a:bodyPr rtlCol="0" anchor="ctr"/>
-          <a:lstStyle/>
-          <a:p>
-            <a:pPr algn="ctr"/>
-            <a:r>
-              <a:rPr lang="ko-KR" altLang="en-US" sz="1100" dirty="0" smtClean="0"/>
-              <a:t>상담 만족도</a:t>
-            </a:r>
-            <a:endParaRPr lang="en-US" altLang="ko-KR" sz="1100" dirty="0" smtClean="0"/>
-          </a:p>
-          <a:p>
-            <a:pPr algn="ctr"/>
-            <a:r>
-              <a:rPr lang="ko-KR" altLang="en-US" sz="1100" dirty="0" smtClean="0"/>
-              <a:t>검사 결과 조회</a:t>
-            </a:r>
-            <a:endParaRPr lang="ko-KR" altLang="en-US" sz="1100" dirty="0"/>
-          </a:p>
-        </p:txBody>
-      </p:sp>
-      <p:sp>
-        <p:nvSpPr>
-          <p:cNvPr id="95" name="타원 94"/>
-          <p:cNvSpPr/>
-          <p:nvPr/>
-        </p:nvSpPr>
-        <p:spPr>
-          <a:xfrm>
-            <a:off x="607424" y="1765433"/>
-            <a:ext cx="1476337" cy="567926"/>
-          </a:xfrm>
-          <a:prstGeom prst="ellipse">
-            <a:avLst/>
-          </a:prstGeom>
-        </p:spPr>
-        <p:style>
-          <a:lnRef idx="2">
-            <a:schemeClr val="dk1"/>
-          </a:lnRef>
-          <a:fillRef idx="1">
-            <a:schemeClr val="lt1"/>
-          </a:fillRef>
-          <a:effectRef idx="0">
-            <a:schemeClr val="dk1"/>
-          </a:effectRef>
-          <a:fontRef idx="minor">
-            <a:schemeClr val="dk1"/>
-          </a:fontRef>
-        </p:style>
-        <p:txBody>
-          <a:bodyPr rtlCol="0" anchor="ctr"/>
-          <a:lstStyle/>
-          <a:p>
-            <a:pPr algn="ctr"/>
-            <a:r>
-              <a:rPr lang="ko-KR" altLang="en-US" sz="1100" dirty="0"/>
-              <a:t>마음건강검사</a:t>
-            </a:r>
-            <a:endParaRPr lang="en-US" altLang="ko-KR" sz="1100" dirty="0"/>
-          </a:p>
-          <a:p>
-            <a:pPr algn="ctr"/>
-            <a:r>
-              <a:rPr lang="ko-KR" altLang="en-US" sz="1100" dirty="0"/>
-              <a:t>결과 조회</a:t>
-            </a:r>
-            <a:endParaRPr lang="ko-KR" altLang="en-US" sz="1100" dirty="0"/>
-          </a:p>
-        </p:txBody>
-      </p:sp>
-      <p:sp>
-        <p:nvSpPr>
-          <p:cNvPr id="101" name="타원 100"/>
-          <p:cNvSpPr/>
-          <p:nvPr/>
-        </p:nvSpPr>
-        <p:spPr>
-          <a:xfrm>
-            <a:off x="498240" y="3454504"/>
-            <a:ext cx="886684" cy="558904"/>
-          </a:xfrm>
-          <a:prstGeom prst="ellipse">
-            <a:avLst/>
-          </a:prstGeom>
-        </p:spPr>
-        <p:style>
-          <a:lnRef idx="2">
-            <a:schemeClr val="dk1"/>
-          </a:lnRef>
-          <a:fillRef idx="1">
-            <a:schemeClr val="lt1"/>
-          </a:fillRef>
-          <a:effectRef idx="0">
-            <a:schemeClr val="dk1"/>
-          </a:effectRef>
-          <a:fontRef idx="minor">
-            <a:schemeClr val="dk1"/>
-          </a:fontRef>
-        </p:style>
-        <p:txBody>
-          <a:bodyPr rtlCol="0" anchor="ctr"/>
-          <a:lstStyle/>
-          <a:p>
-            <a:pPr algn="ctr"/>
-            <a:r>
-              <a:rPr lang="ko-KR" altLang="en-US" sz="1100" dirty="0" smtClean="0"/>
-              <a:t>맞춤형</a:t>
-            </a:r>
-            <a:endParaRPr lang="en-US" altLang="ko-KR" sz="1100" dirty="0" smtClean="0"/>
-          </a:p>
-          <a:p>
-            <a:pPr algn="ctr"/>
-            <a:r>
-              <a:rPr lang="ko-KR" altLang="en-US" sz="1100" dirty="0" smtClean="0"/>
-              <a:t>검사</a:t>
-            </a:r>
-            <a:endParaRPr lang="ko-KR" altLang="en-US" sz="1100" dirty="0"/>
-          </a:p>
-        </p:txBody>
-      </p:sp>
-      <p:sp>
-        <p:nvSpPr>
-          <p:cNvPr id="102" name="타원 101"/>
-          <p:cNvSpPr/>
-          <p:nvPr/>
-        </p:nvSpPr>
-        <p:spPr>
-          <a:xfrm>
-            <a:off x="492567" y="4068901"/>
-            <a:ext cx="873322" cy="526155"/>
-          </a:xfrm>
-          <a:prstGeom prst="ellipse">
-            <a:avLst/>
-          </a:prstGeom>
-        </p:spPr>
-        <p:style>
-          <a:lnRef idx="2">
-            <a:schemeClr val="dk1"/>
-          </a:lnRef>
-          <a:fillRef idx="1">
-            <a:schemeClr val="lt1"/>
-          </a:fillRef>
-          <a:effectRef idx="0">
-            <a:schemeClr val="dk1"/>
-          </a:effectRef>
-          <a:fontRef idx="minor">
-            <a:schemeClr val="dk1"/>
-          </a:fontRef>
-        </p:style>
-        <p:txBody>
-          <a:bodyPr rtlCol="0" anchor="ctr"/>
-          <a:lstStyle/>
-          <a:p>
-            <a:pPr algn="ctr"/>
-            <a:r>
-              <a:rPr lang="ko-KR" altLang="en-US" sz="1100" dirty="0" smtClean="0"/>
-              <a:t>연령별</a:t>
-            </a:r>
-            <a:endParaRPr lang="en-US" altLang="ko-KR" sz="1100" dirty="0" smtClean="0"/>
-          </a:p>
-          <a:p>
-            <a:pPr algn="ctr"/>
-            <a:r>
-              <a:rPr lang="ko-KR" altLang="en-US" sz="1100" dirty="0" smtClean="0"/>
-              <a:t>검사</a:t>
-            </a:r>
-            <a:endParaRPr lang="ko-KR" altLang="en-US" sz="1100" dirty="0"/>
-          </a:p>
-        </p:txBody>
-      </p:sp>
-      <p:sp>
-        <p:nvSpPr>
-          <p:cNvPr id="103" name="타원 102"/>
-          <p:cNvSpPr/>
-          <p:nvPr/>
-        </p:nvSpPr>
-        <p:spPr>
-          <a:xfrm>
-            <a:off x="1541019" y="3454504"/>
-            <a:ext cx="864328" cy="565230"/>
-          </a:xfrm>
-          <a:prstGeom prst="ellipse">
-            <a:avLst/>
-          </a:prstGeom>
-        </p:spPr>
-        <p:style>
-          <a:lnRef idx="2">
-            <a:schemeClr val="dk1"/>
-          </a:lnRef>
-          <a:fillRef idx="1">
-            <a:schemeClr val="lt1"/>
-          </a:fillRef>
-          <a:effectRef idx="0">
-            <a:schemeClr val="dk1"/>
-          </a:effectRef>
-          <a:fontRef idx="minor">
-            <a:schemeClr val="dk1"/>
-          </a:fontRef>
-        </p:style>
-        <p:txBody>
-          <a:bodyPr rtlCol="0" anchor="ctr"/>
-          <a:lstStyle/>
-          <a:p>
-            <a:pPr algn="ctr"/>
-            <a:r>
-              <a:rPr lang="ko-KR" altLang="en-US" sz="1100" dirty="0" smtClean="0"/>
-              <a:t>상황별</a:t>
-            </a:r>
-            <a:endParaRPr lang="en-US" altLang="ko-KR" sz="1100" dirty="0" smtClean="0"/>
-          </a:p>
-          <a:p>
-            <a:pPr algn="ctr"/>
-            <a:r>
-              <a:rPr lang="ko-KR" altLang="en-US" sz="1100" dirty="0" smtClean="0"/>
-              <a:t>검사</a:t>
-            </a:r>
-            <a:endParaRPr lang="ko-KR" altLang="en-US" sz="1100" dirty="0"/>
-          </a:p>
-        </p:txBody>
-      </p:sp>
-      <p:sp>
-        <p:nvSpPr>
-          <p:cNvPr id="104" name="직사각형 103"/>
-          <p:cNvSpPr/>
-          <p:nvPr/>
-        </p:nvSpPr>
-        <p:spPr>
-          <a:xfrm>
-            <a:off x="852830" y="4777342"/>
-            <a:ext cx="1509847" cy="1954786"/>
-          </a:xfrm>
-          <a:prstGeom prst="rect">
-            <a:avLst/>
-          </a:prstGeom>
-        </p:spPr>
-        <p:style>
-          <a:lnRef idx="2">
-            <a:schemeClr val="dk1"/>
-          </a:lnRef>
-          <a:fillRef idx="1">
-            <a:schemeClr val="lt1"/>
-          </a:fillRef>
-          <a:effectRef idx="0">
-            <a:schemeClr val="dk1"/>
-          </a:effectRef>
-          <a:fontRef idx="minor">
-            <a:schemeClr val="dk1"/>
-          </a:fontRef>
-        </p:style>
-        <p:txBody>
-          <a:bodyPr rtlCol="0" anchor="t"/>
-          <a:lstStyle/>
-          <a:p>
-            <a:pPr algn="ctr"/>
-            <a:r>
-              <a:rPr lang="ko-KR" altLang="en-US" sz="1200" smtClean="0"/>
-              <a:t>연령별 검사</a:t>
-            </a:r>
-            <a:endParaRPr lang="ko-KR" altLang="en-US" sz="1200" dirty="0"/>
-          </a:p>
-        </p:txBody>
-      </p:sp>
-      <p:cxnSp>
-        <p:nvCxnSpPr>
-          <p:cNvPr id="105" name="구부러진 연결선 104"/>
-          <p:cNvCxnSpPr>
-            <a:stCxn id="102" idx="4"/>
-            <a:endCxn id="104" idx="1"/>
-          </p:cNvCxnSpPr>
-          <p:nvPr/>
-        </p:nvCxnSpPr>
-        <p:spPr>
-          <a:xfrm rot="5400000">
-            <a:off x="311190" y="5136696"/>
-            <a:ext cx="1159679" cy="76398"/>
-          </a:xfrm>
-          <a:prstGeom prst="curvedConnector4">
-            <a:avLst>
-              <a:gd name="adj1" fmla="val 7859"/>
-              <a:gd name="adj2" fmla="val 399222"/>
-            </a:avLst>
-          </a:prstGeom>
-          <a:ln>
-            <a:tailEnd type="triangle"/>
-          </a:ln>
-        </p:spPr>
-        <p:style>
-          <a:lnRef idx="3">
-            <a:schemeClr val="dk1"/>
-          </a:lnRef>
-          <a:fillRef idx="0">
-            <a:schemeClr val="dk1"/>
-          </a:fillRef>
-          <a:effectRef idx="2">
-            <a:schemeClr val="dk1"/>
-          </a:effectRef>
-          <a:fontRef idx="minor">
-            <a:schemeClr val="tx1"/>
-          </a:fontRef>
-        </p:style>
-      </p:cxnSp>
-      <p:sp>
-        <p:nvSpPr>
-          <p:cNvPr id="109" name="타원 108"/>
-          <p:cNvSpPr/>
-          <p:nvPr/>
-        </p:nvSpPr>
-        <p:spPr>
-          <a:xfrm>
-            <a:off x="941053" y="5087066"/>
-            <a:ext cx="1318725" cy="467070"/>
-          </a:xfrm>
-          <a:prstGeom prst="ellipse">
-            <a:avLst/>
-          </a:prstGeom>
-        </p:spPr>
-        <p:style>
-          <a:lnRef idx="2">
-            <a:schemeClr val="dk1"/>
-          </a:lnRef>
-          <a:fillRef idx="1">
-            <a:schemeClr val="lt1"/>
-          </a:fillRef>
-          <a:effectRef idx="0">
-            <a:schemeClr val="dk1"/>
-          </a:effectRef>
-          <a:fontRef idx="minor">
-            <a:schemeClr val="dk1"/>
-          </a:fontRef>
-        </p:style>
-        <p:txBody>
-          <a:bodyPr rtlCol="0" anchor="ctr"/>
-          <a:lstStyle/>
-          <a:p>
-            <a:pPr algn="ctr"/>
-            <a:r>
-              <a:rPr lang="ko-KR" altLang="en-US" sz="1100" dirty="0" smtClean="0"/>
-              <a:t>초등 선택</a:t>
-            </a:r>
-            <a:endParaRPr lang="ko-KR" altLang="en-US" sz="1100" dirty="0"/>
-          </a:p>
-        </p:txBody>
-      </p:sp>
-      <p:sp>
-        <p:nvSpPr>
-          <p:cNvPr id="112" name="타원 111"/>
-          <p:cNvSpPr/>
-          <p:nvPr/>
-        </p:nvSpPr>
-        <p:spPr>
-          <a:xfrm>
-            <a:off x="941053" y="5627916"/>
-            <a:ext cx="1318725" cy="467070"/>
-          </a:xfrm>
-          <a:prstGeom prst="ellipse">
-            <a:avLst/>
-          </a:prstGeom>
-        </p:spPr>
-        <p:style>
-          <a:lnRef idx="2">
-            <a:schemeClr val="dk1"/>
-          </a:lnRef>
-          <a:fillRef idx="1">
-            <a:schemeClr val="lt1"/>
-          </a:fillRef>
-          <a:effectRef idx="0">
-            <a:schemeClr val="dk1"/>
-          </a:effectRef>
-          <a:fontRef idx="minor">
-            <a:schemeClr val="dk1"/>
-          </a:fontRef>
-        </p:style>
-        <p:txBody>
-          <a:bodyPr rtlCol="0" anchor="ctr"/>
-          <a:lstStyle/>
-          <a:p>
-            <a:pPr algn="ctr"/>
-            <a:r>
-              <a:rPr lang="ko-KR" altLang="en-US" sz="1100" smtClean="0"/>
-              <a:t>중고등 </a:t>
-            </a:r>
-            <a:r>
-              <a:rPr lang="ko-KR" altLang="en-US" sz="1100" dirty="0" smtClean="0"/>
-              <a:t>선택</a:t>
-            </a:r>
-            <a:endParaRPr lang="ko-KR" altLang="en-US" sz="1100" dirty="0"/>
-          </a:p>
-        </p:txBody>
-      </p:sp>
-      <p:sp>
-        <p:nvSpPr>
-          <p:cNvPr id="113" name="타원 112"/>
-          <p:cNvSpPr/>
-          <p:nvPr/>
-        </p:nvSpPr>
-        <p:spPr>
-          <a:xfrm>
-            <a:off x="948390" y="6168766"/>
-            <a:ext cx="1318725" cy="467070"/>
-          </a:xfrm>
-          <a:prstGeom prst="ellipse">
-            <a:avLst/>
-          </a:prstGeom>
-        </p:spPr>
-        <p:style>
-          <a:lnRef idx="2">
-            <a:schemeClr val="dk1"/>
-          </a:lnRef>
-          <a:fillRef idx="1">
-            <a:schemeClr val="lt1"/>
-          </a:fillRef>
-          <a:effectRef idx="0">
-            <a:schemeClr val="dk1"/>
-          </a:effectRef>
-          <a:fontRef idx="minor">
-            <a:schemeClr val="dk1"/>
-          </a:fontRef>
-        </p:style>
-        <p:txBody>
-          <a:bodyPr rtlCol="0" anchor="ctr"/>
-          <a:lstStyle/>
-          <a:p>
-            <a:pPr algn="ctr"/>
-            <a:r>
-              <a:rPr lang="ko-KR" altLang="en-US" sz="1100" dirty="0" smtClean="0"/>
-              <a:t>성인 선택</a:t>
-            </a:r>
-            <a:endParaRPr lang="ko-KR" altLang="en-US" sz="1100" dirty="0"/>
-          </a:p>
-        </p:txBody>
-      </p:sp>
-      <p:sp>
-        <p:nvSpPr>
-          <p:cNvPr id="116" name="타원 115"/>
-          <p:cNvSpPr/>
-          <p:nvPr/>
-        </p:nvSpPr>
-        <p:spPr>
-          <a:xfrm>
-            <a:off x="3234718" y="4337098"/>
-            <a:ext cx="988394" cy="524200"/>
-          </a:xfrm>
-          <a:prstGeom prst="ellipse">
-            <a:avLst/>
-          </a:prstGeom>
-        </p:spPr>
-        <p:style>
-          <a:lnRef idx="2">
-            <a:schemeClr val="dk1"/>
-          </a:lnRef>
-          <a:fillRef idx="1">
-            <a:schemeClr val="lt1"/>
-          </a:fillRef>
-          <a:effectRef idx="0">
-            <a:schemeClr val="dk1"/>
-          </a:effectRef>
-          <a:fontRef idx="minor">
-            <a:schemeClr val="dk1"/>
-          </a:fontRef>
-        </p:style>
-        <p:txBody>
-          <a:bodyPr rtlCol="0" anchor="ctr"/>
-          <a:lstStyle/>
-          <a:p>
-            <a:pPr algn="ctr"/>
-            <a:r>
-              <a:rPr lang="ko-KR" altLang="en-US" sz="1100" dirty="0" smtClean="0"/>
-              <a:t>추천 글</a:t>
-            </a:r>
-            <a:endParaRPr lang="en-US" altLang="ko-KR" sz="1100" dirty="0" smtClean="0"/>
-          </a:p>
-          <a:p>
-            <a:pPr algn="ctr"/>
-            <a:r>
-              <a:rPr lang="ko-KR" altLang="en-US" sz="1100" dirty="0" smtClean="0"/>
-              <a:t>보기</a:t>
-            </a:r>
-            <a:endParaRPr lang="ko-KR" altLang="en-US" sz="1100" dirty="0"/>
-          </a:p>
-        </p:txBody>
-      </p:sp>
-      <p:sp>
-        <p:nvSpPr>
-          <p:cNvPr id="117" name="타원 116"/>
-          <p:cNvSpPr/>
-          <p:nvPr/>
-        </p:nvSpPr>
-        <p:spPr>
-          <a:xfrm>
-            <a:off x="4349106" y="4337098"/>
-            <a:ext cx="973369" cy="524200"/>
-          </a:xfrm>
-          <a:prstGeom prst="ellipse">
-            <a:avLst/>
-          </a:prstGeom>
-        </p:spPr>
-        <p:style>
-          <a:lnRef idx="2">
-            <a:schemeClr val="dk1"/>
-          </a:lnRef>
-          <a:fillRef idx="1">
-            <a:schemeClr val="lt1"/>
-          </a:fillRef>
-          <a:effectRef idx="0">
-            <a:schemeClr val="dk1"/>
-          </a:effectRef>
-          <a:fontRef idx="minor">
-            <a:schemeClr val="dk1"/>
-          </a:fontRef>
-        </p:style>
-        <p:txBody>
-          <a:bodyPr rtlCol="0" anchor="ctr"/>
-          <a:lstStyle/>
-          <a:p>
-            <a:pPr algn="ctr"/>
-            <a:r>
-              <a:rPr lang="ko-KR" altLang="en-US" sz="1100" dirty="0" smtClean="0"/>
-              <a:t>글 검색</a:t>
-            </a:r>
-            <a:endParaRPr lang="ko-KR" altLang="en-US" sz="1100" dirty="0"/>
-          </a:p>
-        </p:txBody>
-      </p:sp>
-      <p:cxnSp>
-        <p:nvCxnSpPr>
-          <p:cNvPr id="118" name="구부러진 연결선 117"/>
-          <p:cNvCxnSpPr>
-            <a:stCxn id="24" idx="2"/>
-            <a:endCxn id="39" idx="3"/>
-          </p:cNvCxnSpPr>
-          <p:nvPr/>
-        </p:nvCxnSpPr>
-        <p:spPr>
-          <a:xfrm rot="10800000" flipV="1">
-            <a:off x="2586314" y="3160125"/>
-            <a:ext cx="1926544" cy="464520"/>
-          </a:xfrm>
-          <a:prstGeom prst="curvedConnector3">
-            <a:avLst>
-              <a:gd name="adj1" fmla="val 50000"/>
-            </a:avLst>
-          </a:prstGeom>
-          <a:ln>
-            <a:tailEnd type="triangle"/>
-          </a:ln>
-        </p:spPr>
-        <p:style>
-          <a:lnRef idx="3">
-            <a:schemeClr val="dk1"/>
-          </a:lnRef>
-          <a:fillRef idx="0">
-            <a:schemeClr val="dk1"/>
-          </a:fillRef>
-          <a:effectRef idx="2">
-            <a:schemeClr val="dk1"/>
-          </a:effectRef>
-          <a:fontRef idx="minor">
-            <a:schemeClr val="tx1"/>
-          </a:fontRef>
-        </p:style>
-      </p:cxnSp>
-      <p:sp>
-        <p:nvSpPr>
-          <p:cNvPr id="122" name="타원 121"/>
-          <p:cNvSpPr/>
-          <p:nvPr/>
-        </p:nvSpPr>
-        <p:spPr>
-          <a:xfrm>
-            <a:off x="3098471" y="4982144"/>
-            <a:ext cx="1132954" cy="524200"/>
-          </a:xfrm>
-          <a:prstGeom prst="ellipse">
-            <a:avLst/>
-          </a:prstGeom>
-        </p:spPr>
-        <p:style>
-          <a:lnRef idx="2">
-            <a:schemeClr val="dk1"/>
-          </a:lnRef>
-          <a:fillRef idx="1">
-            <a:schemeClr val="lt1"/>
-          </a:fillRef>
-          <a:effectRef idx="0">
-            <a:schemeClr val="dk1"/>
-          </a:effectRef>
-          <a:fontRef idx="minor">
-            <a:schemeClr val="dk1"/>
-          </a:fontRef>
-        </p:style>
-        <p:txBody>
-          <a:bodyPr rtlCol="0" anchor="ctr"/>
-          <a:lstStyle/>
-          <a:p>
-            <a:pPr algn="ctr"/>
-            <a:r>
-              <a:rPr lang="ko-KR" altLang="en-US" sz="1100" smtClean="0"/>
-              <a:t>대인관계</a:t>
-            </a:r>
-            <a:endParaRPr lang="ko-KR" altLang="en-US" sz="1100" dirty="0"/>
-          </a:p>
-        </p:txBody>
-      </p:sp>
-      <p:sp>
-        <p:nvSpPr>
-          <p:cNvPr id="123" name="타원 122"/>
-          <p:cNvSpPr/>
-          <p:nvPr/>
-        </p:nvSpPr>
-        <p:spPr>
-          <a:xfrm>
-            <a:off x="4319284" y="4991006"/>
-            <a:ext cx="1091116" cy="524200"/>
-          </a:xfrm>
-          <a:prstGeom prst="ellipse">
-            <a:avLst/>
-          </a:prstGeom>
-        </p:spPr>
-        <p:style>
-          <a:lnRef idx="2">
-            <a:schemeClr val="dk1"/>
-          </a:lnRef>
-          <a:fillRef idx="1">
-            <a:schemeClr val="lt1"/>
-          </a:fillRef>
-          <a:effectRef idx="0">
-            <a:schemeClr val="dk1"/>
-          </a:effectRef>
-          <a:fontRef idx="minor">
-            <a:schemeClr val="dk1"/>
-          </a:fontRef>
-        </p:style>
-        <p:txBody>
-          <a:bodyPr rtlCol="0" anchor="ctr"/>
-          <a:lstStyle/>
-          <a:p>
-            <a:pPr algn="ctr"/>
-            <a:r>
-              <a:rPr lang="ko-KR" altLang="en-US" sz="1100" smtClean="0"/>
-              <a:t>학교생활</a:t>
-            </a:r>
-            <a:endParaRPr lang="ko-KR" altLang="en-US" sz="1100" dirty="0"/>
-          </a:p>
-        </p:txBody>
-      </p:sp>
-      <p:sp>
-        <p:nvSpPr>
-          <p:cNvPr id="129" name="타원 128"/>
-          <p:cNvSpPr/>
-          <p:nvPr/>
-        </p:nvSpPr>
-        <p:spPr>
-          <a:xfrm>
-            <a:off x="3718216" y="5595036"/>
-            <a:ext cx="1132954" cy="524200"/>
-          </a:xfrm>
-          <a:prstGeom prst="ellipse">
-            <a:avLst/>
-          </a:prstGeom>
-        </p:spPr>
-        <p:style>
-          <a:lnRef idx="2">
-            <a:schemeClr val="dk1"/>
-          </a:lnRef>
-          <a:fillRef idx="1">
-            <a:schemeClr val="lt1"/>
-          </a:fillRef>
-          <a:effectRef idx="0">
-            <a:schemeClr val="dk1"/>
-          </a:effectRef>
-          <a:fontRef idx="minor">
-            <a:schemeClr val="dk1"/>
-          </a:fontRef>
-        </p:style>
-        <p:txBody>
-          <a:bodyPr rtlCol="0" anchor="ctr"/>
-          <a:lstStyle/>
-          <a:p>
-            <a:pPr algn="ctr"/>
-            <a:r>
-              <a:rPr lang="ko-KR" altLang="en-US" sz="1100" dirty="0" smtClean="0"/>
-              <a:t>마음 건강</a:t>
-            </a:r>
-            <a:endParaRPr lang="ko-KR" altLang="en-US" sz="1100" dirty="0"/>
-          </a:p>
-        </p:txBody>
-      </p:sp>
-      <p:sp>
-        <p:nvSpPr>
-          <p:cNvPr id="130" name="타원 129"/>
-          <p:cNvSpPr/>
-          <p:nvPr/>
-        </p:nvSpPr>
-        <p:spPr>
-          <a:xfrm>
-            <a:off x="3224294" y="6094339"/>
-            <a:ext cx="813919" cy="524200"/>
-          </a:xfrm>
-          <a:prstGeom prst="ellipse">
-            <a:avLst/>
-          </a:prstGeom>
-        </p:spPr>
-        <p:style>
-          <a:lnRef idx="2">
-            <a:schemeClr val="dk1"/>
-          </a:lnRef>
-          <a:fillRef idx="1">
-            <a:schemeClr val="lt1"/>
-          </a:fillRef>
-          <a:effectRef idx="0">
-            <a:schemeClr val="dk1"/>
-          </a:effectRef>
-          <a:fontRef idx="minor">
-            <a:schemeClr val="dk1"/>
-          </a:fontRef>
-        </p:style>
-        <p:txBody>
-          <a:bodyPr rtlCol="0" anchor="ctr"/>
-          <a:lstStyle/>
-          <a:p>
-            <a:pPr algn="ctr"/>
-            <a:r>
-              <a:rPr lang="ko-KR" altLang="en-US" sz="1100" smtClean="0"/>
-              <a:t>위기</a:t>
-            </a:r>
-            <a:endParaRPr lang="ko-KR" altLang="en-US" sz="1100" dirty="0"/>
-          </a:p>
-        </p:txBody>
-      </p:sp>
-      <p:sp>
-        <p:nvSpPr>
-          <p:cNvPr id="131" name="타원 130"/>
-          <p:cNvSpPr/>
-          <p:nvPr/>
-        </p:nvSpPr>
-        <p:spPr>
-          <a:xfrm>
-            <a:off x="4526648" y="6087082"/>
-            <a:ext cx="808903" cy="524200"/>
-          </a:xfrm>
-          <a:prstGeom prst="ellipse">
-            <a:avLst/>
-          </a:prstGeom>
-        </p:spPr>
-        <p:style>
-          <a:lnRef idx="2">
-            <a:schemeClr val="dk1"/>
-          </a:lnRef>
-          <a:fillRef idx="1">
-            <a:schemeClr val="lt1"/>
-          </a:fillRef>
-          <a:effectRef idx="0">
-            <a:schemeClr val="dk1"/>
-          </a:effectRef>
-          <a:fontRef idx="minor">
-            <a:schemeClr val="dk1"/>
-          </a:fontRef>
-        </p:style>
-        <p:txBody>
-          <a:bodyPr rtlCol="0" anchor="ctr"/>
-          <a:lstStyle/>
-          <a:p>
-            <a:pPr algn="ctr"/>
-            <a:r>
-              <a:rPr lang="ko-KR" altLang="en-US" sz="1100" dirty="0" smtClean="0"/>
-              <a:t>일탈</a:t>
-            </a:r>
-            <a:endParaRPr lang="ko-KR" altLang="en-US" sz="1100" dirty="0"/>
-          </a:p>
-        </p:txBody>
-      </p:sp>
-      <p:cxnSp>
-        <p:nvCxnSpPr>
-          <p:cNvPr id="132" name="구부러진 연결선 131"/>
-          <p:cNvCxnSpPr>
-            <a:endCxn id="40" idx="0"/>
-          </p:cNvCxnSpPr>
-          <p:nvPr/>
-        </p:nvCxnSpPr>
-        <p:spPr>
-          <a:xfrm rot="10800000" flipV="1">
-            <a:off x="4242433" y="3541306"/>
-            <a:ext cx="1850647" cy="448926"/>
-          </a:xfrm>
-          <a:prstGeom prst="curvedConnector2">
-            <a:avLst/>
-          </a:prstGeom>
-          <a:ln>
-            <a:tailEnd type="triangle"/>
-          </a:ln>
-        </p:spPr>
-        <p:style>
-          <a:lnRef idx="3">
-            <a:schemeClr val="dk1"/>
-          </a:lnRef>
-          <a:fillRef idx="0">
-            <a:schemeClr val="dk1"/>
-          </a:fillRef>
-          <a:effectRef idx="2">
-            <a:schemeClr val="dk1"/>
-          </a:effectRef>
-          <a:fontRef idx="minor">
-            <a:schemeClr val="tx1"/>
-          </a:fontRef>
-        </p:style>
-      </p:cxnSp>
-      <p:sp>
-        <p:nvSpPr>
-          <p:cNvPr id="169" name="타원 168"/>
-          <p:cNvSpPr/>
-          <p:nvPr/>
-        </p:nvSpPr>
-        <p:spPr>
-          <a:xfrm>
-            <a:off x="1541175" y="1116473"/>
-            <a:ext cx="1127782" cy="615167"/>
-          </a:xfrm>
-          <a:prstGeom prst="ellipse">
-            <a:avLst/>
-          </a:prstGeom>
-        </p:spPr>
-        <p:style>
-          <a:lnRef idx="2">
-            <a:schemeClr val="dk1"/>
-          </a:lnRef>
-          <a:fillRef idx="1">
-            <a:schemeClr val="lt1"/>
-          </a:fillRef>
-          <a:effectRef idx="0">
-            <a:schemeClr val="dk1"/>
-          </a:effectRef>
-          <a:fontRef idx="minor">
-            <a:schemeClr val="dk1"/>
-          </a:fontRef>
-        </p:style>
-        <p:txBody>
-          <a:bodyPr rtlCol="0" anchor="ctr"/>
-          <a:lstStyle/>
-          <a:p>
-            <a:pPr algn="ctr"/>
-            <a:r>
-              <a:rPr lang="ko-KR" altLang="en-US" sz="1100" dirty="0" smtClean="0"/>
-              <a:t>회원탈퇴</a:t>
-            </a:r>
-            <a:endParaRPr lang="ko-KR" altLang="en-US" sz="1100" dirty="0"/>
-          </a:p>
-        </p:txBody>
-      </p:sp>
-      <p:sp>
-        <p:nvSpPr>
-          <p:cNvPr id="174" name="타원 173"/>
-          <p:cNvSpPr/>
-          <p:nvPr/>
-        </p:nvSpPr>
-        <p:spPr>
-          <a:xfrm>
-            <a:off x="6979372" y="3980433"/>
-            <a:ext cx="828607" cy="524200"/>
-          </a:xfrm>
-          <a:prstGeom prst="ellipse">
-            <a:avLst/>
-          </a:prstGeom>
-        </p:spPr>
-        <p:style>
-          <a:lnRef idx="2">
-            <a:schemeClr val="dk1"/>
-          </a:lnRef>
-          <a:fillRef idx="1">
-            <a:schemeClr val="lt1"/>
-          </a:fillRef>
-          <a:effectRef idx="0">
-            <a:schemeClr val="dk1"/>
-          </a:effectRef>
-          <a:fontRef idx="minor">
-            <a:schemeClr val="dk1"/>
-          </a:fontRef>
-        </p:style>
-        <p:txBody>
-          <a:bodyPr rtlCol="0" anchor="ctr"/>
-          <a:lstStyle/>
-          <a:p>
-            <a:pPr algn="ctr"/>
-            <a:r>
-              <a:rPr lang="ko-KR" altLang="en-US" sz="1100" dirty="0" smtClean="0"/>
-              <a:t>챗 봇</a:t>
-            </a:r>
-            <a:endParaRPr lang="ko-KR" altLang="en-US" sz="1100" dirty="0"/>
-          </a:p>
-        </p:txBody>
-      </p:sp>
-      <p:sp>
-        <p:nvSpPr>
-          <p:cNvPr id="175" name="타원 174"/>
-          <p:cNvSpPr/>
-          <p:nvPr/>
-        </p:nvSpPr>
-        <p:spPr>
-          <a:xfrm>
-            <a:off x="7915647" y="3988698"/>
-            <a:ext cx="801799" cy="524200"/>
-          </a:xfrm>
-          <a:prstGeom prst="ellipse">
-            <a:avLst/>
-          </a:prstGeom>
-        </p:spPr>
-        <p:style>
-          <a:lnRef idx="2">
-            <a:schemeClr val="dk1"/>
-          </a:lnRef>
-          <a:fillRef idx="1">
-            <a:schemeClr val="lt1"/>
-          </a:fillRef>
-          <a:effectRef idx="0">
-            <a:schemeClr val="dk1"/>
-          </a:effectRef>
-          <a:fontRef idx="minor">
-            <a:schemeClr val="dk1"/>
-          </a:fontRef>
-        </p:style>
-        <p:txBody>
-          <a:bodyPr rtlCol="0" anchor="ctr"/>
-          <a:lstStyle/>
-          <a:p>
-            <a:pPr algn="ctr"/>
-            <a:r>
-              <a:rPr lang="en-US" altLang="ko-KR" sz="1100" dirty="0" smtClean="0"/>
-              <a:t>SNS</a:t>
-            </a:r>
-            <a:endParaRPr lang="ko-KR" altLang="en-US" sz="1100" dirty="0"/>
-          </a:p>
-        </p:txBody>
-      </p:sp>
-      <p:sp>
-        <p:nvSpPr>
-          <p:cNvPr id="176" name="타원 175"/>
-          <p:cNvSpPr/>
-          <p:nvPr/>
-        </p:nvSpPr>
-        <p:spPr>
-          <a:xfrm>
-            <a:off x="8793835" y="3988698"/>
-            <a:ext cx="1078354" cy="524200"/>
-          </a:xfrm>
-          <a:prstGeom prst="ellipse">
-            <a:avLst/>
-          </a:prstGeom>
-        </p:spPr>
-        <p:style>
-          <a:lnRef idx="2">
-            <a:schemeClr val="dk1"/>
-          </a:lnRef>
-          <a:fillRef idx="1">
-            <a:schemeClr val="lt1"/>
-          </a:fillRef>
-          <a:effectRef idx="0">
-            <a:schemeClr val="dk1"/>
-          </a:effectRef>
-          <a:fontRef idx="minor">
-            <a:schemeClr val="dk1"/>
-          </a:fontRef>
-        </p:style>
-        <p:txBody>
-          <a:bodyPr rtlCol="0" anchor="ctr"/>
-          <a:lstStyle/>
-          <a:p>
-            <a:pPr algn="ctr"/>
-            <a:r>
-              <a:rPr lang="ko-KR" altLang="en-US" sz="1100" dirty="0" smtClean="0"/>
-              <a:t>유관기관</a:t>
-            </a:r>
-            <a:endParaRPr lang="ko-KR" altLang="en-US" sz="1100" dirty="0"/>
-          </a:p>
-        </p:txBody>
-      </p:sp>
-      <p:cxnSp>
-        <p:nvCxnSpPr>
-          <p:cNvPr id="177" name="구부러진 연결선 176"/>
-          <p:cNvCxnSpPr>
-            <a:endCxn id="52" idx="0"/>
-          </p:cNvCxnSpPr>
-          <p:nvPr/>
-        </p:nvCxnSpPr>
-        <p:spPr>
-          <a:xfrm>
-            <a:off x="6521899" y="3391039"/>
-            <a:ext cx="1704233" cy="306090"/>
-          </a:xfrm>
-          <a:prstGeom prst="curvedConnector2">
-            <a:avLst/>
-          </a:prstGeom>
-          <a:ln>
-            <a:tailEnd type="triangle"/>
-          </a:ln>
-        </p:spPr>
-        <p:style>
-          <a:lnRef idx="3">
-            <a:schemeClr val="dk1"/>
-          </a:lnRef>
-          <a:fillRef idx="0">
-            <a:schemeClr val="dk1"/>
-          </a:fillRef>
-          <a:effectRef idx="2">
-            <a:schemeClr val="dk1"/>
-          </a:effectRef>
-          <a:fontRef idx="minor">
-            <a:schemeClr val="tx1"/>
-          </a:fontRef>
-        </p:style>
-      </p:cxnSp>
-      <p:sp>
-        <p:nvSpPr>
-          <p:cNvPr id="184" name="직사각형 183"/>
-          <p:cNvSpPr/>
-          <p:nvPr/>
-        </p:nvSpPr>
-        <p:spPr>
-          <a:xfrm>
-            <a:off x="8567590" y="5031596"/>
-            <a:ext cx="1188720" cy="1419807"/>
-          </a:xfrm>
-          <a:prstGeom prst="rect">
-            <a:avLst/>
-          </a:prstGeom>
-        </p:spPr>
-        <p:style>
-          <a:lnRef idx="2">
-            <a:schemeClr val="dk1"/>
-          </a:lnRef>
-          <a:fillRef idx="1">
-            <a:schemeClr val="lt1"/>
-          </a:fillRef>
-          <a:effectRef idx="0">
-            <a:schemeClr val="dk1"/>
-          </a:effectRef>
-          <a:fontRef idx="minor">
-            <a:schemeClr val="dk1"/>
-          </a:fontRef>
-        </p:style>
-        <p:txBody>
-          <a:bodyPr rtlCol="0" anchor="t"/>
-          <a:lstStyle/>
-          <a:p>
-            <a:pPr algn="ctr"/>
-            <a:r>
-              <a:rPr lang="en-US" altLang="ko-KR" sz="1200" dirty="0" smtClean="0"/>
-              <a:t>SNS</a:t>
-            </a:r>
-          </a:p>
-        </p:txBody>
-      </p:sp>
-      <p:sp>
-        <p:nvSpPr>
-          <p:cNvPr id="185" name="타원 184"/>
-          <p:cNvSpPr/>
-          <p:nvPr/>
-        </p:nvSpPr>
-        <p:spPr>
-          <a:xfrm>
-            <a:off x="8729799" y="5308262"/>
-            <a:ext cx="864303" cy="524200"/>
-          </a:xfrm>
-          <a:prstGeom prst="ellipse">
-            <a:avLst/>
-          </a:prstGeom>
-        </p:spPr>
-        <p:style>
-          <a:lnRef idx="2">
-            <a:schemeClr val="dk1"/>
-          </a:lnRef>
-          <a:fillRef idx="1">
-            <a:schemeClr val="lt1"/>
-          </a:fillRef>
-          <a:effectRef idx="0">
-            <a:schemeClr val="dk1"/>
-          </a:effectRef>
-          <a:fontRef idx="minor">
-            <a:schemeClr val="dk1"/>
-          </a:fontRef>
-        </p:style>
-        <p:txBody>
-          <a:bodyPr rtlCol="0" anchor="ctr"/>
-          <a:lstStyle/>
-          <a:p>
-            <a:pPr algn="ctr"/>
-            <a:r>
-              <a:rPr lang="ko-KR" altLang="en-US" sz="1100" dirty="0" smtClean="0"/>
-              <a:t>유튜브</a:t>
-            </a:r>
-            <a:endParaRPr lang="ko-KR" altLang="en-US" sz="1100" dirty="0"/>
-          </a:p>
-        </p:txBody>
-      </p:sp>
-      <p:sp>
-        <p:nvSpPr>
-          <p:cNvPr id="186" name="타원 185"/>
-          <p:cNvSpPr/>
-          <p:nvPr/>
-        </p:nvSpPr>
-        <p:spPr>
-          <a:xfrm>
-            <a:off x="8632977" y="5862524"/>
-            <a:ext cx="1057947" cy="524200"/>
-          </a:xfrm>
-          <a:prstGeom prst="ellipse">
-            <a:avLst/>
-          </a:prstGeom>
-        </p:spPr>
-        <p:style>
-          <a:lnRef idx="2">
-            <a:schemeClr val="dk1"/>
-          </a:lnRef>
-          <a:fillRef idx="1">
-            <a:schemeClr val="lt1"/>
-          </a:fillRef>
-          <a:effectRef idx="0">
-            <a:schemeClr val="dk1"/>
-          </a:effectRef>
-          <a:fontRef idx="minor">
-            <a:schemeClr val="dk1"/>
-          </a:fontRef>
-        </p:style>
-        <p:txBody>
-          <a:bodyPr rtlCol="0" anchor="ctr"/>
-          <a:lstStyle/>
-          <a:p>
-            <a:pPr algn="ctr"/>
-            <a:r>
-              <a:rPr lang="ko-KR" altLang="en-US" sz="1100" dirty="0" smtClean="0"/>
-              <a:t>카카오톡</a:t>
-            </a:r>
-            <a:endParaRPr lang="en-US" altLang="ko-KR" sz="1100" dirty="0" smtClean="0"/>
-          </a:p>
-          <a:p>
-            <a:pPr algn="ctr"/>
-            <a:r>
-              <a:rPr lang="ko-KR" altLang="en-US" sz="1100" dirty="0" smtClean="0"/>
-              <a:t>채널</a:t>
-            </a:r>
-            <a:endParaRPr lang="ko-KR" altLang="en-US" sz="1100" dirty="0"/>
-          </a:p>
-        </p:txBody>
-      </p:sp>
-      <p:cxnSp>
-        <p:nvCxnSpPr>
-          <p:cNvPr id="188" name="구부러진 연결선 187"/>
-          <p:cNvCxnSpPr>
-            <a:stCxn id="175" idx="4"/>
-            <a:endCxn id="184" idx="0"/>
-          </p:cNvCxnSpPr>
-          <p:nvPr/>
-        </p:nvCxnSpPr>
-        <p:spPr>
-          <a:xfrm rot="16200000" flipH="1">
-            <a:off x="8396267" y="4265913"/>
-            <a:ext cx="518698" cy="1012668"/>
-          </a:xfrm>
-          <a:prstGeom prst="curvedConnector3">
-            <a:avLst>
-              <a:gd name="adj1" fmla="val 50000"/>
-            </a:avLst>
-          </a:prstGeom>
-          <a:ln>
-            <a:tailEnd type="triangle"/>
-          </a:ln>
-        </p:spPr>
-        <p:style>
-          <a:lnRef idx="3">
-            <a:schemeClr val="dk1"/>
-          </a:lnRef>
-          <a:fillRef idx="0">
-            <a:schemeClr val="dk1"/>
-          </a:fillRef>
-          <a:effectRef idx="2">
-            <a:schemeClr val="dk1"/>
-          </a:effectRef>
-          <a:fontRef idx="minor">
-            <a:schemeClr val="tx1"/>
-          </a:fontRef>
-        </p:style>
-      </p:cxnSp>
-      <p:sp>
-        <p:nvSpPr>
-          <p:cNvPr id="208" name="직사각형 207"/>
-          <p:cNvSpPr/>
-          <p:nvPr/>
-        </p:nvSpPr>
-        <p:spPr>
-          <a:xfrm>
-            <a:off x="5814089" y="4908102"/>
-            <a:ext cx="2545589" cy="1775312"/>
-          </a:xfrm>
-          <a:prstGeom prst="rect">
-            <a:avLst/>
-          </a:prstGeom>
-        </p:spPr>
-        <p:style>
-          <a:lnRef idx="2">
-            <a:schemeClr val="dk1"/>
-          </a:lnRef>
-          <a:fillRef idx="1">
-            <a:schemeClr val="lt1"/>
-          </a:fillRef>
-          <a:effectRef idx="0">
-            <a:schemeClr val="dk1"/>
-          </a:effectRef>
-          <a:fontRef idx="minor">
-            <a:schemeClr val="dk1"/>
-          </a:fontRef>
-        </p:style>
-        <p:txBody>
-          <a:bodyPr rtlCol="0" anchor="t"/>
-          <a:lstStyle/>
-          <a:p>
-            <a:pPr algn="ctr"/>
-            <a:r>
-              <a:rPr lang="ko-KR" altLang="en-US" sz="1200" dirty="0" smtClean="0"/>
-              <a:t>챗 봇</a:t>
-            </a:r>
-            <a:endParaRPr lang="ko-KR" altLang="en-US" sz="1200" dirty="0"/>
-          </a:p>
-        </p:txBody>
-      </p:sp>
-      <p:sp>
-        <p:nvSpPr>
-          <p:cNvPr id="209" name="타원 208"/>
-          <p:cNvSpPr/>
-          <p:nvPr/>
-        </p:nvSpPr>
-        <p:spPr>
-          <a:xfrm>
-            <a:off x="5915300" y="5220714"/>
-            <a:ext cx="1142152" cy="615167"/>
-          </a:xfrm>
-          <a:prstGeom prst="ellipse">
-            <a:avLst/>
-          </a:prstGeom>
-        </p:spPr>
-        <p:style>
-          <a:lnRef idx="2">
-            <a:schemeClr val="dk1"/>
-          </a:lnRef>
-          <a:fillRef idx="1">
-            <a:schemeClr val="lt1"/>
-          </a:fillRef>
-          <a:effectRef idx="0">
-            <a:schemeClr val="dk1"/>
-          </a:effectRef>
-          <a:fontRef idx="minor">
-            <a:schemeClr val="dk1"/>
-          </a:fontRef>
-        </p:style>
-        <p:txBody>
-          <a:bodyPr rtlCol="0" anchor="ctr"/>
-          <a:lstStyle/>
-          <a:p>
-            <a:pPr algn="ctr"/>
-            <a:r>
-              <a:rPr lang="ko-KR" altLang="en-US" sz="1100" dirty="0" smtClean="0"/>
-              <a:t>위플</a:t>
-            </a:r>
-            <a:endParaRPr lang="en-US" altLang="ko-KR" sz="1100" dirty="0" smtClean="0"/>
-          </a:p>
-          <a:p>
-            <a:pPr algn="ctr"/>
-            <a:r>
-              <a:rPr lang="en-US" altLang="ko-KR" sz="1100" dirty="0" smtClean="0"/>
-              <a:t>(Weepl)</a:t>
-            </a:r>
-          </a:p>
-          <a:p>
-            <a:pPr algn="ctr"/>
-            <a:r>
-              <a:rPr lang="ko-KR" altLang="en-US" sz="1100" dirty="0" smtClean="0"/>
-              <a:t>앱서비스</a:t>
-            </a:r>
-            <a:endParaRPr lang="ko-KR" altLang="en-US" sz="1100" dirty="0"/>
-          </a:p>
-        </p:txBody>
-      </p:sp>
-      <p:sp>
-        <p:nvSpPr>
-          <p:cNvPr id="211" name="타원 210"/>
-          <p:cNvSpPr/>
-          <p:nvPr/>
-        </p:nvSpPr>
-        <p:spPr>
-          <a:xfrm>
-            <a:off x="7107044" y="5255972"/>
-            <a:ext cx="1132954" cy="524200"/>
-          </a:xfrm>
-          <a:prstGeom prst="ellipse">
-            <a:avLst/>
-          </a:prstGeom>
-        </p:spPr>
-        <p:style>
-          <a:lnRef idx="2">
-            <a:schemeClr val="dk1"/>
-          </a:lnRef>
-          <a:fillRef idx="1">
-            <a:schemeClr val="lt1"/>
-          </a:fillRef>
-          <a:effectRef idx="0">
-            <a:schemeClr val="dk1"/>
-          </a:effectRef>
-          <a:fontRef idx="minor">
-            <a:schemeClr val="dk1"/>
-          </a:fontRef>
-        </p:style>
-        <p:txBody>
-          <a:bodyPr rtlCol="0" anchor="ctr"/>
-          <a:lstStyle/>
-          <a:p>
-            <a:pPr algn="ctr"/>
-            <a:r>
-              <a:rPr lang="ko-KR" altLang="en-US" sz="1100" dirty="0" smtClean="0"/>
-              <a:t>상담 신청</a:t>
-            </a:r>
-            <a:endParaRPr lang="ko-KR" altLang="en-US" sz="1100" dirty="0"/>
-          </a:p>
-        </p:txBody>
-      </p:sp>
-      <p:sp>
-        <p:nvSpPr>
-          <p:cNvPr id="212" name="타원 211"/>
-          <p:cNvSpPr/>
-          <p:nvPr/>
-        </p:nvSpPr>
-        <p:spPr>
-          <a:xfrm>
-            <a:off x="5922247" y="5951427"/>
-            <a:ext cx="1130444" cy="615167"/>
-          </a:xfrm>
-          <a:prstGeom prst="ellipse">
-            <a:avLst/>
-          </a:prstGeom>
-        </p:spPr>
-        <p:style>
-          <a:lnRef idx="2">
-            <a:schemeClr val="dk1"/>
-          </a:lnRef>
-          <a:fillRef idx="1">
-            <a:schemeClr val="lt1"/>
-          </a:fillRef>
-          <a:effectRef idx="0">
-            <a:schemeClr val="dk1"/>
-          </a:effectRef>
-          <a:fontRef idx="minor">
-            <a:schemeClr val="dk1"/>
-          </a:fontRef>
-        </p:style>
-        <p:txBody>
-          <a:bodyPr rtlCol="0" anchor="ctr"/>
-          <a:lstStyle/>
-          <a:p>
-            <a:pPr algn="ctr"/>
-            <a:r>
-              <a:rPr lang="ko-KR" altLang="en-US" sz="1100" dirty="0" smtClean="0"/>
-              <a:t>마음건강</a:t>
-            </a:r>
-            <a:endParaRPr lang="en-US" altLang="ko-KR" sz="1100" dirty="0" smtClean="0"/>
-          </a:p>
-          <a:p>
-            <a:pPr algn="ctr"/>
-            <a:r>
-              <a:rPr lang="ko-KR" altLang="en-US" sz="1100" dirty="0" smtClean="0"/>
-              <a:t>검사</a:t>
-            </a:r>
-            <a:endParaRPr lang="ko-KR" altLang="en-US" sz="1100" dirty="0"/>
-          </a:p>
-        </p:txBody>
-      </p:sp>
-      <p:sp>
-        <p:nvSpPr>
-          <p:cNvPr id="213" name="타원 212"/>
-          <p:cNvSpPr/>
-          <p:nvPr/>
-        </p:nvSpPr>
-        <p:spPr>
-          <a:xfrm>
-            <a:off x="7109229" y="5882979"/>
-            <a:ext cx="1142152" cy="711459"/>
-          </a:xfrm>
-          <a:prstGeom prst="ellipse">
-            <a:avLst/>
-          </a:prstGeom>
-        </p:spPr>
-        <p:style>
-          <a:lnRef idx="2">
-            <a:schemeClr val="dk1"/>
-          </a:lnRef>
-          <a:fillRef idx="1">
-            <a:schemeClr val="lt1"/>
-          </a:fillRef>
-          <a:effectRef idx="0">
-            <a:schemeClr val="dk1"/>
-          </a:effectRef>
-          <a:fontRef idx="minor">
-            <a:schemeClr val="dk1"/>
-          </a:fontRef>
-        </p:style>
-        <p:txBody>
-          <a:bodyPr rtlCol="0" anchor="ctr"/>
-          <a:lstStyle/>
-          <a:p>
-            <a:pPr algn="ctr"/>
-            <a:r>
-              <a:rPr lang="ko-KR" altLang="en-US" sz="1100" dirty="0" smtClean="0"/>
-              <a:t>서울</a:t>
-            </a:r>
-            <a:endParaRPr lang="en-US" altLang="ko-KR" sz="1100" dirty="0" smtClean="0"/>
-          </a:p>
-          <a:p>
-            <a:pPr algn="ctr"/>
-            <a:r>
-              <a:rPr lang="ko-KR" altLang="en-US" sz="1100" dirty="0" smtClean="0"/>
-              <a:t>위</a:t>
-            </a:r>
-            <a:r>
-              <a:rPr lang="en-US" altLang="ko-KR" sz="1100" dirty="0" smtClean="0"/>
-              <a:t>(Wee)</a:t>
-            </a:r>
-          </a:p>
-          <a:p>
-            <a:pPr algn="ctr"/>
-            <a:r>
-              <a:rPr lang="ko-KR" altLang="en-US" sz="1100" dirty="0" smtClean="0"/>
-              <a:t>센터 문의</a:t>
-            </a:r>
-            <a:endParaRPr lang="ko-KR" altLang="en-US" sz="1100" dirty="0"/>
-          </a:p>
-        </p:txBody>
-      </p:sp>
-      <p:cxnSp>
-        <p:nvCxnSpPr>
-          <p:cNvPr id="214" name="구부러진 연결선 213"/>
-          <p:cNvCxnSpPr>
-            <a:stCxn id="174" idx="4"/>
-            <a:endCxn id="208" idx="0"/>
-          </p:cNvCxnSpPr>
-          <p:nvPr/>
-        </p:nvCxnSpPr>
-        <p:spPr>
-          <a:xfrm rot="5400000">
-            <a:off x="6954914" y="4636604"/>
-            <a:ext cx="403469" cy="139527"/>
-          </a:xfrm>
-          <a:prstGeom prst="curvedConnector3">
-            <a:avLst>
-              <a:gd name="adj1" fmla="val 50000"/>
-            </a:avLst>
-          </a:prstGeom>
-          <a:ln>
-            <a:tailEnd type="triangle"/>
-          </a:ln>
-        </p:spPr>
-        <p:style>
-          <a:lnRef idx="3">
-            <a:schemeClr val="dk1"/>
-          </a:lnRef>
-          <a:fillRef idx="0">
-            <a:schemeClr val="dk1"/>
-          </a:fillRef>
-          <a:effectRef idx="2">
-            <a:schemeClr val="dk1"/>
-          </a:effectRef>
-          <a:fontRef idx="minor">
-            <a:schemeClr val="tx1"/>
-          </a:fontRef>
-        </p:style>
-      </p:cxnSp>
-      <p:sp>
-        <p:nvSpPr>
-          <p:cNvPr id="224" name="직사각형 223"/>
-          <p:cNvSpPr/>
-          <p:nvPr/>
-        </p:nvSpPr>
-        <p:spPr>
-          <a:xfrm>
-            <a:off x="10100387" y="4119175"/>
-            <a:ext cx="1930214" cy="2467586"/>
-          </a:xfrm>
-          <a:prstGeom prst="rect">
-            <a:avLst/>
-          </a:prstGeom>
-        </p:spPr>
-        <p:style>
-          <a:lnRef idx="2">
-            <a:schemeClr val="dk1"/>
-          </a:lnRef>
-          <a:fillRef idx="1">
-            <a:schemeClr val="lt1"/>
-          </a:fillRef>
-          <a:effectRef idx="0">
-            <a:schemeClr val="dk1"/>
-          </a:effectRef>
-          <a:fontRef idx="minor">
-            <a:schemeClr val="dk1"/>
-          </a:fontRef>
-        </p:style>
-        <p:txBody>
-          <a:bodyPr rtlCol="0" anchor="t"/>
-          <a:lstStyle/>
-          <a:p>
-            <a:pPr algn="ctr"/>
-            <a:r>
-              <a:rPr lang="ko-KR" altLang="en-US" sz="1200" smtClean="0"/>
-              <a:t>유관기관</a:t>
-            </a:r>
-            <a:endParaRPr lang="ko-KR" altLang="en-US" sz="1200" dirty="0"/>
-          </a:p>
-        </p:txBody>
-      </p:sp>
-      <p:sp>
-        <p:nvSpPr>
-          <p:cNvPr id="231" name="타원 230"/>
-          <p:cNvSpPr/>
-          <p:nvPr/>
-        </p:nvSpPr>
-        <p:spPr>
-          <a:xfrm>
-            <a:off x="10237555" y="4490112"/>
-            <a:ext cx="732332" cy="597742"/>
-          </a:xfrm>
-          <a:prstGeom prst="ellipse">
-            <a:avLst/>
-          </a:prstGeom>
-        </p:spPr>
-        <p:style>
-          <a:lnRef idx="2">
-            <a:schemeClr val="dk1"/>
-          </a:lnRef>
-          <a:fillRef idx="1">
-            <a:schemeClr val="lt1"/>
-          </a:fillRef>
-          <a:effectRef idx="0">
-            <a:schemeClr val="dk1"/>
-          </a:effectRef>
-          <a:fontRef idx="minor">
-            <a:schemeClr val="dk1"/>
-          </a:fontRef>
-        </p:style>
-        <p:txBody>
-          <a:bodyPr rtlCol="0" anchor="ctr"/>
-          <a:lstStyle/>
-          <a:p>
-            <a:pPr algn="ctr"/>
-            <a:r>
-              <a:rPr lang="ko-KR" altLang="en-US" sz="1100" smtClean="0"/>
-              <a:t>심리 상담</a:t>
-            </a:r>
-            <a:endParaRPr lang="ko-KR" altLang="en-US" sz="1100" dirty="0"/>
-          </a:p>
-        </p:txBody>
-      </p:sp>
-      <p:sp>
-        <p:nvSpPr>
-          <p:cNvPr id="232" name="타원 231"/>
-          <p:cNvSpPr/>
-          <p:nvPr/>
-        </p:nvSpPr>
-        <p:spPr>
-          <a:xfrm>
-            <a:off x="11134078" y="4504972"/>
-            <a:ext cx="732332" cy="597742"/>
-          </a:xfrm>
-          <a:prstGeom prst="ellipse">
-            <a:avLst/>
-          </a:prstGeom>
-        </p:spPr>
-        <p:style>
-          <a:lnRef idx="2">
-            <a:schemeClr val="dk1"/>
-          </a:lnRef>
-          <a:fillRef idx="1">
-            <a:schemeClr val="lt1"/>
-          </a:fillRef>
-          <a:effectRef idx="0">
-            <a:schemeClr val="dk1"/>
-          </a:effectRef>
-          <a:fontRef idx="minor">
-            <a:schemeClr val="dk1"/>
-          </a:fontRef>
-        </p:style>
-        <p:txBody>
-          <a:bodyPr rtlCol="0" anchor="ctr"/>
-          <a:lstStyle/>
-          <a:p>
-            <a:pPr algn="ctr"/>
-            <a:r>
-              <a:rPr lang="ko-KR" altLang="en-US" sz="1100" dirty="0" smtClean="0"/>
-              <a:t>생명</a:t>
-            </a:r>
-            <a:endParaRPr lang="en-US" altLang="ko-KR" sz="1100" dirty="0" smtClean="0"/>
-          </a:p>
-          <a:p>
-            <a:pPr algn="ctr"/>
-            <a:r>
-              <a:rPr lang="ko-KR" altLang="en-US" sz="1100" dirty="0" smtClean="0"/>
-              <a:t>존중</a:t>
-            </a:r>
-            <a:endParaRPr lang="ko-KR" altLang="en-US" sz="1100" dirty="0"/>
-          </a:p>
-        </p:txBody>
-      </p:sp>
-      <p:sp>
-        <p:nvSpPr>
-          <p:cNvPr id="233" name="타원 232"/>
-          <p:cNvSpPr/>
-          <p:nvPr/>
-        </p:nvSpPr>
-        <p:spPr>
-          <a:xfrm>
-            <a:off x="10237555" y="5175327"/>
-            <a:ext cx="732332" cy="597742"/>
-          </a:xfrm>
-          <a:prstGeom prst="ellipse">
-            <a:avLst/>
-          </a:prstGeom>
-        </p:spPr>
-        <p:style>
-          <a:lnRef idx="2">
-            <a:schemeClr val="dk1"/>
-          </a:lnRef>
-          <a:fillRef idx="1">
-            <a:schemeClr val="lt1"/>
-          </a:fillRef>
-          <a:effectRef idx="0">
-            <a:schemeClr val="dk1"/>
-          </a:effectRef>
-          <a:fontRef idx="minor">
-            <a:schemeClr val="dk1"/>
-          </a:fontRef>
-        </p:style>
-        <p:txBody>
-          <a:bodyPr rtlCol="0" anchor="ctr"/>
-          <a:lstStyle/>
-          <a:p>
-            <a:pPr algn="ctr"/>
-            <a:r>
-              <a:rPr lang="ko-KR" altLang="en-US" sz="1100" dirty="0" smtClean="0"/>
-              <a:t>성</a:t>
-            </a:r>
-            <a:endParaRPr lang="ko-KR" altLang="en-US" sz="1100" dirty="0"/>
-          </a:p>
-        </p:txBody>
-      </p:sp>
-      <p:sp>
-        <p:nvSpPr>
-          <p:cNvPr id="234" name="타원 233"/>
-          <p:cNvSpPr/>
-          <p:nvPr/>
-        </p:nvSpPr>
-        <p:spPr>
-          <a:xfrm>
-            <a:off x="11134078" y="5190187"/>
-            <a:ext cx="732332" cy="597742"/>
-          </a:xfrm>
-          <a:prstGeom prst="ellipse">
-            <a:avLst/>
-          </a:prstGeom>
-        </p:spPr>
-        <p:style>
-          <a:lnRef idx="2">
-            <a:schemeClr val="dk1"/>
-          </a:lnRef>
-          <a:fillRef idx="1">
-            <a:schemeClr val="lt1"/>
-          </a:fillRef>
-          <a:effectRef idx="0">
-            <a:schemeClr val="dk1"/>
-          </a:effectRef>
-          <a:fontRef idx="minor">
-            <a:schemeClr val="dk1"/>
-          </a:fontRef>
-        </p:style>
-        <p:txBody>
-          <a:bodyPr rtlCol="0" anchor="ctr"/>
-          <a:lstStyle/>
-          <a:p>
-            <a:pPr algn="ctr"/>
-            <a:r>
-              <a:rPr lang="ko-KR" altLang="en-US" sz="1100" dirty="0" smtClean="0"/>
-              <a:t>도박</a:t>
-            </a:r>
-            <a:endParaRPr lang="ko-KR" altLang="en-US" sz="1100" dirty="0"/>
-          </a:p>
-        </p:txBody>
-      </p:sp>
-      <p:sp>
-        <p:nvSpPr>
-          <p:cNvPr id="235" name="타원 234"/>
-          <p:cNvSpPr/>
-          <p:nvPr/>
-        </p:nvSpPr>
-        <p:spPr>
-          <a:xfrm>
-            <a:off x="10237555" y="5876905"/>
-            <a:ext cx="732332" cy="597742"/>
-          </a:xfrm>
-          <a:prstGeom prst="ellipse">
-            <a:avLst/>
-          </a:prstGeom>
-        </p:spPr>
-        <p:style>
-          <a:lnRef idx="2">
-            <a:schemeClr val="dk1"/>
-          </a:lnRef>
-          <a:fillRef idx="1">
-            <a:schemeClr val="lt1"/>
-          </a:fillRef>
-          <a:effectRef idx="0">
-            <a:schemeClr val="dk1"/>
-          </a:effectRef>
-          <a:fontRef idx="minor">
-            <a:schemeClr val="dk1"/>
-          </a:fontRef>
-        </p:style>
-        <p:txBody>
-          <a:bodyPr rtlCol="0" anchor="ctr"/>
-          <a:lstStyle/>
-          <a:p>
-            <a:pPr algn="ctr"/>
-            <a:r>
-              <a:rPr lang="ko-KR" altLang="en-US" sz="1100" dirty="0" smtClean="0"/>
-              <a:t>기관 </a:t>
-            </a:r>
-            <a:endParaRPr lang="en-US" altLang="ko-KR" sz="1100" dirty="0" smtClean="0"/>
-          </a:p>
-          <a:p>
-            <a:pPr algn="ctr"/>
-            <a:r>
-              <a:rPr lang="ko-KR" altLang="en-US" sz="1100" dirty="0" smtClean="0"/>
-              <a:t>조회</a:t>
-            </a:r>
-            <a:endParaRPr lang="ko-KR" altLang="en-US" sz="1100" dirty="0"/>
-          </a:p>
-        </p:txBody>
-      </p:sp>
-      <p:sp>
-        <p:nvSpPr>
-          <p:cNvPr id="236" name="타원 235"/>
-          <p:cNvSpPr/>
-          <p:nvPr/>
-        </p:nvSpPr>
-        <p:spPr>
-          <a:xfrm>
-            <a:off x="11065494" y="5891601"/>
-            <a:ext cx="898174" cy="615167"/>
-          </a:xfrm>
-          <a:prstGeom prst="ellipse">
-            <a:avLst/>
-          </a:prstGeom>
-        </p:spPr>
-        <p:style>
-          <a:lnRef idx="2">
-            <a:schemeClr val="dk1"/>
-          </a:lnRef>
-          <a:fillRef idx="1">
-            <a:schemeClr val="lt1"/>
-          </a:fillRef>
-          <a:effectRef idx="0">
-            <a:schemeClr val="dk1"/>
-          </a:effectRef>
-          <a:fontRef idx="minor">
-            <a:schemeClr val="dk1"/>
-          </a:fontRef>
-        </p:style>
-        <p:txBody>
-          <a:bodyPr rtlCol="0" anchor="ctr"/>
-          <a:lstStyle/>
-          <a:p>
-            <a:pPr algn="ctr"/>
-            <a:r>
-              <a:rPr lang="ko-KR" altLang="en-US" sz="1100" dirty="0" smtClean="0"/>
-              <a:t>기관</a:t>
-            </a:r>
-            <a:endParaRPr lang="en-US" altLang="ko-KR" sz="1100" dirty="0" smtClean="0"/>
-          </a:p>
-          <a:p>
-            <a:pPr algn="ctr"/>
-            <a:r>
-              <a:rPr lang="ko-KR" altLang="en-US" sz="1100" dirty="0" smtClean="0"/>
-              <a:t>페이지</a:t>
-            </a:r>
-            <a:endParaRPr lang="en-US" altLang="ko-KR" sz="1100" dirty="0" smtClean="0"/>
-          </a:p>
-          <a:p>
-            <a:pPr algn="ctr"/>
-            <a:r>
-              <a:rPr lang="ko-KR" altLang="en-US" sz="1100" dirty="0" smtClean="0"/>
-              <a:t>연결</a:t>
-            </a:r>
-            <a:endParaRPr lang="ko-KR" altLang="en-US" sz="1100" dirty="0"/>
-          </a:p>
-        </p:txBody>
-      </p:sp>
-      <p:cxnSp>
-        <p:nvCxnSpPr>
-          <p:cNvPr id="237" name="구부러진 연결선 236"/>
-          <p:cNvCxnSpPr>
-            <a:stCxn id="176" idx="7"/>
-            <a:endCxn id="224" idx="0"/>
-          </p:cNvCxnSpPr>
-          <p:nvPr/>
-        </p:nvCxnSpPr>
-        <p:spPr>
-          <a:xfrm rot="16200000" flipH="1">
-            <a:off x="10363026" y="3416707"/>
-            <a:ext cx="53710" cy="1351226"/>
-          </a:xfrm>
-          <a:prstGeom prst="curvedConnector3">
-            <a:avLst>
-              <a:gd name="adj1" fmla="val -568548"/>
-            </a:avLst>
-          </a:prstGeom>
-          <a:ln>
-            <a:tailEnd type="triangle"/>
-          </a:ln>
-        </p:spPr>
-        <p:style>
-          <a:lnRef idx="3">
-            <a:schemeClr val="dk1"/>
-          </a:lnRef>
-          <a:fillRef idx="0">
-            <a:schemeClr val="dk1"/>
-          </a:fillRef>
-          <a:effectRef idx="2">
-            <a:schemeClr val="dk1"/>
-          </a:effectRef>
-          <a:fontRef idx="minor">
-            <a:schemeClr val="tx1"/>
-          </a:fontRef>
-        </p:style>
-      </p:cxnSp>
-      <p:cxnSp>
-        <p:nvCxnSpPr>
-          <p:cNvPr id="307" name="구부러진 연결선 306"/>
-          <p:cNvCxnSpPr>
-            <a:stCxn id="211" idx="0"/>
-            <a:endCxn id="44" idx="2"/>
-          </p:cNvCxnSpPr>
-          <p:nvPr/>
-        </p:nvCxnSpPr>
-        <p:spPr>
-          <a:xfrm rot="5400000" flipH="1" flipV="1">
-            <a:off x="8218208" y="2835309"/>
-            <a:ext cx="1875976" cy="2965350"/>
-          </a:xfrm>
-          <a:prstGeom prst="curvedConnector3">
-            <a:avLst>
-              <a:gd name="adj1" fmla="val 19868"/>
+              <a:gd name="adj1" fmla="val 27371"/>
             </a:avLst>
           </a:prstGeom>
           <a:ln w="12700" cap="flat" cmpd="sng" algn="ctr">
@@ -10639,674 +7279,10 @@
           </a:fontRef>
         </p:style>
       </p:cxnSp>
-      <p:cxnSp>
-        <p:nvCxnSpPr>
-          <p:cNvPr id="314" name="구부러진 연결선 313"/>
-          <p:cNvCxnSpPr>
-            <a:stCxn id="212" idx="2"/>
-            <a:endCxn id="39" idx="3"/>
-          </p:cNvCxnSpPr>
-          <p:nvPr/>
-        </p:nvCxnSpPr>
-        <p:spPr>
-          <a:xfrm rot="10800000">
-            <a:off x="2586315" y="3624645"/>
-            <a:ext cx="3335933" cy="2634366"/>
-          </a:xfrm>
-          <a:prstGeom prst="curvedConnector3">
-            <a:avLst>
-              <a:gd name="adj1" fmla="val 7140"/>
-            </a:avLst>
-          </a:prstGeom>
-          <a:ln w="12700" cap="flat" cmpd="sng" algn="ctr">
-            <a:solidFill>
-              <a:schemeClr val="dk1"/>
-            </a:solidFill>
-            <a:prstDash val="dash"/>
-            <a:round/>
-            <a:headEnd type="none" w="med" len="med"/>
-            <a:tailEnd type="triangle" w="med" len="med"/>
-          </a:ln>
-        </p:spPr>
-        <p:style>
-          <a:lnRef idx="0">
-            <a:scrgbClr r="0" g="0" b="0"/>
-          </a:lnRef>
-          <a:fillRef idx="0">
-            <a:scrgbClr r="0" g="0" b="0"/>
-          </a:fillRef>
-          <a:effectRef idx="0">
-            <a:scrgbClr r="0" g="0" b="0"/>
-          </a:effectRef>
-          <a:fontRef idx="minor">
-            <a:schemeClr val="tx1"/>
-          </a:fontRef>
-        </p:style>
-      </p:cxnSp>
-      <p:sp>
-        <p:nvSpPr>
-          <p:cNvPr id="320" name="타원 319"/>
-          <p:cNvSpPr/>
-          <p:nvPr/>
-        </p:nvSpPr>
-        <p:spPr>
-          <a:xfrm>
-            <a:off x="1442407" y="4070024"/>
-            <a:ext cx="1075417" cy="509392"/>
-          </a:xfrm>
-          <a:prstGeom prst="ellipse">
-            <a:avLst/>
-          </a:prstGeom>
-        </p:spPr>
-        <p:style>
-          <a:lnRef idx="2">
-            <a:schemeClr val="dk1"/>
-          </a:lnRef>
-          <a:fillRef idx="1">
-            <a:schemeClr val="lt1"/>
-          </a:fillRef>
-          <a:effectRef idx="0">
-            <a:schemeClr val="dk1"/>
-          </a:effectRef>
-          <a:fontRef idx="minor">
-            <a:schemeClr val="dk1"/>
-          </a:fontRef>
-        </p:style>
-        <p:txBody>
-          <a:bodyPr rtlCol="0" anchor="ctr"/>
-          <a:lstStyle/>
-          <a:p>
-            <a:pPr algn="ctr"/>
-            <a:r>
-              <a:rPr lang="ko-KR" altLang="en-US" sz="1100" dirty="0" smtClean="0"/>
-              <a:t>검사결과</a:t>
-            </a:r>
-            <a:endParaRPr lang="en-US" altLang="ko-KR" sz="1100" dirty="0" smtClean="0"/>
-          </a:p>
-          <a:p>
-            <a:pPr algn="ctr"/>
-            <a:r>
-              <a:rPr lang="ko-KR" altLang="en-US" sz="1100" dirty="0" smtClean="0"/>
-              <a:t>확인</a:t>
-            </a:r>
-            <a:endParaRPr lang="ko-KR" altLang="en-US" sz="1100" dirty="0"/>
-          </a:p>
-        </p:txBody>
-      </p:sp>
-      <p:cxnSp>
-        <p:nvCxnSpPr>
-          <p:cNvPr id="324" name="구부러진 연결선 323"/>
-          <p:cNvCxnSpPr>
-            <a:stCxn id="320" idx="4"/>
-            <a:endCxn id="40" idx="1"/>
-          </p:cNvCxnSpPr>
-          <p:nvPr/>
-        </p:nvCxnSpPr>
-        <p:spPr>
-          <a:xfrm rot="16200000" flipH="1">
-            <a:off x="2082086" y="4477446"/>
-            <a:ext cx="781764" cy="985704"/>
-          </a:xfrm>
-          <a:prstGeom prst="curvedConnector2">
-            <a:avLst/>
-          </a:prstGeom>
-          <a:ln w="12700" cap="flat" cmpd="sng" algn="ctr">
-            <a:solidFill>
-              <a:schemeClr val="dk1"/>
-            </a:solidFill>
-            <a:prstDash val="dash"/>
-            <a:round/>
-            <a:headEnd type="none" w="med" len="med"/>
-            <a:tailEnd type="triangle" w="med" len="med"/>
-          </a:ln>
-        </p:spPr>
-        <p:style>
-          <a:lnRef idx="0">
-            <a:scrgbClr r="0" g="0" b="0"/>
-          </a:lnRef>
-          <a:fillRef idx="0">
-            <a:scrgbClr r="0" g="0" b="0"/>
-          </a:fillRef>
-          <a:effectRef idx="0">
-            <a:scrgbClr r="0" g="0" b="0"/>
-          </a:effectRef>
-          <a:fontRef idx="minor">
-            <a:schemeClr val="tx1"/>
-          </a:fontRef>
-        </p:style>
-      </p:cxnSp>
-      <p:sp>
-        <p:nvSpPr>
-          <p:cNvPr id="115" name="타원 114"/>
-          <p:cNvSpPr/>
-          <p:nvPr/>
-        </p:nvSpPr>
-        <p:spPr>
-          <a:xfrm>
-            <a:off x="693449" y="2879655"/>
-            <a:ext cx="1466242" cy="558904"/>
-          </a:xfrm>
-          <a:prstGeom prst="ellipse">
-            <a:avLst/>
-          </a:prstGeom>
-        </p:spPr>
-        <p:style>
-          <a:lnRef idx="2">
-            <a:schemeClr val="dk1"/>
-          </a:lnRef>
-          <a:fillRef idx="1">
-            <a:schemeClr val="lt1"/>
-          </a:fillRef>
-          <a:effectRef idx="0">
-            <a:schemeClr val="dk1"/>
-          </a:effectRef>
-          <a:fontRef idx="minor">
-            <a:schemeClr val="dk1"/>
-          </a:fontRef>
-        </p:style>
-        <p:txBody>
-          <a:bodyPr rtlCol="0" anchor="ctr"/>
-          <a:lstStyle/>
-          <a:p>
-            <a:pPr algn="ctr"/>
-            <a:r>
-              <a:rPr lang="ko-KR" altLang="en-US" sz="1100" dirty="0" smtClean="0"/>
-              <a:t>마음건강검사</a:t>
-            </a:r>
-            <a:endParaRPr lang="en-US" altLang="ko-KR" sz="1100" dirty="0" smtClean="0"/>
-          </a:p>
-          <a:p>
-            <a:pPr algn="ctr"/>
-            <a:r>
-              <a:rPr lang="ko-KR" altLang="en-US" sz="1100" dirty="0" smtClean="0"/>
-              <a:t>실시</a:t>
-            </a:r>
-            <a:endParaRPr lang="ko-KR" altLang="en-US" sz="1100" dirty="0"/>
-          </a:p>
-        </p:txBody>
-      </p:sp>
-      <p:sp>
-        <p:nvSpPr>
-          <p:cNvPr id="110" name="타원 109"/>
-          <p:cNvSpPr/>
-          <p:nvPr/>
-        </p:nvSpPr>
-        <p:spPr>
-          <a:xfrm>
-            <a:off x="9327260" y="1270144"/>
-            <a:ext cx="1428549" cy="587123"/>
-          </a:xfrm>
-          <a:prstGeom prst="ellipse">
-            <a:avLst/>
-          </a:prstGeom>
-        </p:spPr>
-        <p:style>
-          <a:lnRef idx="2">
-            <a:schemeClr val="dk1"/>
-          </a:lnRef>
-          <a:fillRef idx="1">
-            <a:schemeClr val="lt1"/>
-          </a:fillRef>
-          <a:effectRef idx="0">
-            <a:schemeClr val="dk1"/>
-          </a:effectRef>
-          <a:fontRef idx="minor">
-            <a:schemeClr val="dk1"/>
-          </a:fontRef>
-        </p:style>
-        <p:txBody>
-          <a:bodyPr rtlCol="0" anchor="ctr"/>
-          <a:lstStyle/>
-          <a:p>
-            <a:pPr algn="ctr"/>
-            <a:r>
-              <a:rPr lang="ko-KR" altLang="en-US" sz="1100" dirty="0" smtClean="0"/>
-              <a:t>상담 전문성</a:t>
-            </a:r>
-            <a:endParaRPr lang="en-US" altLang="ko-KR" sz="1100" dirty="0" smtClean="0"/>
-          </a:p>
-          <a:p>
-            <a:pPr algn="ctr"/>
-            <a:r>
-              <a:rPr lang="ko-KR" altLang="en-US" sz="1100" dirty="0" smtClean="0"/>
-              <a:t>공유 게시판</a:t>
-            </a:r>
-            <a:endParaRPr lang="ko-KR" altLang="en-US" sz="1100" dirty="0"/>
-          </a:p>
-        </p:txBody>
-      </p:sp>
-      <p:sp>
-        <p:nvSpPr>
-          <p:cNvPr id="111" name="타원 110"/>
-          <p:cNvSpPr/>
-          <p:nvPr/>
-        </p:nvSpPr>
-        <p:spPr>
-          <a:xfrm>
-            <a:off x="9356615" y="1961103"/>
-            <a:ext cx="1428549" cy="587123"/>
-          </a:xfrm>
-          <a:prstGeom prst="ellipse">
-            <a:avLst/>
-          </a:prstGeom>
-        </p:spPr>
-        <p:style>
-          <a:lnRef idx="2">
-            <a:schemeClr val="dk1"/>
-          </a:lnRef>
-          <a:fillRef idx="1">
-            <a:schemeClr val="lt1"/>
-          </a:fillRef>
-          <a:effectRef idx="0">
-            <a:schemeClr val="dk1"/>
-          </a:effectRef>
-          <a:fontRef idx="minor">
-            <a:schemeClr val="dk1"/>
-          </a:fontRef>
-        </p:style>
-        <p:txBody>
-          <a:bodyPr rtlCol="0" anchor="ctr"/>
-          <a:lstStyle/>
-          <a:p>
-            <a:pPr algn="ctr"/>
-            <a:r>
-              <a:rPr lang="ko-KR" altLang="en-US" sz="1100" dirty="0" smtClean="0"/>
-              <a:t>서식</a:t>
-            </a:r>
-            <a:endParaRPr lang="en-US" altLang="ko-KR" sz="1100" dirty="0" smtClean="0"/>
-          </a:p>
-          <a:p>
-            <a:pPr algn="ctr"/>
-            <a:r>
-              <a:rPr lang="ko-KR" altLang="en-US" sz="1100" dirty="0" smtClean="0"/>
-              <a:t>공유 게시판</a:t>
-            </a:r>
-            <a:endParaRPr lang="en-US" altLang="ko-KR" sz="1100" dirty="0" smtClean="0"/>
-          </a:p>
-        </p:txBody>
-      </p:sp>
-      <p:sp>
-        <p:nvSpPr>
-          <p:cNvPr id="114" name="타원 113"/>
-          <p:cNvSpPr/>
-          <p:nvPr/>
-        </p:nvSpPr>
-        <p:spPr>
-          <a:xfrm>
-            <a:off x="9359501" y="2656293"/>
-            <a:ext cx="1428549" cy="587123"/>
-          </a:xfrm>
-          <a:prstGeom prst="ellipse">
-            <a:avLst/>
-          </a:prstGeom>
-        </p:spPr>
-        <p:style>
-          <a:lnRef idx="2">
-            <a:schemeClr val="dk1"/>
-          </a:lnRef>
-          <a:fillRef idx="1">
-            <a:schemeClr val="lt1"/>
-          </a:fillRef>
-          <a:effectRef idx="0">
-            <a:schemeClr val="dk1"/>
-          </a:effectRef>
-          <a:fontRef idx="minor">
-            <a:schemeClr val="dk1"/>
-          </a:fontRef>
-        </p:style>
-        <p:txBody>
-          <a:bodyPr rtlCol="0" anchor="ctr"/>
-          <a:lstStyle/>
-          <a:p>
-            <a:pPr algn="ctr"/>
-            <a:r>
-              <a:rPr lang="ko-KR" altLang="en-US" sz="1100" dirty="0" smtClean="0"/>
-              <a:t>자유 게시판</a:t>
-            </a:r>
-            <a:endParaRPr lang="en-US" altLang="ko-KR" sz="1100" dirty="0" smtClean="0"/>
-          </a:p>
-        </p:txBody>
-      </p:sp>
-      <p:sp>
-        <p:nvSpPr>
-          <p:cNvPr id="119" name="타원 118"/>
-          <p:cNvSpPr/>
-          <p:nvPr/>
-        </p:nvSpPr>
-        <p:spPr>
-          <a:xfrm>
-            <a:off x="10958542" y="600599"/>
-            <a:ext cx="874394" cy="587123"/>
-          </a:xfrm>
-          <a:prstGeom prst="ellipse">
-            <a:avLst/>
-          </a:prstGeom>
-        </p:spPr>
-        <p:style>
-          <a:lnRef idx="2">
-            <a:schemeClr val="dk1"/>
-          </a:lnRef>
-          <a:fillRef idx="1">
-            <a:schemeClr val="lt1"/>
-          </a:fillRef>
-          <a:effectRef idx="0">
-            <a:schemeClr val="dk1"/>
-          </a:effectRef>
-          <a:fontRef idx="minor">
-            <a:schemeClr val="dk1"/>
-          </a:fontRef>
-        </p:style>
-        <p:txBody>
-          <a:bodyPr rtlCol="0" anchor="ctr"/>
-          <a:lstStyle/>
-          <a:p>
-            <a:pPr algn="ctr"/>
-            <a:r>
-              <a:rPr lang="ko-KR" altLang="en-US" sz="1100" dirty="0" smtClean="0"/>
-              <a:t>닉네임</a:t>
-            </a:r>
-            <a:endParaRPr lang="en-US" altLang="ko-KR" sz="1100" dirty="0" smtClean="0"/>
-          </a:p>
-          <a:p>
-            <a:pPr algn="ctr"/>
-            <a:r>
-              <a:rPr lang="ko-KR" altLang="en-US" sz="1100" dirty="0" smtClean="0"/>
-              <a:t>등록</a:t>
-            </a:r>
-            <a:endParaRPr lang="ko-KR" altLang="en-US" sz="1100" dirty="0"/>
-          </a:p>
-        </p:txBody>
-      </p:sp>
-      <p:sp>
-        <p:nvSpPr>
-          <p:cNvPr id="120" name="타원 119"/>
-          <p:cNvSpPr/>
-          <p:nvPr/>
-        </p:nvSpPr>
-        <p:spPr>
-          <a:xfrm>
-            <a:off x="10958542" y="1277980"/>
-            <a:ext cx="874394" cy="587123"/>
-          </a:xfrm>
-          <a:prstGeom prst="ellipse">
-            <a:avLst/>
-          </a:prstGeom>
-        </p:spPr>
-        <p:style>
-          <a:lnRef idx="2">
-            <a:schemeClr val="dk1"/>
-          </a:lnRef>
-          <a:fillRef idx="1">
-            <a:schemeClr val="lt1"/>
-          </a:fillRef>
-          <a:effectRef idx="0">
-            <a:schemeClr val="dk1"/>
-          </a:effectRef>
-          <a:fontRef idx="minor">
-            <a:schemeClr val="dk1"/>
-          </a:fontRef>
-        </p:style>
-        <p:txBody>
-          <a:bodyPr rtlCol="0" anchor="ctr"/>
-          <a:lstStyle/>
-          <a:p>
-            <a:pPr algn="ctr"/>
-            <a:r>
-              <a:rPr lang="ko-KR" altLang="en-US" sz="1100" dirty="0" smtClean="0"/>
-              <a:t>닉네임</a:t>
-            </a:r>
-            <a:endParaRPr lang="en-US" altLang="ko-KR" sz="1100" dirty="0" smtClean="0"/>
-          </a:p>
-          <a:p>
-            <a:pPr algn="ctr"/>
-            <a:r>
-              <a:rPr lang="ko-KR" altLang="en-US" sz="1100" dirty="0" smtClean="0"/>
-              <a:t>수정</a:t>
-            </a:r>
-            <a:endParaRPr lang="ko-KR" altLang="en-US" sz="1100" dirty="0"/>
-          </a:p>
-        </p:txBody>
-      </p:sp>
-      <p:sp>
-        <p:nvSpPr>
-          <p:cNvPr id="121" name="타원 120"/>
-          <p:cNvSpPr/>
-          <p:nvPr/>
-        </p:nvSpPr>
-        <p:spPr>
-          <a:xfrm>
-            <a:off x="10959648" y="1961103"/>
-            <a:ext cx="874394" cy="587123"/>
-          </a:xfrm>
-          <a:prstGeom prst="ellipse">
-            <a:avLst/>
-          </a:prstGeom>
-        </p:spPr>
-        <p:style>
-          <a:lnRef idx="2">
-            <a:schemeClr val="dk1"/>
-          </a:lnRef>
-          <a:fillRef idx="1">
-            <a:schemeClr val="lt1"/>
-          </a:fillRef>
-          <a:effectRef idx="0">
-            <a:schemeClr val="dk1"/>
-          </a:effectRef>
-          <a:fontRef idx="minor">
-            <a:schemeClr val="dk1"/>
-          </a:fontRef>
-        </p:style>
-        <p:txBody>
-          <a:bodyPr rtlCol="0" anchor="ctr"/>
-          <a:lstStyle/>
-          <a:p>
-            <a:pPr algn="ctr"/>
-            <a:r>
-              <a:rPr lang="ko-KR" altLang="en-US" sz="1100" dirty="0" smtClean="0"/>
-              <a:t>통합</a:t>
-            </a:r>
-            <a:endParaRPr lang="en-US" altLang="ko-KR" sz="1100" dirty="0" smtClean="0"/>
-          </a:p>
-          <a:p>
-            <a:pPr algn="ctr"/>
-            <a:r>
-              <a:rPr lang="ko-KR" altLang="en-US" sz="1100" dirty="0" smtClean="0"/>
-              <a:t>조회</a:t>
-            </a:r>
-            <a:endParaRPr lang="en-US" altLang="ko-KR" sz="1100" dirty="0" smtClean="0"/>
-          </a:p>
-        </p:txBody>
-      </p:sp>
-      <p:sp>
-        <p:nvSpPr>
-          <p:cNvPr id="124" name="타원 123"/>
-          <p:cNvSpPr/>
-          <p:nvPr/>
-        </p:nvSpPr>
-        <p:spPr>
-          <a:xfrm>
-            <a:off x="10846816" y="2656292"/>
-            <a:ext cx="1087543" cy="587123"/>
-          </a:xfrm>
-          <a:prstGeom prst="ellipse">
-            <a:avLst/>
-          </a:prstGeom>
-        </p:spPr>
-        <p:style>
-          <a:lnRef idx="2">
-            <a:schemeClr val="dk1"/>
-          </a:lnRef>
-          <a:fillRef idx="1">
-            <a:schemeClr val="lt1"/>
-          </a:fillRef>
-          <a:effectRef idx="0">
-            <a:schemeClr val="dk1"/>
-          </a:effectRef>
-          <a:fontRef idx="minor">
-            <a:schemeClr val="dk1"/>
-          </a:fontRef>
-        </p:style>
-        <p:txBody>
-          <a:bodyPr rtlCol="0" anchor="ctr"/>
-          <a:lstStyle/>
-          <a:p>
-            <a:pPr algn="ctr"/>
-            <a:r>
-              <a:rPr lang="ko-KR" altLang="en-US" sz="1100" dirty="0" smtClean="0"/>
-              <a:t>이모티콘</a:t>
-            </a:r>
-            <a:endParaRPr lang="en-US" altLang="ko-KR" sz="1100" dirty="0" smtClean="0"/>
-          </a:p>
-          <a:p>
-            <a:pPr algn="ctr"/>
-            <a:r>
-              <a:rPr lang="ko-KR" altLang="en-US" sz="1100" dirty="0" smtClean="0"/>
-              <a:t>등록</a:t>
-            </a:r>
-            <a:endParaRPr lang="en-US" altLang="ko-KR" sz="1100" dirty="0" smtClean="0"/>
-          </a:p>
-        </p:txBody>
-      </p:sp>
-      <p:sp>
-        <p:nvSpPr>
-          <p:cNvPr id="96" name="직사각형 95"/>
-          <p:cNvSpPr/>
-          <p:nvPr/>
-        </p:nvSpPr>
-        <p:spPr>
-          <a:xfrm>
-            <a:off x="4189847" y="310882"/>
-            <a:ext cx="1699365" cy="1506492"/>
-          </a:xfrm>
-          <a:prstGeom prst="rect">
-            <a:avLst/>
-          </a:prstGeom>
-        </p:spPr>
-        <p:style>
-          <a:lnRef idx="2">
-            <a:schemeClr val="dk1"/>
-          </a:lnRef>
-          <a:fillRef idx="1">
-            <a:schemeClr val="lt1"/>
-          </a:fillRef>
-          <a:effectRef idx="0">
-            <a:schemeClr val="dk1"/>
-          </a:effectRef>
-          <a:fontRef idx="minor">
-            <a:schemeClr val="dk1"/>
-          </a:fontRef>
-        </p:style>
-        <p:txBody>
-          <a:bodyPr rtlCol="0" anchor="t"/>
-          <a:lstStyle/>
-          <a:p>
-            <a:pPr algn="ctr"/>
-            <a:r>
-              <a:rPr lang="en-US" altLang="ko-KR" sz="1200" dirty="0" smtClean="0"/>
-              <a:t>Wee-Network</a:t>
-            </a:r>
-          </a:p>
-        </p:txBody>
-      </p:sp>
-      <p:sp>
-        <p:nvSpPr>
-          <p:cNvPr id="97" name="타원 96"/>
-          <p:cNvSpPr/>
-          <p:nvPr/>
-        </p:nvSpPr>
-        <p:spPr>
-          <a:xfrm>
-            <a:off x="4286850" y="616133"/>
-            <a:ext cx="1525251" cy="579703"/>
-          </a:xfrm>
-          <a:prstGeom prst="ellipse">
-            <a:avLst/>
-          </a:prstGeom>
-        </p:spPr>
-        <p:style>
-          <a:lnRef idx="2">
-            <a:schemeClr val="dk1"/>
-          </a:lnRef>
-          <a:fillRef idx="1">
-            <a:schemeClr val="lt1"/>
-          </a:fillRef>
-          <a:effectRef idx="0">
-            <a:schemeClr val="dk1"/>
-          </a:effectRef>
-          <a:fontRef idx="minor">
-            <a:schemeClr val="dk1"/>
-          </a:fontRef>
-        </p:style>
-        <p:txBody>
-          <a:bodyPr rtlCol="0" anchor="ctr"/>
-          <a:lstStyle/>
-          <a:p>
-            <a:pPr algn="ctr"/>
-            <a:r>
-              <a:rPr lang="en-US" altLang="ko-KR" sz="1100" dirty="0" smtClean="0"/>
-              <a:t>Wee-Network</a:t>
-            </a:r>
-          </a:p>
-          <a:p>
-            <a:pPr algn="ctr"/>
-            <a:r>
-              <a:rPr lang="ko-KR" altLang="en-US" sz="1100" dirty="0" smtClean="0"/>
-              <a:t>소개</a:t>
-            </a:r>
-            <a:endParaRPr lang="ko-KR" altLang="en-US" sz="1100" dirty="0"/>
-          </a:p>
-        </p:txBody>
-      </p:sp>
-      <p:sp>
-        <p:nvSpPr>
-          <p:cNvPr id="98" name="타원 97"/>
-          <p:cNvSpPr/>
-          <p:nvPr/>
-        </p:nvSpPr>
-        <p:spPr>
-          <a:xfrm>
-            <a:off x="4374216" y="1257727"/>
-            <a:ext cx="1318725" cy="467070"/>
-          </a:xfrm>
-          <a:prstGeom prst="ellipse">
-            <a:avLst/>
-          </a:prstGeom>
-        </p:spPr>
-        <p:style>
-          <a:lnRef idx="2">
-            <a:schemeClr val="dk1"/>
-          </a:lnRef>
-          <a:fillRef idx="1">
-            <a:schemeClr val="lt1"/>
-          </a:fillRef>
-          <a:effectRef idx="0">
-            <a:schemeClr val="dk1"/>
-          </a:effectRef>
-          <a:fontRef idx="minor">
-            <a:schemeClr val="dk1"/>
-          </a:fontRef>
-        </p:style>
-        <p:txBody>
-          <a:bodyPr rtlCol="0" anchor="ctr"/>
-          <a:lstStyle/>
-          <a:p>
-            <a:pPr algn="ctr"/>
-            <a:r>
-              <a:rPr lang="ko-KR" altLang="en-US" sz="1100" dirty="0" smtClean="0"/>
-              <a:t>위치 </a:t>
-            </a:r>
-            <a:r>
-              <a:rPr lang="ko-KR" altLang="en-US" sz="1100" dirty="0" smtClean="0"/>
-              <a:t>정보 조회</a:t>
-            </a:r>
-            <a:endParaRPr lang="ko-KR" altLang="en-US" sz="1100" dirty="0"/>
-          </a:p>
-        </p:txBody>
-      </p:sp>
     </p:spTree>
     <p:extLst>
       <p:ext uri="{BB962C8B-B14F-4D97-AF65-F5344CB8AC3E}">
-        <p14:creationId xmlns:p14="http://schemas.microsoft.com/office/powerpoint/2010/main" val="3833925209"/>
+        <p14:creationId xmlns:p14="http://schemas.microsoft.com/office/powerpoint/2010/main" val="384303772"/>
       </p:ext>
     </p:extLst>
   </p:cSld>

--- a/문서 관리/07. 유스케이스/07. 유스케이스(사용자).pptx
+++ b/문서 관리/07. 유스케이스/07. 유스케이스(사용자).pptx
@@ -2977,7 +2977,7 @@
         </p:nvSpPr>
         <p:spPr>
           <a:xfrm>
-            <a:off x="4512858" y="2955926"/>
+            <a:off x="3309208" y="2930263"/>
             <a:ext cx="1050536" cy="408398"/>
           </a:xfrm>
           <a:prstGeom prst="ellipse">
@@ -3020,12 +3020,14 @@
           <p:nvPr/>
         </p:nvCxnSpPr>
         <p:spPr>
-          <a:xfrm rot="10800000">
-            <a:off x="5563395" y="3160126"/>
-            <a:ext cx="472399" cy="236831"/>
+          <a:xfrm rot="10800000" flipV="1">
+            <a:off x="4359744" y="3134460"/>
+            <a:ext cx="1648492" cy="1"/>
           </a:xfrm>
           <a:prstGeom prst="curvedConnector3">
-            <a:avLst/>
+            <a:avLst>
+              <a:gd name="adj1" fmla="val 50000"/>
+            </a:avLst>
           </a:prstGeom>
           <a:ln>
             <a:tailEnd type="triangle"/>
@@ -3054,7 +3056,7 @@
         </p:nvSpPr>
         <p:spPr>
           <a:xfrm>
-            <a:off x="4094328" y="2161644"/>
+            <a:off x="4043345" y="2220777"/>
             <a:ext cx="1050536" cy="408398"/>
           </a:xfrm>
           <a:prstGeom prst="ellipse">
@@ -3098,9 +3100,9 @@
           <p:nvPr/>
         </p:nvCxnSpPr>
         <p:spPr>
-          <a:xfrm rot="16200000" flipV="1">
-            <a:off x="4635919" y="2553719"/>
-            <a:ext cx="385884" cy="418530"/>
+          <a:xfrm rot="5400000" flipH="1" flipV="1">
+            <a:off x="4051000" y="2412651"/>
+            <a:ext cx="301088" cy="734137"/>
           </a:xfrm>
           <a:prstGeom prst="curvedConnector3">
             <a:avLst>
@@ -3168,44 +3170,6 @@
           </a:p>
         </p:txBody>
       </p:sp>
-      <p:cxnSp>
-        <p:nvCxnSpPr>
-          <p:cNvPr id="35" name="구부러진 연결선 34"/>
-          <p:cNvCxnSpPr>
-            <a:stCxn id="24" idx="1"/>
-            <a:endCxn id="34" idx="2"/>
-          </p:cNvCxnSpPr>
-          <p:nvPr/>
-        </p:nvCxnSpPr>
-        <p:spPr>
-          <a:xfrm rot="16200000" flipV="1">
-            <a:off x="3071285" y="1420314"/>
-            <a:ext cx="612270" cy="2578571"/>
-          </a:xfrm>
-          <a:prstGeom prst="curvedConnector3">
-            <a:avLst>
-              <a:gd name="adj1" fmla="val 75796"/>
-            </a:avLst>
-          </a:prstGeom>
-          <a:ln>
-            <a:tailEnd type="triangle"/>
-          </a:ln>
-        </p:spPr>
-        <p:style>
-          <a:lnRef idx="3">
-            <a:schemeClr val="dk1"/>
-          </a:lnRef>
-          <a:fillRef idx="0">
-            <a:schemeClr val="dk1"/>
-          </a:fillRef>
-          <a:effectRef idx="2">
-            <a:schemeClr val="dk1"/>
-          </a:effectRef>
-          <a:fontRef idx="minor">
-            <a:schemeClr val="tx1"/>
-          </a:fontRef>
-        </p:style>
-      </p:cxnSp>
       <p:sp>
         <p:nvSpPr>
           <p:cNvPr id="38" name="직사각형 37"/>
@@ -4434,14 +4398,14 @@
         </p:nvCxnSpPr>
         <p:spPr>
           <a:xfrm rot="16200000" flipH="1">
-            <a:off x="7842078" y="583203"/>
-            <a:ext cx="364261" cy="5229324"/>
+            <a:off x="7227422" y="-31453"/>
+            <a:ext cx="389924" cy="6432974"/>
           </a:xfrm>
           <a:prstGeom prst="curvedConnector5">
             <a:avLst>
-              <a:gd name="adj1" fmla="val -62757"/>
-              <a:gd name="adj2" fmla="val 40145"/>
-              <a:gd name="adj3" fmla="val 162757"/>
+              <a:gd name="adj1" fmla="val -58627"/>
+              <a:gd name="adj2" fmla="val 40567"/>
+              <a:gd name="adj3" fmla="val 126649"/>
             </a:avLst>
           </a:prstGeom>
           <a:ln>
@@ -5277,8 +5241,8 @@
         </p:nvCxnSpPr>
         <p:spPr>
           <a:xfrm rot="10800000" flipV="1">
-            <a:off x="2586314" y="3160125"/>
-            <a:ext cx="1926544" cy="464520"/>
+            <a:off x="2586314" y="3134461"/>
+            <a:ext cx="722894" cy="490183"/>
           </a:xfrm>
           <a:prstGeom prst="curvedConnector3">
             <a:avLst>
@@ -5524,8 +5488,8 @@
         </p:nvCxnSpPr>
         <p:spPr>
           <a:xfrm rot="10800000" flipV="1">
-            <a:off x="4242433" y="3541306"/>
-            <a:ext cx="1850647" cy="448926"/>
+            <a:off x="4242432" y="3706338"/>
+            <a:ext cx="1797946" cy="283893"/>
           </a:xfrm>
           <a:prstGeom prst="curvedConnector2">
             <a:avLst/>
@@ -6656,7 +6620,7 @@
           <a:prstGeom prst="curvedConnector5">
             <a:avLst>
               <a:gd name="adj1" fmla="val -76353"/>
-              <a:gd name="adj2" fmla="val 27253"/>
+              <a:gd name="adj2" fmla="val 31085"/>
               <a:gd name="adj3" fmla="val 267975"/>
             </a:avLst>
           </a:prstGeom>
@@ -7251,7 +7215,7 @@
           </a:xfrm>
           <a:prstGeom prst="curvedConnector3">
             <a:avLst>
-              <a:gd name="adj1" fmla="val 27371"/>
+              <a:gd name="adj1" fmla="val 28606"/>
             </a:avLst>
           </a:prstGeom>
           <a:ln w="12700" cap="flat" cmpd="sng" algn="ctr">
@@ -7273,6 +7237,163 @@
           </a:fillRef>
           <a:effectRef idx="0">
             <a:scrgbClr r="0" g="0" b="0"/>
+          </a:effectRef>
+          <a:fontRef idx="minor">
+            <a:schemeClr val="tx1"/>
+          </a:fontRef>
+        </p:style>
+      </p:cxnSp>
+      <p:sp>
+        <p:nvSpPr>
+          <p:cNvPr id="107" name="타원 106"/>
+          <p:cNvSpPr/>
+          <p:nvPr/>
+        </p:nvSpPr>
+        <p:spPr>
+          <a:xfrm>
+            <a:off x="4495869" y="3264291"/>
+            <a:ext cx="1050536" cy="408398"/>
+          </a:xfrm>
+          <a:prstGeom prst="ellipse">
+            <a:avLst/>
+          </a:prstGeom>
+        </p:spPr>
+        <p:style>
+          <a:lnRef idx="2">
+            <a:schemeClr val="dk1"/>
+          </a:lnRef>
+          <a:fillRef idx="1">
+            <a:schemeClr val="lt1"/>
+          </a:fillRef>
+          <a:effectRef idx="0">
+            <a:schemeClr val="dk1"/>
+          </a:effectRef>
+          <a:fontRef idx="minor">
+            <a:schemeClr val="dk1"/>
+          </a:fontRef>
+        </p:style>
+        <p:txBody>
+          <a:bodyPr rtlCol="0" anchor="ctr"/>
+          <a:lstStyle/>
+          <a:p>
+            <a:pPr algn="ctr"/>
+            <a:r>
+              <a:rPr lang="en-US" altLang="ko-KR" sz="1100" dirty="0" smtClean="0"/>
+              <a:t>ID/PW </a:t>
+            </a:r>
+            <a:r>
+              <a:rPr lang="ko-KR" altLang="en-US" sz="1100" dirty="0" smtClean="0"/>
+              <a:t>찾기</a:t>
+            </a:r>
+            <a:endParaRPr lang="ko-KR" altLang="en-US" sz="1100" dirty="0"/>
+          </a:p>
+        </p:txBody>
+      </p:sp>
+      <p:cxnSp>
+        <p:nvCxnSpPr>
+          <p:cNvPr id="119" name="구부러진 연결선 118"/>
+          <p:cNvCxnSpPr>
+            <a:endCxn id="107" idx="6"/>
+          </p:cNvCxnSpPr>
+          <p:nvPr/>
+        </p:nvCxnSpPr>
+        <p:spPr>
+          <a:xfrm rot="10800000" flipV="1">
+            <a:off x="5546405" y="3309390"/>
+            <a:ext cx="465940" cy="159100"/>
+          </a:xfrm>
+          <a:prstGeom prst="curvedConnector3">
+            <a:avLst>
+              <a:gd name="adj1" fmla="val 50000"/>
+            </a:avLst>
+          </a:prstGeom>
+          <a:ln>
+            <a:tailEnd type="triangle"/>
+          </a:ln>
+        </p:spPr>
+        <p:style>
+          <a:lnRef idx="3">
+            <a:schemeClr val="dk1"/>
+          </a:lnRef>
+          <a:fillRef idx="0">
+            <a:schemeClr val="dk1"/>
+          </a:fillRef>
+          <a:effectRef idx="2">
+            <a:schemeClr val="dk1"/>
+          </a:effectRef>
+          <a:fontRef idx="minor">
+            <a:schemeClr val="tx1"/>
+          </a:fontRef>
+        </p:style>
+      </p:cxnSp>
+      <p:cxnSp>
+        <p:nvCxnSpPr>
+          <p:cNvPr id="124" name="구부러진 연결선 123"/>
+          <p:cNvCxnSpPr>
+            <a:stCxn id="107" idx="2"/>
+            <a:endCxn id="24" idx="4"/>
+          </p:cNvCxnSpPr>
+          <p:nvPr/>
+        </p:nvCxnSpPr>
+        <p:spPr>
+          <a:xfrm rot="10800000">
+            <a:off x="3834477" y="3338662"/>
+            <a:ext cx="661393" cy="129829"/>
+          </a:xfrm>
+          <a:prstGeom prst="curvedConnector2">
+            <a:avLst/>
+          </a:prstGeom>
+          <a:ln>
+            <a:tailEnd type="triangle"/>
+          </a:ln>
+        </p:spPr>
+        <p:style>
+          <a:lnRef idx="3">
+            <a:schemeClr val="dk1"/>
+          </a:lnRef>
+          <a:fillRef idx="0">
+            <a:schemeClr val="dk1"/>
+          </a:fillRef>
+          <a:effectRef idx="2">
+            <a:schemeClr val="dk1"/>
+          </a:effectRef>
+          <a:fontRef idx="minor">
+            <a:schemeClr val="tx1"/>
+          </a:fontRef>
+        </p:style>
+      </p:cxnSp>
+      <p:cxnSp>
+        <p:nvCxnSpPr>
+          <p:cNvPr id="35" name="구부러진 연결선 34"/>
+          <p:cNvCxnSpPr>
+            <a:stCxn id="24" idx="1"/>
+            <a:endCxn id="34" idx="2"/>
+          </p:cNvCxnSpPr>
+          <p:nvPr/>
+        </p:nvCxnSpPr>
+        <p:spPr>
+          <a:xfrm rot="16200000" flipV="1">
+            <a:off x="2482292" y="2009308"/>
+            <a:ext cx="586607" cy="1374921"/>
+          </a:xfrm>
+          <a:prstGeom prst="curvedConnector3">
+            <a:avLst>
+              <a:gd name="adj1" fmla="val 50000"/>
+            </a:avLst>
+          </a:prstGeom>
+          <a:ln>
+            <a:tailEnd type="triangle"/>
+          </a:ln>
+        </p:spPr>
+        <p:style>
+          <a:lnRef idx="3">
+            <a:schemeClr val="dk1"/>
+          </a:lnRef>
+          <a:fillRef idx="0">
+            <a:schemeClr val="dk1"/>
+          </a:fillRef>
+          <a:effectRef idx="2">
+            <a:schemeClr val="dk1"/>
           </a:effectRef>
           <a:fontRef idx="minor">
             <a:schemeClr val="tx1"/>
